--- a/DesignPatterns.pptx
+++ b/DesignPatterns.pptx
@@ -4,12 +4,25 @@
   <p:sldMasterIdLst>
     <p:sldMasterId id="2147483648" r:id="rId1"/>
   </p:sldMasterIdLst>
+  <p:notesMasterIdLst>
+    <p:notesMasterId r:id="rId17"/>
+  </p:notesMasterIdLst>
   <p:sldIdLst>
     <p:sldId id="256" r:id="rId2"/>
     <p:sldId id="257" r:id="rId3"/>
     <p:sldId id="258" r:id="rId4"/>
     <p:sldId id="259" r:id="rId5"/>
     <p:sldId id="260" r:id="rId6"/>
+    <p:sldId id="261" r:id="rId7"/>
+    <p:sldId id="262" r:id="rId8"/>
+    <p:sldId id="269" r:id="rId9"/>
+    <p:sldId id="264" r:id="rId10"/>
+    <p:sldId id="265" r:id="rId11"/>
+    <p:sldId id="263" r:id="rId12"/>
+    <p:sldId id="266" r:id="rId13"/>
+    <p:sldId id="267" r:id="rId14"/>
+    <p:sldId id="268" r:id="rId15"/>
+    <p:sldId id="270" r:id="rId16"/>
   </p:sldIdLst>
   <p:sldSz cx="12192000" cy="6858000"/>
   <p:notesSz cx="6858000" cy="9144000"/>
@@ -109,6 +122,608 @@
     </a:lvl9pPr>
   </p:defaultTextStyle>
 </p:presentation>
+</file>
+
+<file path=ppt/notesMasters/notesMaster1.xml><?xml version="1.0" encoding="utf-8"?>
+<p:notesMaster xmlns:a="http://schemas.openxmlformats.org/drawingml/2006/main" xmlns:r="http://schemas.openxmlformats.org/officeDocument/2006/relationships" xmlns:p="http://schemas.openxmlformats.org/presentationml/2006/main">
+  <p:cSld>
+    <p:bg>
+      <p:bgRef idx="1001">
+        <a:schemeClr val="bg1"/>
+      </p:bgRef>
+    </p:bg>
+    <p:spTree>
+      <p:nvGrpSpPr>
+        <p:cNvPr id="1" name=""/>
+        <p:cNvGrpSpPr/>
+        <p:nvPr/>
+      </p:nvGrpSpPr>
+      <p:grpSpPr>
+        <a:xfrm>
+          <a:off x="0" y="0"/>
+          <a:ext cx="0" cy="0"/>
+          <a:chOff x="0" y="0"/>
+          <a:chExt cx="0" cy="0"/>
+        </a:xfrm>
+      </p:grpSpPr>
+      <p:sp>
+        <p:nvSpPr>
+          <p:cNvPr id="2" name="Header Placeholder 1"/>
+          <p:cNvSpPr>
+            <a:spLocks noGrp="1"/>
+          </p:cNvSpPr>
+          <p:nvPr>
+            <p:ph type="hdr" sz="quarter"/>
+          </p:nvPr>
+        </p:nvSpPr>
+        <p:spPr>
+          <a:xfrm>
+            <a:off x="0" y="0"/>
+            <a:ext cx="2971800" cy="458788"/>
+          </a:xfrm>
+          <a:prstGeom prst="rect">
+            <a:avLst/>
+          </a:prstGeom>
+        </p:spPr>
+        <p:txBody>
+          <a:bodyPr vert="horz" lIns="91440" tIns="45720" rIns="91440" bIns="45720" rtlCol="0"/>
+          <a:lstStyle>
+            <a:lvl1pPr algn="l">
+              <a:defRPr sz="1200"/>
+            </a:lvl1pPr>
+          </a:lstStyle>
+          <a:p>
+            <a:endParaRPr lang="en-US"/>
+          </a:p>
+        </p:txBody>
+      </p:sp>
+      <p:sp>
+        <p:nvSpPr>
+          <p:cNvPr id="3" name="Date Placeholder 2"/>
+          <p:cNvSpPr>
+            <a:spLocks noGrp="1"/>
+          </p:cNvSpPr>
+          <p:nvPr>
+            <p:ph type="dt" idx="1"/>
+          </p:nvPr>
+        </p:nvSpPr>
+        <p:spPr>
+          <a:xfrm>
+            <a:off x="3884613" y="0"/>
+            <a:ext cx="2971800" cy="458788"/>
+          </a:xfrm>
+          <a:prstGeom prst="rect">
+            <a:avLst/>
+          </a:prstGeom>
+        </p:spPr>
+        <p:txBody>
+          <a:bodyPr vert="horz" lIns="91440" tIns="45720" rIns="91440" bIns="45720" rtlCol="0"/>
+          <a:lstStyle>
+            <a:lvl1pPr algn="r">
+              <a:defRPr sz="1200"/>
+            </a:lvl1pPr>
+          </a:lstStyle>
+          <a:p>
+            <a:fld id="{78110C27-D234-244B-8291-2DBA364E4551}" type="datetimeFigureOut">
+              <a:rPr lang="en-US" smtClean="0"/>
+              <a:t>2/24/21</a:t>
+            </a:fld>
+            <a:endParaRPr lang="en-US"/>
+          </a:p>
+        </p:txBody>
+      </p:sp>
+      <p:sp>
+        <p:nvSpPr>
+          <p:cNvPr id="4" name="Slide Image Placeholder 3"/>
+          <p:cNvSpPr>
+            <a:spLocks noGrp="1" noRot="1" noChangeAspect="1"/>
+          </p:cNvSpPr>
+          <p:nvPr>
+            <p:ph type="sldImg" idx="2"/>
+          </p:nvPr>
+        </p:nvSpPr>
+        <p:spPr>
+          <a:xfrm>
+            <a:off x="685800" y="1143000"/>
+            <a:ext cx="5486400" cy="3086100"/>
+          </a:xfrm>
+          <a:prstGeom prst="rect">
+            <a:avLst/>
+          </a:prstGeom>
+          <a:noFill/>
+          <a:ln w="12700">
+            <a:solidFill>
+              <a:prstClr val="black"/>
+            </a:solidFill>
+          </a:ln>
+        </p:spPr>
+        <p:txBody>
+          <a:bodyPr vert="horz" lIns="91440" tIns="45720" rIns="91440" bIns="45720" rtlCol="0" anchor="ctr"/>
+          <a:lstStyle/>
+          <a:p>
+            <a:endParaRPr lang="en-US"/>
+          </a:p>
+        </p:txBody>
+      </p:sp>
+      <p:sp>
+        <p:nvSpPr>
+          <p:cNvPr id="5" name="Notes Placeholder 4"/>
+          <p:cNvSpPr>
+            <a:spLocks noGrp="1"/>
+          </p:cNvSpPr>
+          <p:nvPr>
+            <p:ph type="body" sz="quarter" idx="3"/>
+          </p:nvPr>
+        </p:nvSpPr>
+        <p:spPr>
+          <a:xfrm>
+            <a:off x="685800" y="4400550"/>
+            <a:ext cx="5486400" cy="3600450"/>
+          </a:xfrm>
+          <a:prstGeom prst="rect">
+            <a:avLst/>
+          </a:prstGeom>
+        </p:spPr>
+        <p:txBody>
+          <a:bodyPr vert="horz" lIns="91440" tIns="45720" rIns="91440" bIns="45720" rtlCol="0"/>
+          <a:lstStyle/>
+          <a:p>
+            <a:pPr lvl="0"/>
+            <a:r>
+              <a:rPr lang="en-GB"/>
+              <a:t>Click to edit Master text styles</a:t>
+            </a:r>
+          </a:p>
+          <a:p>
+            <a:pPr lvl="1"/>
+            <a:r>
+              <a:rPr lang="en-GB"/>
+              <a:t>Second level</a:t>
+            </a:r>
+          </a:p>
+          <a:p>
+            <a:pPr lvl="2"/>
+            <a:r>
+              <a:rPr lang="en-GB"/>
+              <a:t>Third level</a:t>
+            </a:r>
+          </a:p>
+          <a:p>
+            <a:pPr lvl="3"/>
+            <a:r>
+              <a:rPr lang="en-GB"/>
+              <a:t>Fourth level</a:t>
+            </a:r>
+          </a:p>
+          <a:p>
+            <a:pPr lvl="4"/>
+            <a:r>
+              <a:rPr lang="en-GB"/>
+              <a:t>Fifth level</a:t>
+            </a:r>
+            <a:endParaRPr lang="en-US"/>
+          </a:p>
+        </p:txBody>
+      </p:sp>
+      <p:sp>
+        <p:nvSpPr>
+          <p:cNvPr id="6" name="Footer Placeholder 5"/>
+          <p:cNvSpPr>
+            <a:spLocks noGrp="1"/>
+          </p:cNvSpPr>
+          <p:nvPr>
+            <p:ph type="ftr" sz="quarter" idx="4"/>
+          </p:nvPr>
+        </p:nvSpPr>
+        <p:spPr>
+          <a:xfrm>
+            <a:off x="0" y="8685213"/>
+            <a:ext cx="2971800" cy="458787"/>
+          </a:xfrm>
+          <a:prstGeom prst="rect">
+            <a:avLst/>
+          </a:prstGeom>
+        </p:spPr>
+        <p:txBody>
+          <a:bodyPr vert="horz" lIns="91440" tIns="45720" rIns="91440" bIns="45720" rtlCol="0" anchor="b"/>
+          <a:lstStyle>
+            <a:lvl1pPr algn="l">
+              <a:defRPr sz="1200"/>
+            </a:lvl1pPr>
+          </a:lstStyle>
+          <a:p>
+            <a:endParaRPr lang="en-US"/>
+          </a:p>
+        </p:txBody>
+      </p:sp>
+      <p:sp>
+        <p:nvSpPr>
+          <p:cNvPr id="7" name="Slide Number Placeholder 6"/>
+          <p:cNvSpPr>
+            <a:spLocks noGrp="1"/>
+          </p:cNvSpPr>
+          <p:nvPr>
+            <p:ph type="sldNum" sz="quarter" idx="5"/>
+          </p:nvPr>
+        </p:nvSpPr>
+        <p:spPr>
+          <a:xfrm>
+            <a:off x="3884613" y="8685213"/>
+            <a:ext cx="2971800" cy="458787"/>
+          </a:xfrm>
+          <a:prstGeom prst="rect">
+            <a:avLst/>
+          </a:prstGeom>
+        </p:spPr>
+        <p:txBody>
+          <a:bodyPr vert="horz" lIns="91440" tIns="45720" rIns="91440" bIns="45720" rtlCol="0" anchor="b"/>
+          <a:lstStyle>
+            <a:lvl1pPr algn="r">
+              <a:defRPr sz="1200"/>
+            </a:lvl1pPr>
+          </a:lstStyle>
+          <a:p>
+            <a:fld id="{3BC4BB35-9DF7-8647-98FE-3686F802A8A4}" type="slidenum">
+              <a:rPr lang="en-US" smtClean="0"/>
+              <a:t>‹#›</a:t>
+            </a:fld>
+            <a:endParaRPr lang="en-US"/>
+          </a:p>
+        </p:txBody>
+      </p:sp>
+    </p:spTree>
+    <p:extLst>
+      <p:ext uri="{BB962C8B-B14F-4D97-AF65-F5344CB8AC3E}">
+        <p14:creationId xmlns:p14="http://schemas.microsoft.com/office/powerpoint/2010/main" val="1846960806"/>
+      </p:ext>
+    </p:extLst>
+  </p:cSld>
+  <p:clrMap bg1="lt1" tx1="dk1" bg2="lt2" tx2="dk2" accent1="accent1" accent2="accent2" accent3="accent3" accent4="accent4" accent5="accent5" accent6="accent6" hlink="hlink" folHlink="folHlink"/>
+  <p:notesStyle>
+    <a:lvl1pPr marL="0" algn="l" defTabSz="914400" rtl="0" eaLnBrk="1" latinLnBrk="0" hangingPunct="1">
+      <a:defRPr sz="1200" kern="1200">
+        <a:solidFill>
+          <a:schemeClr val="tx1"/>
+        </a:solidFill>
+        <a:latin typeface="+mn-lt"/>
+        <a:ea typeface="+mn-ea"/>
+        <a:cs typeface="+mn-cs"/>
+      </a:defRPr>
+    </a:lvl1pPr>
+    <a:lvl2pPr marL="457200" algn="l" defTabSz="914400" rtl="0" eaLnBrk="1" latinLnBrk="0" hangingPunct="1">
+      <a:defRPr sz="1200" kern="1200">
+        <a:solidFill>
+          <a:schemeClr val="tx1"/>
+        </a:solidFill>
+        <a:latin typeface="+mn-lt"/>
+        <a:ea typeface="+mn-ea"/>
+        <a:cs typeface="+mn-cs"/>
+      </a:defRPr>
+    </a:lvl2pPr>
+    <a:lvl3pPr marL="914400" algn="l" defTabSz="914400" rtl="0" eaLnBrk="1" latinLnBrk="0" hangingPunct="1">
+      <a:defRPr sz="1200" kern="1200">
+        <a:solidFill>
+          <a:schemeClr val="tx1"/>
+        </a:solidFill>
+        <a:latin typeface="+mn-lt"/>
+        <a:ea typeface="+mn-ea"/>
+        <a:cs typeface="+mn-cs"/>
+      </a:defRPr>
+    </a:lvl3pPr>
+    <a:lvl4pPr marL="1371600" algn="l" defTabSz="914400" rtl="0" eaLnBrk="1" latinLnBrk="0" hangingPunct="1">
+      <a:defRPr sz="1200" kern="1200">
+        <a:solidFill>
+          <a:schemeClr val="tx1"/>
+        </a:solidFill>
+        <a:latin typeface="+mn-lt"/>
+        <a:ea typeface="+mn-ea"/>
+        <a:cs typeface="+mn-cs"/>
+      </a:defRPr>
+    </a:lvl4pPr>
+    <a:lvl5pPr marL="1828800" algn="l" defTabSz="914400" rtl="0" eaLnBrk="1" latinLnBrk="0" hangingPunct="1">
+      <a:defRPr sz="1200" kern="1200">
+        <a:solidFill>
+          <a:schemeClr val="tx1"/>
+        </a:solidFill>
+        <a:latin typeface="+mn-lt"/>
+        <a:ea typeface="+mn-ea"/>
+        <a:cs typeface="+mn-cs"/>
+      </a:defRPr>
+    </a:lvl5pPr>
+    <a:lvl6pPr marL="2286000" algn="l" defTabSz="914400" rtl="0" eaLnBrk="1" latinLnBrk="0" hangingPunct="1">
+      <a:defRPr sz="1200" kern="1200">
+        <a:solidFill>
+          <a:schemeClr val="tx1"/>
+        </a:solidFill>
+        <a:latin typeface="+mn-lt"/>
+        <a:ea typeface="+mn-ea"/>
+        <a:cs typeface="+mn-cs"/>
+      </a:defRPr>
+    </a:lvl6pPr>
+    <a:lvl7pPr marL="2743200" algn="l" defTabSz="914400" rtl="0" eaLnBrk="1" latinLnBrk="0" hangingPunct="1">
+      <a:defRPr sz="1200" kern="1200">
+        <a:solidFill>
+          <a:schemeClr val="tx1"/>
+        </a:solidFill>
+        <a:latin typeface="+mn-lt"/>
+        <a:ea typeface="+mn-ea"/>
+        <a:cs typeface="+mn-cs"/>
+      </a:defRPr>
+    </a:lvl7pPr>
+    <a:lvl8pPr marL="3200400" algn="l" defTabSz="914400" rtl="0" eaLnBrk="1" latinLnBrk="0" hangingPunct="1">
+      <a:defRPr sz="1200" kern="1200">
+        <a:solidFill>
+          <a:schemeClr val="tx1"/>
+        </a:solidFill>
+        <a:latin typeface="+mn-lt"/>
+        <a:ea typeface="+mn-ea"/>
+        <a:cs typeface="+mn-cs"/>
+      </a:defRPr>
+    </a:lvl8pPr>
+    <a:lvl9pPr marL="3657600" algn="l" defTabSz="914400" rtl="0" eaLnBrk="1" latinLnBrk="0" hangingPunct="1">
+      <a:defRPr sz="1200" kern="1200">
+        <a:solidFill>
+          <a:schemeClr val="tx1"/>
+        </a:solidFill>
+        <a:latin typeface="+mn-lt"/>
+        <a:ea typeface="+mn-ea"/>
+        <a:cs typeface="+mn-cs"/>
+      </a:defRPr>
+    </a:lvl9pPr>
+  </p:notesStyle>
+</p:notesMaster>
+</file>
+
+<file path=ppt/notesSlides/notesSlide1.xml><?xml version="1.0" encoding="utf-8"?>
+<p:notes xmlns:a="http://schemas.openxmlformats.org/drawingml/2006/main" xmlns:r="http://schemas.openxmlformats.org/officeDocument/2006/relationships" xmlns:p="http://schemas.openxmlformats.org/presentationml/2006/main">
+  <p:cSld>
+    <p:spTree>
+      <p:nvGrpSpPr>
+        <p:cNvPr id="1" name=""/>
+        <p:cNvGrpSpPr/>
+        <p:nvPr/>
+      </p:nvGrpSpPr>
+      <p:grpSpPr>
+        <a:xfrm>
+          <a:off x="0" y="0"/>
+          <a:ext cx="0" cy="0"/>
+          <a:chOff x="0" y="0"/>
+          <a:chExt cx="0" cy="0"/>
+        </a:xfrm>
+      </p:grpSpPr>
+      <p:sp>
+        <p:nvSpPr>
+          <p:cNvPr id="2" name="Slide Image Placeholder 1"/>
+          <p:cNvSpPr>
+            <a:spLocks noGrp="1" noRot="1" noChangeAspect="1"/>
+          </p:cNvSpPr>
+          <p:nvPr>
+            <p:ph type="sldImg"/>
+          </p:nvPr>
+        </p:nvSpPr>
+        <p:spPr/>
+      </p:sp>
+      <p:sp>
+        <p:nvSpPr>
+          <p:cNvPr id="3" name="Notes Placeholder 2"/>
+          <p:cNvSpPr>
+            <a:spLocks noGrp="1"/>
+          </p:cNvSpPr>
+          <p:nvPr>
+            <p:ph type="body" idx="1"/>
+          </p:nvPr>
+        </p:nvSpPr>
+        <p:spPr/>
+        <p:txBody>
+          <a:bodyPr/>
+          <a:lstStyle/>
+          <a:p>
+            <a:endParaRPr lang="en-US" dirty="0"/>
+          </a:p>
+        </p:txBody>
+      </p:sp>
+      <p:sp>
+        <p:nvSpPr>
+          <p:cNvPr id="4" name="Slide Number Placeholder 3"/>
+          <p:cNvSpPr>
+            <a:spLocks noGrp="1"/>
+          </p:cNvSpPr>
+          <p:nvPr>
+            <p:ph type="sldNum" sz="quarter" idx="5"/>
+          </p:nvPr>
+        </p:nvSpPr>
+        <p:spPr/>
+        <p:txBody>
+          <a:bodyPr/>
+          <a:lstStyle/>
+          <a:p>
+            <a:fld id="{3BC4BB35-9DF7-8647-98FE-3686F802A8A4}" type="slidenum">
+              <a:rPr lang="en-US" smtClean="0"/>
+              <a:t>7</a:t>
+            </a:fld>
+            <a:endParaRPr lang="en-US"/>
+          </a:p>
+        </p:txBody>
+      </p:sp>
+    </p:spTree>
+    <p:extLst>
+      <p:ext uri="{BB962C8B-B14F-4D97-AF65-F5344CB8AC3E}">
+        <p14:creationId xmlns:p14="http://schemas.microsoft.com/office/powerpoint/2010/main" val="839830855"/>
+      </p:ext>
+    </p:extLst>
+  </p:cSld>
+  <p:clrMapOvr>
+    <a:masterClrMapping/>
+  </p:clrMapOvr>
+</p:notes>
+</file>
+
+<file path=ppt/notesSlides/notesSlide2.xml><?xml version="1.0" encoding="utf-8"?>
+<p:notes xmlns:a="http://schemas.openxmlformats.org/drawingml/2006/main" xmlns:r="http://schemas.openxmlformats.org/officeDocument/2006/relationships" xmlns:p="http://schemas.openxmlformats.org/presentationml/2006/main">
+  <p:cSld>
+    <p:spTree>
+      <p:nvGrpSpPr>
+        <p:cNvPr id="1" name=""/>
+        <p:cNvGrpSpPr/>
+        <p:nvPr/>
+      </p:nvGrpSpPr>
+      <p:grpSpPr>
+        <a:xfrm>
+          <a:off x="0" y="0"/>
+          <a:ext cx="0" cy="0"/>
+          <a:chOff x="0" y="0"/>
+          <a:chExt cx="0" cy="0"/>
+        </a:xfrm>
+      </p:grpSpPr>
+      <p:sp>
+        <p:nvSpPr>
+          <p:cNvPr id="2" name="Slide Image Placeholder 1"/>
+          <p:cNvSpPr>
+            <a:spLocks noGrp="1" noRot="1" noChangeAspect="1"/>
+          </p:cNvSpPr>
+          <p:nvPr>
+            <p:ph type="sldImg"/>
+          </p:nvPr>
+        </p:nvSpPr>
+        <p:spPr/>
+      </p:sp>
+      <p:sp>
+        <p:nvSpPr>
+          <p:cNvPr id="3" name="Notes Placeholder 2"/>
+          <p:cNvSpPr>
+            <a:spLocks noGrp="1"/>
+          </p:cNvSpPr>
+          <p:nvPr>
+            <p:ph type="body" idx="1"/>
+          </p:nvPr>
+        </p:nvSpPr>
+        <p:spPr/>
+        <p:txBody>
+          <a:bodyPr/>
+          <a:lstStyle/>
+          <a:p>
+            <a:endParaRPr lang="en-US" dirty="0"/>
+          </a:p>
+        </p:txBody>
+      </p:sp>
+      <p:sp>
+        <p:nvSpPr>
+          <p:cNvPr id="4" name="Slide Number Placeholder 3"/>
+          <p:cNvSpPr>
+            <a:spLocks noGrp="1"/>
+          </p:cNvSpPr>
+          <p:nvPr>
+            <p:ph type="sldNum" sz="quarter" idx="5"/>
+          </p:nvPr>
+        </p:nvSpPr>
+        <p:spPr/>
+        <p:txBody>
+          <a:bodyPr/>
+          <a:lstStyle/>
+          <a:p>
+            <a:fld id="{3BC4BB35-9DF7-8647-98FE-3686F802A8A4}" type="slidenum">
+              <a:rPr lang="en-US" smtClean="0"/>
+              <a:t>9</a:t>
+            </a:fld>
+            <a:endParaRPr lang="en-US"/>
+          </a:p>
+        </p:txBody>
+      </p:sp>
+    </p:spTree>
+    <p:extLst>
+      <p:ext uri="{BB962C8B-B14F-4D97-AF65-F5344CB8AC3E}">
+        <p14:creationId xmlns:p14="http://schemas.microsoft.com/office/powerpoint/2010/main" val="1885716185"/>
+      </p:ext>
+    </p:extLst>
+  </p:cSld>
+  <p:clrMapOvr>
+    <a:masterClrMapping/>
+  </p:clrMapOvr>
+</p:notes>
+</file>
+
+<file path=ppt/notesSlides/notesSlide3.xml><?xml version="1.0" encoding="utf-8"?>
+<p:notes xmlns:a="http://schemas.openxmlformats.org/drawingml/2006/main" xmlns:r="http://schemas.openxmlformats.org/officeDocument/2006/relationships" xmlns:p="http://schemas.openxmlformats.org/presentationml/2006/main">
+  <p:cSld>
+    <p:spTree>
+      <p:nvGrpSpPr>
+        <p:cNvPr id="1" name=""/>
+        <p:cNvGrpSpPr/>
+        <p:nvPr/>
+      </p:nvGrpSpPr>
+      <p:grpSpPr>
+        <a:xfrm>
+          <a:off x="0" y="0"/>
+          <a:ext cx="0" cy="0"/>
+          <a:chOff x="0" y="0"/>
+          <a:chExt cx="0" cy="0"/>
+        </a:xfrm>
+      </p:grpSpPr>
+      <p:sp>
+        <p:nvSpPr>
+          <p:cNvPr id="2" name="Slide Image Placeholder 1"/>
+          <p:cNvSpPr>
+            <a:spLocks noGrp="1" noRot="1" noChangeAspect="1"/>
+          </p:cNvSpPr>
+          <p:nvPr>
+            <p:ph type="sldImg"/>
+          </p:nvPr>
+        </p:nvSpPr>
+        <p:spPr/>
+      </p:sp>
+      <p:sp>
+        <p:nvSpPr>
+          <p:cNvPr id="3" name="Notes Placeholder 2"/>
+          <p:cNvSpPr>
+            <a:spLocks noGrp="1"/>
+          </p:cNvSpPr>
+          <p:nvPr>
+            <p:ph type="body" idx="1"/>
+          </p:nvPr>
+        </p:nvSpPr>
+        <p:spPr/>
+        <p:txBody>
+          <a:bodyPr/>
+          <a:lstStyle/>
+          <a:p>
+            <a:endParaRPr lang="en-US" dirty="0"/>
+          </a:p>
+        </p:txBody>
+      </p:sp>
+      <p:sp>
+        <p:nvSpPr>
+          <p:cNvPr id="4" name="Slide Number Placeholder 3"/>
+          <p:cNvSpPr>
+            <a:spLocks noGrp="1"/>
+          </p:cNvSpPr>
+          <p:nvPr>
+            <p:ph type="sldNum" sz="quarter" idx="5"/>
+          </p:nvPr>
+        </p:nvSpPr>
+        <p:spPr/>
+        <p:txBody>
+          <a:bodyPr/>
+          <a:lstStyle/>
+          <a:p>
+            <a:fld id="{3BC4BB35-9DF7-8647-98FE-3686F802A8A4}" type="slidenum">
+              <a:rPr lang="en-US" smtClean="0"/>
+              <a:t>10</a:t>
+            </a:fld>
+            <a:endParaRPr lang="en-US"/>
+          </a:p>
+        </p:txBody>
+      </p:sp>
+    </p:spTree>
+    <p:extLst>
+      <p:ext uri="{BB962C8B-B14F-4D97-AF65-F5344CB8AC3E}">
+        <p14:creationId xmlns:p14="http://schemas.microsoft.com/office/powerpoint/2010/main" val="3844545872"/>
+      </p:ext>
+    </p:extLst>
+  </p:cSld>
+  <p:clrMapOvr>
+    <a:masterClrMapping/>
+  </p:clrMapOvr>
+</p:notes>
 </file>
 
 <file path=ppt/slideLayouts/slideLayout1.xml><?xml version="1.0" encoding="utf-8"?>
@@ -3945,6 +4560,2002 @@
 </p:sld>
 </file>
 
+<file path=ppt/slides/slide10.xml><?xml version="1.0" encoding="utf-8"?>
+<p:sld xmlns:a="http://schemas.openxmlformats.org/drawingml/2006/main" xmlns:r="http://schemas.openxmlformats.org/officeDocument/2006/relationships" xmlns:p="http://schemas.openxmlformats.org/presentationml/2006/main">
+  <p:cSld>
+    <p:spTree>
+      <p:nvGrpSpPr>
+        <p:cNvPr id="1" name=""/>
+        <p:cNvGrpSpPr/>
+        <p:nvPr/>
+      </p:nvGrpSpPr>
+      <p:grpSpPr>
+        <a:xfrm>
+          <a:off x="0" y="0"/>
+          <a:ext cx="0" cy="0"/>
+          <a:chOff x="0" y="0"/>
+          <a:chExt cx="0" cy="0"/>
+        </a:xfrm>
+      </p:grpSpPr>
+      <p:sp>
+        <p:nvSpPr>
+          <p:cNvPr id="2" name="Title 1">
+            <a:extLst>
+              <a:ext uri="{FF2B5EF4-FFF2-40B4-BE49-F238E27FC236}">
+                <a16:creationId xmlns:a16="http://schemas.microsoft.com/office/drawing/2014/main" id="{F88582F3-5BC2-114F-AB51-A93318B338BF}"/>
+              </a:ext>
+            </a:extLst>
+          </p:cNvPr>
+          <p:cNvSpPr>
+            <a:spLocks noGrp="1"/>
+          </p:cNvSpPr>
+          <p:nvPr>
+            <p:ph type="title"/>
+          </p:nvPr>
+        </p:nvSpPr>
+        <p:spPr>
+          <a:xfrm>
+            <a:off x="754118" y="112877"/>
+            <a:ext cx="10292254" cy="917137"/>
+          </a:xfrm>
+        </p:spPr>
+        <p:txBody>
+          <a:bodyPr>
+            <a:normAutofit/>
+          </a:bodyPr>
+          <a:lstStyle/>
+          <a:p>
+            <a:r>
+              <a:rPr lang="en-US" sz="3600" dirty="0"/>
+              <a:t>Adapter Pattern:</a:t>
+            </a:r>
+          </a:p>
+        </p:txBody>
+      </p:sp>
+      <p:sp>
+        <p:nvSpPr>
+          <p:cNvPr id="3" name="Content Placeholder 2">
+            <a:extLst>
+              <a:ext uri="{FF2B5EF4-FFF2-40B4-BE49-F238E27FC236}">
+                <a16:creationId xmlns:a16="http://schemas.microsoft.com/office/drawing/2014/main" id="{74DE91CD-4A20-AC46-8762-EBB6F07F5235}"/>
+              </a:ext>
+            </a:extLst>
+          </p:cNvPr>
+          <p:cNvSpPr>
+            <a:spLocks noGrp="1"/>
+          </p:cNvSpPr>
+          <p:nvPr>
+            <p:ph idx="1"/>
+          </p:nvPr>
+        </p:nvSpPr>
+        <p:spPr>
+          <a:xfrm>
+            <a:off x="754118" y="1030014"/>
+            <a:ext cx="8925910" cy="917137"/>
+          </a:xfrm>
+        </p:spPr>
+        <p:txBody>
+          <a:bodyPr>
+            <a:normAutofit fontScale="92500" lnSpcReduction="10000"/>
+          </a:bodyPr>
+          <a:lstStyle/>
+          <a:p>
+            <a:r>
+              <a:rPr lang="en-IN" sz="2400" dirty="0"/>
+              <a:t>Adapter pattern is used so that two unrelated interfaces can work together. The object that joins these unrelated interface is called an Adapter. </a:t>
+            </a:r>
+          </a:p>
+        </p:txBody>
+      </p:sp>
+      <p:sp>
+        <p:nvSpPr>
+          <p:cNvPr id="5" name="Title 1">
+            <a:extLst>
+              <a:ext uri="{FF2B5EF4-FFF2-40B4-BE49-F238E27FC236}">
+                <a16:creationId xmlns:a16="http://schemas.microsoft.com/office/drawing/2014/main" id="{8427E8C6-7F6A-1F4F-8712-C5A950D4BF75}"/>
+              </a:ext>
+            </a:extLst>
+          </p:cNvPr>
+          <p:cNvSpPr txBox="1">
+            <a:spLocks/>
+          </p:cNvSpPr>
+          <p:nvPr/>
+        </p:nvSpPr>
+        <p:spPr>
+          <a:xfrm>
+            <a:off x="618192" y="2054663"/>
+            <a:ext cx="10292254" cy="917137"/>
+          </a:xfrm>
+          <a:prstGeom prst="rect">
+            <a:avLst/>
+          </a:prstGeom>
+        </p:spPr>
+        <p:txBody>
+          <a:bodyPr vert="horz" lIns="91440" tIns="45720" rIns="91440" bIns="45720" rtlCol="0" anchor="ctr">
+            <a:normAutofit/>
+          </a:bodyPr>
+          <a:lstStyle>
+            <a:lvl1pPr algn="l" defTabSz="914400" rtl="0" eaLnBrk="1" latinLnBrk="0" hangingPunct="1">
+              <a:lnSpc>
+                <a:spcPct val="90000"/>
+              </a:lnSpc>
+              <a:spcBef>
+                <a:spcPct val="0"/>
+              </a:spcBef>
+              <a:buNone/>
+              <a:defRPr sz="4400" kern="1200">
+                <a:solidFill>
+                  <a:schemeClr val="tx1"/>
+                </a:solidFill>
+                <a:latin typeface="+mj-lt"/>
+                <a:ea typeface="+mj-ea"/>
+                <a:cs typeface="+mj-cs"/>
+              </a:defRPr>
+            </a:lvl1pPr>
+          </a:lstStyle>
+          <a:p>
+            <a:pPr marL="457200" indent="-457200">
+              <a:buFont typeface="Wingdings" pitchFamily="2" charset="2"/>
+              <a:buChar char="Ø"/>
+            </a:pPr>
+            <a:r>
+              <a:rPr lang="en-US" sz="2800" dirty="0"/>
+              <a:t>Adapter Pattern Implementation:</a:t>
+            </a:r>
+          </a:p>
+        </p:txBody>
+      </p:sp>
+      <p:sp>
+        <p:nvSpPr>
+          <p:cNvPr id="6" name="Content Placeholder 2">
+            <a:extLst>
+              <a:ext uri="{FF2B5EF4-FFF2-40B4-BE49-F238E27FC236}">
+                <a16:creationId xmlns:a16="http://schemas.microsoft.com/office/drawing/2014/main" id="{D05625B3-61A0-C44B-BA45-882E5F64D141}"/>
+              </a:ext>
+            </a:extLst>
+          </p:cNvPr>
+          <p:cNvSpPr txBox="1">
+            <a:spLocks/>
+          </p:cNvSpPr>
+          <p:nvPr/>
+        </p:nvSpPr>
+        <p:spPr>
+          <a:xfrm>
+            <a:off x="1040576" y="2960865"/>
+            <a:ext cx="9752284" cy="1458096"/>
+          </a:xfrm>
+          <a:prstGeom prst="rect">
+            <a:avLst/>
+          </a:prstGeom>
+        </p:spPr>
+        <p:txBody>
+          <a:bodyPr vert="horz" lIns="91440" tIns="45720" rIns="91440" bIns="45720" rtlCol="0">
+            <a:noAutofit/>
+          </a:bodyPr>
+          <a:lstStyle>
+            <a:lvl1pPr marL="228600" indent="-228600" algn="l" defTabSz="914400" rtl="0" eaLnBrk="1" latinLnBrk="0" hangingPunct="1">
+              <a:lnSpc>
+                <a:spcPct val="90000"/>
+              </a:lnSpc>
+              <a:spcBef>
+                <a:spcPts val="1000"/>
+              </a:spcBef>
+              <a:buFont typeface="Arial" panose="020B0604020202020204" pitchFamily="34" charset="0"/>
+              <a:buChar char="•"/>
+              <a:defRPr sz="2800" kern="1200">
+                <a:solidFill>
+                  <a:schemeClr val="tx1"/>
+                </a:solidFill>
+                <a:latin typeface="+mn-lt"/>
+                <a:ea typeface="+mn-ea"/>
+                <a:cs typeface="+mn-cs"/>
+              </a:defRPr>
+            </a:lvl1pPr>
+            <a:lvl2pPr marL="685800" indent="-228600" algn="l" defTabSz="914400" rtl="0" eaLnBrk="1" latinLnBrk="0" hangingPunct="1">
+              <a:lnSpc>
+                <a:spcPct val="90000"/>
+              </a:lnSpc>
+              <a:spcBef>
+                <a:spcPts val="500"/>
+              </a:spcBef>
+              <a:buFont typeface="Arial" panose="020B0604020202020204" pitchFamily="34" charset="0"/>
+              <a:buChar char="•"/>
+              <a:defRPr sz="2400" kern="1200">
+                <a:solidFill>
+                  <a:schemeClr val="tx1"/>
+                </a:solidFill>
+                <a:latin typeface="+mn-lt"/>
+                <a:ea typeface="+mn-ea"/>
+                <a:cs typeface="+mn-cs"/>
+              </a:defRPr>
+            </a:lvl2pPr>
+            <a:lvl3pPr marL="1143000" indent="-228600" algn="l" defTabSz="914400" rtl="0" eaLnBrk="1" latinLnBrk="0" hangingPunct="1">
+              <a:lnSpc>
+                <a:spcPct val="90000"/>
+              </a:lnSpc>
+              <a:spcBef>
+                <a:spcPts val="500"/>
+              </a:spcBef>
+              <a:buFont typeface="Arial" panose="020B0604020202020204" pitchFamily="34" charset="0"/>
+              <a:buChar char="•"/>
+              <a:defRPr sz="2000" kern="1200">
+                <a:solidFill>
+                  <a:schemeClr val="tx1"/>
+                </a:solidFill>
+                <a:latin typeface="+mn-lt"/>
+                <a:ea typeface="+mn-ea"/>
+                <a:cs typeface="+mn-cs"/>
+              </a:defRPr>
+            </a:lvl3pPr>
+            <a:lvl4pPr marL="1600200" indent="-228600" algn="l" defTabSz="914400" rtl="0" eaLnBrk="1" latinLnBrk="0" hangingPunct="1">
+              <a:lnSpc>
+                <a:spcPct val="90000"/>
+              </a:lnSpc>
+              <a:spcBef>
+                <a:spcPts val="500"/>
+              </a:spcBef>
+              <a:buFont typeface="Arial" panose="020B0604020202020204" pitchFamily="34" charset="0"/>
+              <a:buChar char="•"/>
+              <a:defRPr sz="1800" kern="1200">
+                <a:solidFill>
+                  <a:schemeClr val="tx1"/>
+                </a:solidFill>
+                <a:latin typeface="+mn-lt"/>
+                <a:ea typeface="+mn-ea"/>
+                <a:cs typeface="+mn-cs"/>
+              </a:defRPr>
+            </a:lvl4pPr>
+            <a:lvl5pPr marL="2057400" indent="-228600" algn="l" defTabSz="914400" rtl="0" eaLnBrk="1" latinLnBrk="0" hangingPunct="1">
+              <a:lnSpc>
+                <a:spcPct val="90000"/>
+              </a:lnSpc>
+              <a:spcBef>
+                <a:spcPts val="500"/>
+              </a:spcBef>
+              <a:buFont typeface="Arial" panose="020B0604020202020204" pitchFamily="34" charset="0"/>
+              <a:buChar char="•"/>
+              <a:defRPr sz="1800" kern="1200">
+                <a:solidFill>
+                  <a:schemeClr val="tx1"/>
+                </a:solidFill>
+                <a:latin typeface="+mn-lt"/>
+                <a:ea typeface="+mn-ea"/>
+                <a:cs typeface="+mn-cs"/>
+              </a:defRPr>
+            </a:lvl5pPr>
+            <a:lvl6pPr marL="2514600" indent="-228600" algn="l" defTabSz="914400" rtl="0" eaLnBrk="1" latinLnBrk="0" hangingPunct="1">
+              <a:lnSpc>
+                <a:spcPct val="90000"/>
+              </a:lnSpc>
+              <a:spcBef>
+                <a:spcPts val="500"/>
+              </a:spcBef>
+              <a:buFont typeface="Arial" panose="020B0604020202020204" pitchFamily="34" charset="0"/>
+              <a:buChar char="•"/>
+              <a:defRPr sz="1800" kern="1200">
+                <a:solidFill>
+                  <a:schemeClr val="tx1"/>
+                </a:solidFill>
+                <a:latin typeface="+mn-lt"/>
+                <a:ea typeface="+mn-ea"/>
+                <a:cs typeface="+mn-cs"/>
+              </a:defRPr>
+            </a:lvl6pPr>
+            <a:lvl7pPr marL="2971800" indent="-228600" algn="l" defTabSz="914400" rtl="0" eaLnBrk="1" latinLnBrk="0" hangingPunct="1">
+              <a:lnSpc>
+                <a:spcPct val="90000"/>
+              </a:lnSpc>
+              <a:spcBef>
+                <a:spcPts val="500"/>
+              </a:spcBef>
+              <a:buFont typeface="Arial" panose="020B0604020202020204" pitchFamily="34" charset="0"/>
+              <a:buChar char="•"/>
+              <a:defRPr sz="1800" kern="1200">
+                <a:solidFill>
+                  <a:schemeClr val="tx1"/>
+                </a:solidFill>
+                <a:latin typeface="+mn-lt"/>
+                <a:ea typeface="+mn-ea"/>
+                <a:cs typeface="+mn-cs"/>
+              </a:defRPr>
+            </a:lvl7pPr>
+            <a:lvl8pPr marL="3429000" indent="-228600" algn="l" defTabSz="914400" rtl="0" eaLnBrk="1" latinLnBrk="0" hangingPunct="1">
+              <a:lnSpc>
+                <a:spcPct val="90000"/>
+              </a:lnSpc>
+              <a:spcBef>
+                <a:spcPts val="500"/>
+              </a:spcBef>
+              <a:buFont typeface="Arial" panose="020B0604020202020204" pitchFamily="34" charset="0"/>
+              <a:buChar char="•"/>
+              <a:defRPr sz="1800" kern="1200">
+                <a:solidFill>
+                  <a:schemeClr val="tx1"/>
+                </a:solidFill>
+                <a:latin typeface="+mn-lt"/>
+                <a:ea typeface="+mn-ea"/>
+                <a:cs typeface="+mn-cs"/>
+              </a:defRPr>
+            </a:lvl8pPr>
+            <a:lvl9pPr marL="3886200" indent="-228600" algn="l" defTabSz="914400" rtl="0" eaLnBrk="1" latinLnBrk="0" hangingPunct="1">
+              <a:lnSpc>
+                <a:spcPct val="90000"/>
+              </a:lnSpc>
+              <a:spcBef>
+                <a:spcPts val="500"/>
+              </a:spcBef>
+              <a:buFont typeface="Arial" panose="020B0604020202020204" pitchFamily="34" charset="0"/>
+              <a:buChar char="•"/>
+              <a:defRPr sz="1800" kern="1200">
+                <a:solidFill>
+                  <a:schemeClr val="tx1"/>
+                </a:solidFill>
+                <a:latin typeface="+mn-lt"/>
+                <a:ea typeface="+mn-ea"/>
+                <a:cs typeface="+mn-cs"/>
+              </a:defRPr>
+            </a:lvl9pPr>
+          </a:lstStyle>
+          <a:p>
+            <a:r>
+              <a:rPr lang="en-IN" sz="2200" dirty="0"/>
+              <a:t>https://</a:t>
+            </a:r>
+            <a:r>
+              <a:rPr lang="en-IN" sz="2200" dirty="0" err="1"/>
+              <a:t>github.com</a:t>
+            </a:r>
+            <a:r>
+              <a:rPr lang="en-IN" sz="2200" dirty="0"/>
+              <a:t>/amanjain201/</a:t>
+            </a:r>
+            <a:r>
+              <a:rPr lang="en-IN" sz="2200" dirty="0" err="1"/>
+              <a:t>JavaDesignPattern</a:t>
+            </a:r>
+            <a:r>
+              <a:rPr lang="en-IN" sz="2200" dirty="0"/>
+              <a:t>/tree/master/</a:t>
+            </a:r>
+            <a:r>
+              <a:rPr lang="en-IN" sz="2200" dirty="0" err="1"/>
+              <a:t>src</a:t>
+            </a:r>
+            <a:r>
+              <a:rPr lang="en-IN" sz="2200" dirty="0"/>
+              <a:t>/adapter</a:t>
+            </a:r>
+          </a:p>
+        </p:txBody>
+      </p:sp>
+    </p:spTree>
+    <p:extLst>
+      <p:ext uri="{BB962C8B-B14F-4D97-AF65-F5344CB8AC3E}">
+        <p14:creationId xmlns:p14="http://schemas.microsoft.com/office/powerpoint/2010/main" val="350916739"/>
+      </p:ext>
+    </p:extLst>
+  </p:cSld>
+  <p:clrMapOvr>
+    <a:masterClrMapping/>
+  </p:clrMapOvr>
+</p:sld>
+</file>
+
+<file path=ppt/slides/slide11.xml><?xml version="1.0" encoding="utf-8"?>
+<p:sld xmlns:a="http://schemas.openxmlformats.org/drawingml/2006/main" xmlns:r="http://schemas.openxmlformats.org/officeDocument/2006/relationships" xmlns:p="http://schemas.openxmlformats.org/presentationml/2006/main">
+  <p:cSld>
+    <p:spTree>
+      <p:nvGrpSpPr>
+        <p:cNvPr id="1" name=""/>
+        <p:cNvGrpSpPr/>
+        <p:nvPr/>
+      </p:nvGrpSpPr>
+      <p:grpSpPr>
+        <a:xfrm>
+          <a:off x="0" y="0"/>
+          <a:ext cx="0" cy="0"/>
+          <a:chOff x="0" y="0"/>
+          <a:chExt cx="0" cy="0"/>
+        </a:xfrm>
+      </p:grpSpPr>
+      <p:sp>
+        <p:nvSpPr>
+          <p:cNvPr id="2" name="Title 1">
+            <a:extLst>
+              <a:ext uri="{FF2B5EF4-FFF2-40B4-BE49-F238E27FC236}">
+                <a16:creationId xmlns:a16="http://schemas.microsoft.com/office/drawing/2014/main" id="{F88582F3-5BC2-114F-AB51-A93318B338BF}"/>
+              </a:ext>
+            </a:extLst>
+          </p:cNvPr>
+          <p:cNvSpPr>
+            <a:spLocks noGrp="1"/>
+          </p:cNvSpPr>
+          <p:nvPr>
+            <p:ph type="title"/>
+          </p:nvPr>
+        </p:nvSpPr>
+        <p:spPr>
+          <a:xfrm>
+            <a:off x="754118" y="112877"/>
+            <a:ext cx="10292254" cy="917137"/>
+          </a:xfrm>
+        </p:spPr>
+        <p:txBody>
+          <a:bodyPr>
+            <a:normAutofit/>
+          </a:bodyPr>
+          <a:lstStyle/>
+          <a:p>
+            <a:r>
+              <a:rPr lang="en-US" sz="3600" dirty="0"/>
+              <a:t>Bridge Pattern:</a:t>
+            </a:r>
+          </a:p>
+        </p:txBody>
+      </p:sp>
+      <p:sp>
+        <p:nvSpPr>
+          <p:cNvPr id="3" name="Content Placeholder 2">
+            <a:extLst>
+              <a:ext uri="{FF2B5EF4-FFF2-40B4-BE49-F238E27FC236}">
+                <a16:creationId xmlns:a16="http://schemas.microsoft.com/office/drawing/2014/main" id="{74DE91CD-4A20-AC46-8762-EBB6F07F5235}"/>
+              </a:ext>
+            </a:extLst>
+          </p:cNvPr>
+          <p:cNvSpPr>
+            <a:spLocks noGrp="1"/>
+          </p:cNvSpPr>
+          <p:nvPr>
+            <p:ph idx="1"/>
+          </p:nvPr>
+        </p:nvSpPr>
+        <p:spPr>
+          <a:xfrm>
+            <a:off x="754117" y="1220623"/>
+            <a:ext cx="10292253" cy="1374296"/>
+          </a:xfrm>
+        </p:spPr>
+        <p:txBody>
+          <a:bodyPr>
+            <a:normAutofit lnSpcReduction="10000"/>
+          </a:bodyPr>
+          <a:lstStyle/>
+          <a:p>
+            <a:r>
+              <a:rPr lang="en-IN" sz="2400" dirty="0"/>
+              <a:t>When we have interface hierarchies in both interfaces as well as implementations, then bridge design pattern is used to decouple the interfaces from implementation and hiding the implementation details from the client programs.</a:t>
+            </a:r>
+          </a:p>
+        </p:txBody>
+      </p:sp>
+      <p:sp>
+        <p:nvSpPr>
+          <p:cNvPr id="4" name="Title 1">
+            <a:extLst>
+              <a:ext uri="{FF2B5EF4-FFF2-40B4-BE49-F238E27FC236}">
+                <a16:creationId xmlns:a16="http://schemas.microsoft.com/office/drawing/2014/main" id="{19CFCED8-6259-894A-A361-64447E8D48BF}"/>
+              </a:ext>
+            </a:extLst>
+          </p:cNvPr>
+          <p:cNvSpPr txBox="1">
+            <a:spLocks/>
+          </p:cNvSpPr>
+          <p:nvPr/>
+        </p:nvSpPr>
+        <p:spPr>
+          <a:xfrm>
+            <a:off x="754116" y="2785528"/>
+            <a:ext cx="10292254" cy="917137"/>
+          </a:xfrm>
+          <a:prstGeom prst="rect">
+            <a:avLst/>
+          </a:prstGeom>
+        </p:spPr>
+        <p:txBody>
+          <a:bodyPr vert="horz" lIns="91440" tIns="45720" rIns="91440" bIns="45720" rtlCol="0" anchor="ctr">
+            <a:normAutofit/>
+          </a:bodyPr>
+          <a:lstStyle>
+            <a:lvl1pPr algn="l" defTabSz="914400" rtl="0" eaLnBrk="1" latinLnBrk="0" hangingPunct="1">
+              <a:lnSpc>
+                <a:spcPct val="90000"/>
+              </a:lnSpc>
+              <a:spcBef>
+                <a:spcPct val="0"/>
+              </a:spcBef>
+              <a:buNone/>
+              <a:defRPr sz="4400" kern="1200">
+                <a:solidFill>
+                  <a:schemeClr val="tx1"/>
+                </a:solidFill>
+                <a:latin typeface="+mj-lt"/>
+                <a:ea typeface="+mj-ea"/>
+                <a:cs typeface="+mj-cs"/>
+              </a:defRPr>
+            </a:lvl1pPr>
+          </a:lstStyle>
+          <a:p>
+            <a:pPr marL="457200" indent="-457200">
+              <a:buFont typeface="Wingdings" pitchFamily="2" charset="2"/>
+              <a:buChar char="Ø"/>
+            </a:pPr>
+            <a:r>
+              <a:rPr lang="en-US" sz="2800" dirty="0"/>
+              <a:t>Bridge Pattern Implementation:</a:t>
+            </a:r>
+          </a:p>
+        </p:txBody>
+      </p:sp>
+      <p:sp>
+        <p:nvSpPr>
+          <p:cNvPr id="5" name="Content Placeholder 2">
+            <a:extLst>
+              <a:ext uri="{FF2B5EF4-FFF2-40B4-BE49-F238E27FC236}">
+                <a16:creationId xmlns:a16="http://schemas.microsoft.com/office/drawing/2014/main" id="{914B7C62-E4EE-E345-8B09-D8E5B1AC3871}"/>
+              </a:ext>
+            </a:extLst>
+          </p:cNvPr>
+          <p:cNvSpPr txBox="1">
+            <a:spLocks/>
+          </p:cNvSpPr>
+          <p:nvPr/>
+        </p:nvSpPr>
+        <p:spPr>
+          <a:xfrm>
+            <a:off x="1176500" y="3691730"/>
+            <a:ext cx="9752284" cy="1458096"/>
+          </a:xfrm>
+          <a:prstGeom prst="rect">
+            <a:avLst/>
+          </a:prstGeom>
+        </p:spPr>
+        <p:txBody>
+          <a:bodyPr vert="horz" lIns="91440" tIns="45720" rIns="91440" bIns="45720" rtlCol="0">
+            <a:noAutofit/>
+          </a:bodyPr>
+          <a:lstStyle>
+            <a:lvl1pPr marL="228600" indent="-228600" algn="l" defTabSz="914400" rtl="0" eaLnBrk="1" latinLnBrk="0" hangingPunct="1">
+              <a:lnSpc>
+                <a:spcPct val="90000"/>
+              </a:lnSpc>
+              <a:spcBef>
+                <a:spcPts val="1000"/>
+              </a:spcBef>
+              <a:buFont typeface="Arial" panose="020B0604020202020204" pitchFamily="34" charset="0"/>
+              <a:buChar char="•"/>
+              <a:defRPr sz="2800" kern="1200">
+                <a:solidFill>
+                  <a:schemeClr val="tx1"/>
+                </a:solidFill>
+                <a:latin typeface="+mn-lt"/>
+                <a:ea typeface="+mn-ea"/>
+                <a:cs typeface="+mn-cs"/>
+              </a:defRPr>
+            </a:lvl1pPr>
+            <a:lvl2pPr marL="685800" indent="-228600" algn="l" defTabSz="914400" rtl="0" eaLnBrk="1" latinLnBrk="0" hangingPunct="1">
+              <a:lnSpc>
+                <a:spcPct val="90000"/>
+              </a:lnSpc>
+              <a:spcBef>
+                <a:spcPts val="500"/>
+              </a:spcBef>
+              <a:buFont typeface="Arial" panose="020B0604020202020204" pitchFamily="34" charset="0"/>
+              <a:buChar char="•"/>
+              <a:defRPr sz="2400" kern="1200">
+                <a:solidFill>
+                  <a:schemeClr val="tx1"/>
+                </a:solidFill>
+                <a:latin typeface="+mn-lt"/>
+                <a:ea typeface="+mn-ea"/>
+                <a:cs typeface="+mn-cs"/>
+              </a:defRPr>
+            </a:lvl2pPr>
+            <a:lvl3pPr marL="1143000" indent="-228600" algn="l" defTabSz="914400" rtl="0" eaLnBrk="1" latinLnBrk="0" hangingPunct="1">
+              <a:lnSpc>
+                <a:spcPct val="90000"/>
+              </a:lnSpc>
+              <a:spcBef>
+                <a:spcPts val="500"/>
+              </a:spcBef>
+              <a:buFont typeface="Arial" panose="020B0604020202020204" pitchFamily="34" charset="0"/>
+              <a:buChar char="•"/>
+              <a:defRPr sz="2000" kern="1200">
+                <a:solidFill>
+                  <a:schemeClr val="tx1"/>
+                </a:solidFill>
+                <a:latin typeface="+mn-lt"/>
+                <a:ea typeface="+mn-ea"/>
+                <a:cs typeface="+mn-cs"/>
+              </a:defRPr>
+            </a:lvl3pPr>
+            <a:lvl4pPr marL="1600200" indent="-228600" algn="l" defTabSz="914400" rtl="0" eaLnBrk="1" latinLnBrk="0" hangingPunct="1">
+              <a:lnSpc>
+                <a:spcPct val="90000"/>
+              </a:lnSpc>
+              <a:spcBef>
+                <a:spcPts val="500"/>
+              </a:spcBef>
+              <a:buFont typeface="Arial" panose="020B0604020202020204" pitchFamily="34" charset="0"/>
+              <a:buChar char="•"/>
+              <a:defRPr sz="1800" kern="1200">
+                <a:solidFill>
+                  <a:schemeClr val="tx1"/>
+                </a:solidFill>
+                <a:latin typeface="+mn-lt"/>
+                <a:ea typeface="+mn-ea"/>
+                <a:cs typeface="+mn-cs"/>
+              </a:defRPr>
+            </a:lvl4pPr>
+            <a:lvl5pPr marL="2057400" indent="-228600" algn="l" defTabSz="914400" rtl="0" eaLnBrk="1" latinLnBrk="0" hangingPunct="1">
+              <a:lnSpc>
+                <a:spcPct val="90000"/>
+              </a:lnSpc>
+              <a:spcBef>
+                <a:spcPts val="500"/>
+              </a:spcBef>
+              <a:buFont typeface="Arial" panose="020B0604020202020204" pitchFamily="34" charset="0"/>
+              <a:buChar char="•"/>
+              <a:defRPr sz="1800" kern="1200">
+                <a:solidFill>
+                  <a:schemeClr val="tx1"/>
+                </a:solidFill>
+                <a:latin typeface="+mn-lt"/>
+                <a:ea typeface="+mn-ea"/>
+                <a:cs typeface="+mn-cs"/>
+              </a:defRPr>
+            </a:lvl5pPr>
+            <a:lvl6pPr marL="2514600" indent="-228600" algn="l" defTabSz="914400" rtl="0" eaLnBrk="1" latinLnBrk="0" hangingPunct="1">
+              <a:lnSpc>
+                <a:spcPct val="90000"/>
+              </a:lnSpc>
+              <a:spcBef>
+                <a:spcPts val="500"/>
+              </a:spcBef>
+              <a:buFont typeface="Arial" panose="020B0604020202020204" pitchFamily="34" charset="0"/>
+              <a:buChar char="•"/>
+              <a:defRPr sz="1800" kern="1200">
+                <a:solidFill>
+                  <a:schemeClr val="tx1"/>
+                </a:solidFill>
+                <a:latin typeface="+mn-lt"/>
+                <a:ea typeface="+mn-ea"/>
+                <a:cs typeface="+mn-cs"/>
+              </a:defRPr>
+            </a:lvl6pPr>
+            <a:lvl7pPr marL="2971800" indent="-228600" algn="l" defTabSz="914400" rtl="0" eaLnBrk="1" latinLnBrk="0" hangingPunct="1">
+              <a:lnSpc>
+                <a:spcPct val="90000"/>
+              </a:lnSpc>
+              <a:spcBef>
+                <a:spcPts val="500"/>
+              </a:spcBef>
+              <a:buFont typeface="Arial" panose="020B0604020202020204" pitchFamily="34" charset="0"/>
+              <a:buChar char="•"/>
+              <a:defRPr sz="1800" kern="1200">
+                <a:solidFill>
+                  <a:schemeClr val="tx1"/>
+                </a:solidFill>
+                <a:latin typeface="+mn-lt"/>
+                <a:ea typeface="+mn-ea"/>
+                <a:cs typeface="+mn-cs"/>
+              </a:defRPr>
+            </a:lvl7pPr>
+            <a:lvl8pPr marL="3429000" indent="-228600" algn="l" defTabSz="914400" rtl="0" eaLnBrk="1" latinLnBrk="0" hangingPunct="1">
+              <a:lnSpc>
+                <a:spcPct val="90000"/>
+              </a:lnSpc>
+              <a:spcBef>
+                <a:spcPts val="500"/>
+              </a:spcBef>
+              <a:buFont typeface="Arial" panose="020B0604020202020204" pitchFamily="34" charset="0"/>
+              <a:buChar char="•"/>
+              <a:defRPr sz="1800" kern="1200">
+                <a:solidFill>
+                  <a:schemeClr val="tx1"/>
+                </a:solidFill>
+                <a:latin typeface="+mn-lt"/>
+                <a:ea typeface="+mn-ea"/>
+                <a:cs typeface="+mn-cs"/>
+              </a:defRPr>
+            </a:lvl8pPr>
+            <a:lvl9pPr marL="3886200" indent="-228600" algn="l" defTabSz="914400" rtl="0" eaLnBrk="1" latinLnBrk="0" hangingPunct="1">
+              <a:lnSpc>
+                <a:spcPct val="90000"/>
+              </a:lnSpc>
+              <a:spcBef>
+                <a:spcPts val="500"/>
+              </a:spcBef>
+              <a:buFont typeface="Arial" panose="020B0604020202020204" pitchFamily="34" charset="0"/>
+              <a:buChar char="•"/>
+              <a:defRPr sz="1800" kern="1200">
+                <a:solidFill>
+                  <a:schemeClr val="tx1"/>
+                </a:solidFill>
+                <a:latin typeface="+mn-lt"/>
+                <a:ea typeface="+mn-ea"/>
+                <a:cs typeface="+mn-cs"/>
+              </a:defRPr>
+            </a:lvl9pPr>
+          </a:lstStyle>
+          <a:p>
+            <a:r>
+              <a:rPr lang="en-IN" sz="2200" dirty="0"/>
+              <a:t>https://</a:t>
+            </a:r>
+            <a:r>
+              <a:rPr lang="en-IN" sz="2200" dirty="0" err="1"/>
+              <a:t>github.com</a:t>
+            </a:r>
+            <a:r>
+              <a:rPr lang="en-IN" sz="2200" dirty="0"/>
+              <a:t>/amanjain201/</a:t>
+            </a:r>
+            <a:r>
+              <a:rPr lang="en-IN" sz="2200" dirty="0" err="1"/>
+              <a:t>JavaDesignPattern</a:t>
+            </a:r>
+            <a:r>
+              <a:rPr lang="en-IN" sz="2200" dirty="0"/>
+              <a:t>/tree/master/</a:t>
+            </a:r>
+            <a:r>
+              <a:rPr lang="en-IN" sz="2200" dirty="0" err="1"/>
+              <a:t>src</a:t>
+            </a:r>
+            <a:r>
+              <a:rPr lang="en-IN" sz="2200" dirty="0"/>
+              <a:t>/bridge</a:t>
+            </a:r>
+          </a:p>
+        </p:txBody>
+      </p:sp>
+    </p:spTree>
+    <p:extLst>
+      <p:ext uri="{BB962C8B-B14F-4D97-AF65-F5344CB8AC3E}">
+        <p14:creationId xmlns:p14="http://schemas.microsoft.com/office/powerpoint/2010/main" val="2729701457"/>
+      </p:ext>
+    </p:extLst>
+  </p:cSld>
+  <p:clrMapOvr>
+    <a:masterClrMapping/>
+  </p:clrMapOvr>
+</p:sld>
+</file>
+
+<file path=ppt/slides/slide12.xml><?xml version="1.0" encoding="utf-8"?>
+<p:sld xmlns:a="http://schemas.openxmlformats.org/drawingml/2006/main" xmlns:r="http://schemas.openxmlformats.org/officeDocument/2006/relationships" xmlns:p="http://schemas.openxmlformats.org/presentationml/2006/main">
+  <p:cSld>
+    <p:spTree>
+      <p:nvGrpSpPr>
+        <p:cNvPr id="1" name=""/>
+        <p:cNvGrpSpPr/>
+        <p:nvPr/>
+      </p:nvGrpSpPr>
+      <p:grpSpPr>
+        <a:xfrm>
+          <a:off x="0" y="0"/>
+          <a:ext cx="0" cy="0"/>
+          <a:chOff x="0" y="0"/>
+          <a:chExt cx="0" cy="0"/>
+        </a:xfrm>
+      </p:grpSpPr>
+      <p:sp>
+        <p:nvSpPr>
+          <p:cNvPr id="2" name="Title 1">
+            <a:extLst>
+              <a:ext uri="{FF2B5EF4-FFF2-40B4-BE49-F238E27FC236}">
+                <a16:creationId xmlns:a16="http://schemas.microsoft.com/office/drawing/2014/main" id="{F88582F3-5BC2-114F-AB51-A93318B338BF}"/>
+              </a:ext>
+            </a:extLst>
+          </p:cNvPr>
+          <p:cNvSpPr>
+            <a:spLocks noGrp="1"/>
+          </p:cNvSpPr>
+          <p:nvPr>
+            <p:ph type="title"/>
+          </p:nvPr>
+        </p:nvSpPr>
+        <p:spPr>
+          <a:xfrm>
+            <a:off x="754118" y="112877"/>
+            <a:ext cx="10292254" cy="917137"/>
+          </a:xfrm>
+        </p:spPr>
+        <p:txBody>
+          <a:bodyPr>
+            <a:normAutofit/>
+          </a:bodyPr>
+          <a:lstStyle/>
+          <a:p>
+            <a:r>
+              <a:rPr lang="en-US" sz="3600" dirty="0"/>
+              <a:t>DAO Pattern:</a:t>
+            </a:r>
+          </a:p>
+        </p:txBody>
+      </p:sp>
+      <p:sp>
+        <p:nvSpPr>
+          <p:cNvPr id="3" name="Content Placeholder 2">
+            <a:extLst>
+              <a:ext uri="{FF2B5EF4-FFF2-40B4-BE49-F238E27FC236}">
+                <a16:creationId xmlns:a16="http://schemas.microsoft.com/office/drawing/2014/main" id="{74DE91CD-4A20-AC46-8762-EBB6F07F5235}"/>
+              </a:ext>
+            </a:extLst>
+          </p:cNvPr>
+          <p:cNvSpPr>
+            <a:spLocks noGrp="1"/>
+          </p:cNvSpPr>
+          <p:nvPr>
+            <p:ph idx="1"/>
+          </p:nvPr>
+        </p:nvSpPr>
+        <p:spPr>
+          <a:xfrm>
+            <a:off x="754118" y="1220623"/>
+            <a:ext cx="10552314" cy="1497863"/>
+          </a:xfrm>
+        </p:spPr>
+        <p:txBody>
+          <a:bodyPr>
+            <a:normAutofit/>
+          </a:bodyPr>
+          <a:lstStyle/>
+          <a:p>
+            <a:r>
+              <a:rPr lang="en-IN" sz="2400" dirty="0"/>
+              <a:t>DAO stands for Data Access Object. DAO Design Pattern is used to separate the data persistence logic in a separate layer. This way, the service remains completely in dark about how the low-level operations to access the database is done. This is known as the principle of Separation of Logic.</a:t>
+            </a:r>
+          </a:p>
+        </p:txBody>
+      </p:sp>
+      <p:sp>
+        <p:nvSpPr>
+          <p:cNvPr id="4" name="Title 1">
+            <a:extLst>
+              <a:ext uri="{FF2B5EF4-FFF2-40B4-BE49-F238E27FC236}">
+                <a16:creationId xmlns:a16="http://schemas.microsoft.com/office/drawing/2014/main" id="{2F4D9883-24AA-FE46-BEFF-4265A665172B}"/>
+              </a:ext>
+            </a:extLst>
+          </p:cNvPr>
+          <p:cNvSpPr txBox="1">
+            <a:spLocks/>
+          </p:cNvSpPr>
+          <p:nvPr/>
+        </p:nvSpPr>
+        <p:spPr>
+          <a:xfrm>
+            <a:off x="754116" y="2785528"/>
+            <a:ext cx="10292254" cy="917137"/>
+          </a:xfrm>
+          <a:prstGeom prst="rect">
+            <a:avLst/>
+          </a:prstGeom>
+        </p:spPr>
+        <p:txBody>
+          <a:bodyPr vert="horz" lIns="91440" tIns="45720" rIns="91440" bIns="45720" rtlCol="0" anchor="ctr">
+            <a:normAutofit/>
+          </a:bodyPr>
+          <a:lstStyle>
+            <a:lvl1pPr algn="l" defTabSz="914400" rtl="0" eaLnBrk="1" latinLnBrk="0" hangingPunct="1">
+              <a:lnSpc>
+                <a:spcPct val="90000"/>
+              </a:lnSpc>
+              <a:spcBef>
+                <a:spcPct val="0"/>
+              </a:spcBef>
+              <a:buNone/>
+              <a:defRPr sz="4400" kern="1200">
+                <a:solidFill>
+                  <a:schemeClr val="tx1"/>
+                </a:solidFill>
+                <a:latin typeface="+mj-lt"/>
+                <a:ea typeface="+mj-ea"/>
+                <a:cs typeface="+mj-cs"/>
+              </a:defRPr>
+            </a:lvl1pPr>
+          </a:lstStyle>
+          <a:p>
+            <a:pPr marL="457200" indent="-457200">
+              <a:buFont typeface="Wingdings" pitchFamily="2" charset="2"/>
+              <a:buChar char="Ø"/>
+            </a:pPr>
+            <a:r>
+              <a:rPr lang="en-US" sz="2800" dirty="0"/>
+              <a:t>DAO Pattern Implementation:</a:t>
+            </a:r>
+          </a:p>
+        </p:txBody>
+      </p:sp>
+      <p:sp>
+        <p:nvSpPr>
+          <p:cNvPr id="5" name="Content Placeholder 2">
+            <a:extLst>
+              <a:ext uri="{FF2B5EF4-FFF2-40B4-BE49-F238E27FC236}">
+                <a16:creationId xmlns:a16="http://schemas.microsoft.com/office/drawing/2014/main" id="{47B6E91C-F438-ED45-B510-FDD152CA52D8}"/>
+              </a:ext>
+            </a:extLst>
+          </p:cNvPr>
+          <p:cNvSpPr txBox="1">
+            <a:spLocks/>
+          </p:cNvSpPr>
+          <p:nvPr/>
+        </p:nvSpPr>
+        <p:spPr>
+          <a:xfrm>
+            <a:off x="1024101" y="3744952"/>
+            <a:ext cx="9752284" cy="1458096"/>
+          </a:xfrm>
+          <a:prstGeom prst="rect">
+            <a:avLst/>
+          </a:prstGeom>
+        </p:spPr>
+        <p:txBody>
+          <a:bodyPr vert="horz" lIns="91440" tIns="45720" rIns="91440" bIns="45720" rtlCol="0">
+            <a:noAutofit/>
+          </a:bodyPr>
+          <a:lstStyle>
+            <a:lvl1pPr marL="228600" indent="-228600" algn="l" defTabSz="914400" rtl="0" eaLnBrk="1" latinLnBrk="0" hangingPunct="1">
+              <a:lnSpc>
+                <a:spcPct val="90000"/>
+              </a:lnSpc>
+              <a:spcBef>
+                <a:spcPts val="1000"/>
+              </a:spcBef>
+              <a:buFont typeface="Arial" panose="020B0604020202020204" pitchFamily="34" charset="0"/>
+              <a:buChar char="•"/>
+              <a:defRPr sz="2800" kern="1200">
+                <a:solidFill>
+                  <a:schemeClr val="tx1"/>
+                </a:solidFill>
+                <a:latin typeface="+mn-lt"/>
+                <a:ea typeface="+mn-ea"/>
+                <a:cs typeface="+mn-cs"/>
+              </a:defRPr>
+            </a:lvl1pPr>
+            <a:lvl2pPr marL="685800" indent="-228600" algn="l" defTabSz="914400" rtl="0" eaLnBrk="1" latinLnBrk="0" hangingPunct="1">
+              <a:lnSpc>
+                <a:spcPct val="90000"/>
+              </a:lnSpc>
+              <a:spcBef>
+                <a:spcPts val="500"/>
+              </a:spcBef>
+              <a:buFont typeface="Arial" panose="020B0604020202020204" pitchFamily="34" charset="0"/>
+              <a:buChar char="•"/>
+              <a:defRPr sz="2400" kern="1200">
+                <a:solidFill>
+                  <a:schemeClr val="tx1"/>
+                </a:solidFill>
+                <a:latin typeface="+mn-lt"/>
+                <a:ea typeface="+mn-ea"/>
+                <a:cs typeface="+mn-cs"/>
+              </a:defRPr>
+            </a:lvl2pPr>
+            <a:lvl3pPr marL="1143000" indent="-228600" algn="l" defTabSz="914400" rtl="0" eaLnBrk="1" latinLnBrk="0" hangingPunct="1">
+              <a:lnSpc>
+                <a:spcPct val="90000"/>
+              </a:lnSpc>
+              <a:spcBef>
+                <a:spcPts val="500"/>
+              </a:spcBef>
+              <a:buFont typeface="Arial" panose="020B0604020202020204" pitchFamily="34" charset="0"/>
+              <a:buChar char="•"/>
+              <a:defRPr sz="2000" kern="1200">
+                <a:solidFill>
+                  <a:schemeClr val="tx1"/>
+                </a:solidFill>
+                <a:latin typeface="+mn-lt"/>
+                <a:ea typeface="+mn-ea"/>
+                <a:cs typeface="+mn-cs"/>
+              </a:defRPr>
+            </a:lvl3pPr>
+            <a:lvl4pPr marL="1600200" indent="-228600" algn="l" defTabSz="914400" rtl="0" eaLnBrk="1" latinLnBrk="0" hangingPunct="1">
+              <a:lnSpc>
+                <a:spcPct val="90000"/>
+              </a:lnSpc>
+              <a:spcBef>
+                <a:spcPts val="500"/>
+              </a:spcBef>
+              <a:buFont typeface="Arial" panose="020B0604020202020204" pitchFamily="34" charset="0"/>
+              <a:buChar char="•"/>
+              <a:defRPr sz="1800" kern="1200">
+                <a:solidFill>
+                  <a:schemeClr val="tx1"/>
+                </a:solidFill>
+                <a:latin typeface="+mn-lt"/>
+                <a:ea typeface="+mn-ea"/>
+                <a:cs typeface="+mn-cs"/>
+              </a:defRPr>
+            </a:lvl4pPr>
+            <a:lvl5pPr marL="2057400" indent="-228600" algn="l" defTabSz="914400" rtl="0" eaLnBrk="1" latinLnBrk="0" hangingPunct="1">
+              <a:lnSpc>
+                <a:spcPct val="90000"/>
+              </a:lnSpc>
+              <a:spcBef>
+                <a:spcPts val="500"/>
+              </a:spcBef>
+              <a:buFont typeface="Arial" panose="020B0604020202020204" pitchFamily="34" charset="0"/>
+              <a:buChar char="•"/>
+              <a:defRPr sz="1800" kern="1200">
+                <a:solidFill>
+                  <a:schemeClr val="tx1"/>
+                </a:solidFill>
+                <a:latin typeface="+mn-lt"/>
+                <a:ea typeface="+mn-ea"/>
+                <a:cs typeface="+mn-cs"/>
+              </a:defRPr>
+            </a:lvl5pPr>
+            <a:lvl6pPr marL="2514600" indent="-228600" algn="l" defTabSz="914400" rtl="0" eaLnBrk="1" latinLnBrk="0" hangingPunct="1">
+              <a:lnSpc>
+                <a:spcPct val="90000"/>
+              </a:lnSpc>
+              <a:spcBef>
+                <a:spcPts val="500"/>
+              </a:spcBef>
+              <a:buFont typeface="Arial" panose="020B0604020202020204" pitchFamily="34" charset="0"/>
+              <a:buChar char="•"/>
+              <a:defRPr sz="1800" kern="1200">
+                <a:solidFill>
+                  <a:schemeClr val="tx1"/>
+                </a:solidFill>
+                <a:latin typeface="+mn-lt"/>
+                <a:ea typeface="+mn-ea"/>
+                <a:cs typeface="+mn-cs"/>
+              </a:defRPr>
+            </a:lvl6pPr>
+            <a:lvl7pPr marL="2971800" indent="-228600" algn="l" defTabSz="914400" rtl="0" eaLnBrk="1" latinLnBrk="0" hangingPunct="1">
+              <a:lnSpc>
+                <a:spcPct val="90000"/>
+              </a:lnSpc>
+              <a:spcBef>
+                <a:spcPts val="500"/>
+              </a:spcBef>
+              <a:buFont typeface="Arial" panose="020B0604020202020204" pitchFamily="34" charset="0"/>
+              <a:buChar char="•"/>
+              <a:defRPr sz="1800" kern="1200">
+                <a:solidFill>
+                  <a:schemeClr val="tx1"/>
+                </a:solidFill>
+                <a:latin typeface="+mn-lt"/>
+                <a:ea typeface="+mn-ea"/>
+                <a:cs typeface="+mn-cs"/>
+              </a:defRPr>
+            </a:lvl7pPr>
+            <a:lvl8pPr marL="3429000" indent="-228600" algn="l" defTabSz="914400" rtl="0" eaLnBrk="1" latinLnBrk="0" hangingPunct="1">
+              <a:lnSpc>
+                <a:spcPct val="90000"/>
+              </a:lnSpc>
+              <a:spcBef>
+                <a:spcPts val="500"/>
+              </a:spcBef>
+              <a:buFont typeface="Arial" panose="020B0604020202020204" pitchFamily="34" charset="0"/>
+              <a:buChar char="•"/>
+              <a:defRPr sz="1800" kern="1200">
+                <a:solidFill>
+                  <a:schemeClr val="tx1"/>
+                </a:solidFill>
+                <a:latin typeface="+mn-lt"/>
+                <a:ea typeface="+mn-ea"/>
+                <a:cs typeface="+mn-cs"/>
+              </a:defRPr>
+            </a:lvl8pPr>
+            <a:lvl9pPr marL="3886200" indent="-228600" algn="l" defTabSz="914400" rtl="0" eaLnBrk="1" latinLnBrk="0" hangingPunct="1">
+              <a:lnSpc>
+                <a:spcPct val="90000"/>
+              </a:lnSpc>
+              <a:spcBef>
+                <a:spcPts val="500"/>
+              </a:spcBef>
+              <a:buFont typeface="Arial" panose="020B0604020202020204" pitchFamily="34" charset="0"/>
+              <a:buChar char="•"/>
+              <a:defRPr sz="1800" kern="1200">
+                <a:solidFill>
+                  <a:schemeClr val="tx1"/>
+                </a:solidFill>
+                <a:latin typeface="+mn-lt"/>
+                <a:ea typeface="+mn-ea"/>
+                <a:cs typeface="+mn-cs"/>
+              </a:defRPr>
+            </a:lvl9pPr>
+          </a:lstStyle>
+          <a:p>
+            <a:r>
+              <a:rPr lang="en-IN" sz="2200" dirty="0"/>
+              <a:t>The model which is transferred from one layer to the other.</a:t>
+            </a:r>
+          </a:p>
+          <a:p>
+            <a:r>
+              <a:rPr lang="en-IN" sz="2200" dirty="0"/>
+              <a:t>The interfaces which provides a flexible design.</a:t>
+            </a:r>
+          </a:p>
+          <a:p>
+            <a:r>
+              <a:rPr lang="en-IN" sz="2200" dirty="0"/>
+              <a:t>The interface implementation which is a concrete implementation of the persistence logic.</a:t>
+            </a:r>
+          </a:p>
+          <a:p>
+            <a:r>
+              <a:rPr lang="en-IN" sz="2200" dirty="0"/>
+              <a:t>https://</a:t>
+            </a:r>
+            <a:r>
+              <a:rPr lang="en-IN" sz="2200" dirty="0" err="1"/>
+              <a:t>github.com</a:t>
+            </a:r>
+            <a:r>
+              <a:rPr lang="en-IN" sz="2200" dirty="0"/>
+              <a:t>/amanjain201/</a:t>
+            </a:r>
+            <a:r>
+              <a:rPr lang="en-IN" sz="2200" dirty="0" err="1"/>
+              <a:t>JavaDesignPattern</a:t>
+            </a:r>
+            <a:r>
+              <a:rPr lang="en-IN" sz="2200" dirty="0"/>
+              <a:t>/tree/master/</a:t>
+            </a:r>
+            <a:r>
+              <a:rPr lang="en-IN" sz="2200" dirty="0" err="1"/>
+              <a:t>src</a:t>
+            </a:r>
+            <a:r>
+              <a:rPr lang="en-IN" sz="2200" dirty="0"/>
+              <a:t>/</a:t>
+            </a:r>
+            <a:r>
+              <a:rPr lang="en-IN" sz="2200" dirty="0" err="1"/>
+              <a:t>dao</a:t>
+            </a:r>
+            <a:endParaRPr lang="en-IN" sz="2200" dirty="0"/>
+          </a:p>
+        </p:txBody>
+      </p:sp>
+    </p:spTree>
+    <p:extLst>
+      <p:ext uri="{BB962C8B-B14F-4D97-AF65-F5344CB8AC3E}">
+        <p14:creationId xmlns:p14="http://schemas.microsoft.com/office/powerpoint/2010/main" val="197747099"/>
+      </p:ext>
+    </p:extLst>
+  </p:cSld>
+  <p:clrMapOvr>
+    <a:masterClrMapping/>
+  </p:clrMapOvr>
+</p:sld>
+</file>
+
+<file path=ppt/slides/slide13.xml><?xml version="1.0" encoding="utf-8"?>
+<p:sld xmlns:a="http://schemas.openxmlformats.org/drawingml/2006/main" xmlns:r="http://schemas.openxmlformats.org/officeDocument/2006/relationships" xmlns:p="http://schemas.openxmlformats.org/presentationml/2006/main">
+  <p:cSld>
+    <p:spTree>
+      <p:nvGrpSpPr>
+        <p:cNvPr id="1" name=""/>
+        <p:cNvGrpSpPr/>
+        <p:nvPr/>
+      </p:nvGrpSpPr>
+      <p:grpSpPr>
+        <a:xfrm>
+          <a:off x="0" y="0"/>
+          <a:ext cx="0" cy="0"/>
+          <a:chOff x="0" y="0"/>
+          <a:chExt cx="0" cy="0"/>
+        </a:xfrm>
+      </p:grpSpPr>
+      <p:sp>
+        <p:nvSpPr>
+          <p:cNvPr id="2" name="Title 1">
+            <a:extLst>
+              <a:ext uri="{FF2B5EF4-FFF2-40B4-BE49-F238E27FC236}">
+                <a16:creationId xmlns:a16="http://schemas.microsoft.com/office/drawing/2014/main" id="{F88582F3-5BC2-114F-AB51-A93318B338BF}"/>
+              </a:ext>
+            </a:extLst>
+          </p:cNvPr>
+          <p:cNvSpPr>
+            <a:spLocks noGrp="1"/>
+          </p:cNvSpPr>
+          <p:nvPr>
+            <p:ph type="title"/>
+          </p:nvPr>
+        </p:nvSpPr>
+        <p:spPr>
+          <a:xfrm>
+            <a:off x="754118" y="112877"/>
+            <a:ext cx="10292254" cy="917137"/>
+          </a:xfrm>
+        </p:spPr>
+        <p:txBody>
+          <a:bodyPr>
+            <a:normAutofit/>
+          </a:bodyPr>
+          <a:lstStyle/>
+          <a:p>
+            <a:r>
+              <a:rPr lang="en-US" sz="3600" dirty="0"/>
+              <a:t>Dependency Injection Pattern:</a:t>
+            </a:r>
+          </a:p>
+        </p:txBody>
+      </p:sp>
+      <p:sp>
+        <p:nvSpPr>
+          <p:cNvPr id="3" name="Content Placeholder 2">
+            <a:extLst>
+              <a:ext uri="{FF2B5EF4-FFF2-40B4-BE49-F238E27FC236}">
+                <a16:creationId xmlns:a16="http://schemas.microsoft.com/office/drawing/2014/main" id="{74DE91CD-4A20-AC46-8762-EBB6F07F5235}"/>
+              </a:ext>
+            </a:extLst>
+          </p:cNvPr>
+          <p:cNvSpPr>
+            <a:spLocks noGrp="1"/>
+          </p:cNvSpPr>
+          <p:nvPr>
+            <p:ph idx="1"/>
+          </p:nvPr>
+        </p:nvSpPr>
+        <p:spPr>
+          <a:xfrm>
+            <a:off x="754118" y="1220623"/>
+            <a:ext cx="10548882" cy="2017877"/>
+          </a:xfrm>
+        </p:spPr>
+        <p:txBody>
+          <a:bodyPr>
+            <a:normAutofit/>
+          </a:bodyPr>
+          <a:lstStyle/>
+          <a:p>
+            <a:r>
+              <a:rPr lang="en-IN" sz="2400" dirty="0"/>
+              <a:t>Dependency Injection allows us to remove the hard-coded dependencies and make our application loosely coupled, extendable, and maintainable. We can implement dependency injection in java to move the dependency resolution from compile-time to runtime. Spring framework is built on the principle of dependency injection</a:t>
+            </a:r>
+          </a:p>
+        </p:txBody>
+      </p:sp>
+      <p:sp>
+        <p:nvSpPr>
+          <p:cNvPr id="177" name="Title 1">
+            <a:extLst>
+              <a:ext uri="{FF2B5EF4-FFF2-40B4-BE49-F238E27FC236}">
+                <a16:creationId xmlns:a16="http://schemas.microsoft.com/office/drawing/2014/main" id="{51D17540-F9D0-6541-A387-9334DE520BA0}"/>
+              </a:ext>
+            </a:extLst>
+          </p:cNvPr>
+          <p:cNvSpPr txBox="1">
+            <a:spLocks/>
+          </p:cNvSpPr>
+          <p:nvPr/>
+        </p:nvSpPr>
+        <p:spPr>
+          <a:xfrm>
+            <a:off x="754118" y="3160932"/>
+            <a:ext cx="10292254" cy="917137"/>
+          </a:xfrm>
+          <a:prstGeom prst="rect">
+            <a:avLst/>
+          </a:prstGeom>
+        </p:spPr>
+        <p:txBody>
+          <a:bodyPr vert="horz" lIns="91440" tIns="45720" rIns="91440" bIns="45720" rtlCol="0" anchor="ctr">
+            <a:normAutofit/>
+          </a:bodyPr>
+          <a:lstStyle>
+            <a:lvl1pPr algn="l" defTabSz="914400" rtl="0" eaLnBrk="1" latinLnBrk="0" hangingPunct="1">
+              <a:lnSpc>
+                <a:spcPct val="90000"/>
+              </a:lnSpc>
+              <a:spcBef>
+                <a:spcPct val="0"/>
+              </a:spcBef>
+              <a:buNone/>
+              <a:defRPr sz="4400" kern="1200">
+                <a:solidFill>
+                  <a:schemeClr val="tx1"/>
+                </a:solidFill>
+                <a:latin typeface="+mj-lt"/>
+                <a:ea typeface="+mj-ea"/>
+                <a:cs typeface="+mj-cs"/>
+              </a:defRPr>
+            </a:lvl1pPr>
+          </a:lstStyle>
+          <a:p>
+            <a:pPr marL="457200" indent="-457200">
+              <a:buFont typeface="Wingdings" pitchFamily="2" charset="2"/>
+              <a:buChar char="Ø"/>
+            </a:pPr>
+            <a:r>
+              <a:rPr lang="en-US" sz="2800" dirty="0"/>
+              <a:t>Dependency Injection Pattern Implementation:</a:t>
+            </a:r>
+          </a:p>
+        </p:txBody>
+      </p:sp>
+      <p:sp>
+        <p:nvSpPr>
+          <p:cNvPr id="178" name="Content Placeholder 2">
+            <a:extLst>
+              <a:ext uri="{FF2B5EF4-FFF2-40B4-BE49-F238E27FC236}">
+                <a16:creationId xmlns:a16="http://schemas.microsoft.com/office/drawing/2014/main" id="{23E801D4-9431-2345-8DA9-2E28D51E7F08}"/>
+              </a:ext>
+            </a:extLst>
+          </p:cNvPr>
+          <p:cNvSpPr txBox="1">
+            <a:spLocks/>
+          </p:cNvSpPr>
+          <p:nvPr/>
+        </p:nvSpPr>
+        <p:spPr>
+          <a:xfrm>
+            <a:off x="1219858" y="4027270"/>
+            <a:ext cx="9752284" cy="1458096"/>
+          </a:xfrm>
+          <a:prstGeom prst="rect">
+            <a:avLst/>
+          </a:prstGeom>
+        </p:spPr>
+        <p:txBody>
+          <a:bodyPr vert="horz" lIns="91440" tIns="45720" rIns="91440" bIns="45720" rtlCol="0">
+            <a:noAutofit/>
+          </a:bodyPr>
+          <a:lstStyle>
+            <a:lvl1pPr marL="228600" indent="-228600" algn="l" defTabSz="914400" rtl="0" eaLnBrk="1" latinLnBrk="0" hangingPunct="1">
+              <a:lnSpc>
+                <a:spcPct val="90000"/>
+              </a:lnSpc>
+              <a:spcBef>
+                <a:spcPts val="1000"/>
+              </a:spcBef>
+              <a:buFont typeface="Arial" panose="020B0604020202020204" pitchFamily="34" charset="0"/>
+              <a:buChar char="•"/>
+              <a:defRPr sz="2800" kern="1200">
+                <a:solidFill>
+                  <a:schemeClr val="tx1"/>
+                </a:solidFill>
+                <a:latin typeface="+mn-lt"/>
+                <a:ea typeface="+mn-ea"/>
+                <a:cs typeface="+mn-cs"/>
+              </a:defRPr>
+            </a:lvl1pPr>
+            <a:lvl2pPr marL="685800" indent="-228600" algn="l" defTabSz="914400" rtl="0" eaLnBrk="1" latinLnBrk="0" hangingPunct="1">
+              <a:lnSpc>
+                <a:spcPct val="90000"/>
+              </a:lnSpc>
+              <a:spcBef>
+                <a:spcPts val="500"/>
+              </a:spcBef>
+              <a:buFont typeface="Arial" panose="020B0604020202020204" pitchFamily="34" charset="0"/>
+              <a:buChar char="•"/>
+              <a:defRPr sz="2400" kern="1200">
+                <a:solidFill>
+                  <a:schemeClr val="tx1"/>
+                </a:solidFill>
+                <a:latin typeface="+mn-lt"/>
+                <a:ea typeface="+mn-ea"/>
+                <a:cs typeface="+mn-cs"/>
+              </a:defRPr>
+            </a:lvl2pPr>
+            <a:lvl3pPr marL="1143000" indent="-228600" algn="l" defTabSz="914400" rtl="0" eaLnBrk="1" latinLnBrk="0" hangingPunct="1">
+              <a:lnSpc>
+                <a:spcPct val="90000"/>
+              </a:lnSpc>
+              <a:spcBef>
+                <a:spcPts val="500"/>
+              </a:spcBef>
+              <a:buFont typeface="Arial" panose="020B0604020202020204" pitchFamily="34" charset="0"/>
+              <a:buChar char="•"/>
+              <a:defRPr sz="2000" kern="1200">
+                <a:solidFill>
+                  <a:schemeClr val="tx1"/>
+                </a:solidFill>
+                <a:latin typeface="+mn-lt"/>
+                <a:ea typeface="+mn-ea"/>
+                <a:cs typeface="+mn-cs"/>
+              </a:defRPr>
+            </a:lvl3pPr>
+            <a:lvl4pPr marL="1600200" indent="-228600" algn="l" defTabSz="914400" rtl="0" eaLnBrk="1" latinLnBrk="0" hangingPunct="1">
+              <a:lnSpc>
+                <a:spcPct val="90000"/>
+              </a:lnSpc>
+              <a:spcBef>
+                <a:spcPts val="500"/>
+              </a:spcBef>
+              <a:buFont typeface="Arial" panose="020B0604020202020204" pitchFamily="34" charset="0"/>
+              <a:buChar char="•"/>
+              <a:defRPr sz="1800" kern="1200">
+                <a:solidFill>
+                  <a:schemeClr val="tx1"/>
+                </a:solidFill>
+                <a:latin typeface="+mn-lt"/>
+                <a:ea typeface="+mn-ea"/>
+                <a:cs typeface="+mn-cs"/>
+              </a:defRPr>
+            </a:lvl4pPr>
+            <a:lvl5pPr marL="2057400" indent="-228600" algn="l" defTabSz="914400" rtl="0" eaLnBrk="1" latinLnBrk="0" hangingPunct="1">
+              <a:lnSpc>
+                <a:spcPct val="90000"/>
+              </a:lnSpc>
+              <a:spcBef>
+                <a:spcPts val="500"/>
+              </a:spcBef>
+              <a:buFont typeface="Arial" panose="020B0604020202020204" pitchFamily="34" charset="0"/>
+              <a:buChar char="•"/>
+              <a:defRPr sz="1800" kern="1200">
+                <a:solidFill>
+                  <a:schemeClr val="tx1"/>
+                </a:solidFill>
+                <a:latin typeface="+mn-lt"/>
+                <a:ea typeface="+mn-ea"/>
+                <a:cs typeface="+mn-cs"/>
+              </a:defRPr>
+            </a:lvl5pPr>
+            <a:lvl6pPr marL="2514600" indent="-228600" algn="l" defTabSz="914400" rtl="0" eaLnBrk="1" latinLnBrk="0" hangingPunct="1">
+              <a:lnSpc>
+                <a:spcPct val="90000"/>
+              </a:lnSpc>
+              <a:spcBef>
+                <a:spcPts val="500"/>
+              </a:spcBef>
+              <a:buFont typeface="Arial" panose="020B0604020202020204" pitchFamily="34" charset="0"/>
+              <a:buChar char="•"/>
+              <a:defRPr sz="1800" kern="1200">
+                <a:solidFill>
+                  <a:schemeClr val="tx1"/>
+                </a:solidFill>
+                <a:latin typeface="+mn-lt"/>
+                <a:ea typeface="+mn-ea"/>
+                <a:cs typeface="+mn-cs"/>
+              </a:defRPr>
+            </a:lvl6pPr>
+            <a:lvl7pPr marL="2971800" indent="-228600" algn="l" defTabSz="914400" rtl="0" eaLnBrk="1" latinLnBrk="0" hangingPunct="1">
+              <a:lnSpc>
+                <a:spcPct val="90000"/>
+              </a:lnSpc>
+              <a:spcBef>
+                <a:spcPts val="500"/>
+              </a:spcBef>
+              <a:buFont typeface="Arial" panose="020B0604020202020204" pitchFamily="34" charset="0"/>
+              <a:buChar char="•"/>
+              <a:defRPr sz="1800" kern="1200">
+                <a:solidFill>
+                  <a:schemeClr val="tx1"/>
+                </a:solidFill>
+                <a:latin typeface="+mn-lt"/>
+                <a:ea typeface="+mn-ea"/>
+                <a:cs typeface="+mn-cs"/>
+              </a:defRPr>
+            </a:lvl7pPr>
+            <a:lvl8pPr marL="3429000" indent="-228600" algn="l" defTabSz="914400" rtl="0" eaLnBrk="1" latinLnBrk="0" hangingPunct="1">
+              <a:lnSpc>
+                <a:spcPct val="90000"/>
+              </a:lnSpc>
+              <a:spcBef>
+                <a:spcPts val="500"/>
+              </a:spcBef>
+              <a:buFont typeface="Arial" panose="020B0604020202020204" pitchFamily="34" charset="0"/>
+              <a:buChar char="•"/>
+              <a:defRPr sz="1800" kern="1200">
+                <a:solidFill>
+                  <a:schemeClr val="tx1"/>
+                </a:solidFill>
+                <a:latin typeface="+mn-lt"/>
+                <a:ea typeface="+mn-ea"/>
+                <a:cs typeface="+mn-cs"/>
+              </a:defRPr>
+            </a:lvl8pPr>
+            <a:lvl9pPr marL="3886200" indent="-228600" algn="l" defTabSz="914400" rtl="0" eaLnBrk="1" latinLnBrk="0" hangingPunct="1">
+              <a:lnSpc>
+                <a:spcPct val="90000"/>
+              </a:lnSpc>
+              <a:spcBef>
+                <a:spcPts val="500"/>
+              </a:spcBef>
+              <a:buFont typeface="Arial" panose="020B0604020202020204" pitchFamily="34" charset="0"/>
+              <a:buChar char="•"/>
+              <a:defRPr sz="1800" kern="1200">
+                <a:solidFill>
+                  <a:schemeClr val="tx1"/>
+                </a:solidFill>
+                <a:latin typeface="+mn-lt"/>
+                <a:ea typeface="+mn-ea"/>
+                <a:cs typeface="+mn-cs"/>
+              </a:defRPr>
+            </a:lvl9pPr>
+          </a:lstStyle>
+          <a:p>
+            <a:r>
+              <a:rPr lang="en-IN" sz="2200" dirty="0"/>
+              <a:t>https://</a:t>
+            </a:r>
+            <a:r>
+              <a:rPr lang="en-IN" sz="2200" dirty="0" err="1"/>
+              <a:t>github.com</a:t>
+            </a:r>
+            <a:r>
+              <a:rPr lang="en-IN" sz="2200" dirty="0"/>
+              <a:t>/amanjain201/</a:t>
+            </a:r>
+            <a:r>
+              <a:rPr lang="en-IN" sz="2200" dirty="0" err="1"/>
+              <a:t>JavaDesignPattern</a:t>
+            </a:r>
+            <a:r>
+              <a:rPr lang="en-IN" sz="2200" dirty="0"/>
+              <a:t>/tree/master/</a:t>
+            </a:r>
+            <a:r>
+              <a:rPr lang="en-IN" sz="2200" dirty="0" err="1"/>
+              <a:t>src</a:t>
+            </a:r>
+            <a:r>
+              <a:rPr lang="en-IN" sz="2200" dirty="0"/>
+              <a:t>/</a:t>
+            </a:r>
+            <a:r>
+              <a:rPr lang="en-IN" sz="2200" dirty="0" err="1"/>
+              <a:t>dependencyinjection</a:t>
+            </a:r>
+            <a:endParaRPr lang="en-IN" sz="2200" dirty="0"/>
+          </a:p>
+        </p:txBody>
+      </p:sp>
+    </p:spTree>
+    <p:extLst>
+      <p:ext uri="{BB962C8B-B14F-4D97-AF65-F5344CB8AC3E}">
+        <p14:creationId xmlns:p14="http://schemas.microsoft.com/office/powerpoint/2010/main" val="3304117958"/>
+      </p:ext>
+    </p:extLst>
+  </p:cSld>
+  <p:clrMapOvr>
+    <a:masterClrMapping/>
+  </p:clrMapOvr>
+</p:sld>
+</file>
+
+<file path=ppt/slides/slide14.xml><?xml version="1.0" encoding="utf-8"?>
+<p:sld xmlns:a="http://schemas.openxmlformats.org/drawingml/2006/main" xmlns:r="http://schemas.openxmlformats.org/officeDocument/2006/relationships" xmlns:p="http://schemas.openxmlformats.org/presentationml/2006/main">
+  <p:cSld>
+    <p:spTree>
+      <p:nvGrpSpPr>
+        <p:cNvPr id="1" name=""/>
+        <p:cNvGrpSpPr/>
+        <p:nvPr/>
+      </p:nvGrpSpPr>
+      <p:grpSpPr>
+        <a:xfrm>
+          <a:off x="0" y="0"/>
+          <a:ext cx="0" cy="0"/>
+          <a:chOff x="0" y="0"/>
+          <a:chExt cx="0" cy="0"/>
+        </a:xfrm>
+      </p:grpSpPr>
+      <p:sp>
+        <p:nvSpPr>
+          <p:cNvPr id="2" name="Title 1">
+            <a:extLst>
+              <a:ext uri="{FF2B5EF4-FFF2-40B4-BE49-F238E27FC236}">
+                <a16:creationId xmlns:a16="http://schemas.microsoft.com/office/drawing/2014/main" id="{F88582F3-5BC2-114F-AB51-A93318B338BF}"/>
+              </a:ext>
+            </a:extLst>
+          </p:cNvPr>
+          <p:cNvSpPr>
+            <a:spLocks noGrp="1"/>
+          </p:cNvSpPr>
+          <p:nvPr>
+            <p:ph type="title"/>
+          </p:nvPr>
+        </p:nvSpPr>
+        <p:spPr>
+          <a:xfrm>
+            <a:off x="754118" y="112877"/>
+            <a:ext cx="10292254" cy="917137"/>
+          </a:xfrm>
+        </p:spPr>
+        <p:txBody>
+          <a:bodyPr>
+            <a:normAutofit/>
+          </a:bodyPr>
+          <a:lstStyle/>
+          <a:p>
+            <a:r>
+              <a:rPr lang="en-US" sz="3600" dirty="0"/>
+              <a:t>MVC Pattern:</a:t>
+            </a:r>
+          </a:p>
+        </p:txBody>
+      </p:sp>
+      <p:sp>
+        <p:nvSpPr>
+          <p:cNvPr id="3" name="Content Placeholder 2">
+            <a:extLst>
+              <a:ext uri="{FF2B5EF4-FFF2-40B4-BE49-F238E27FC236}">
+                <a16:creationId xmlns:a16="http://schemas.microsoft.com/office/drawing/2014/main" id="{74DE91CD-4A20-AC46-8762-EBB6F07F5235}"/>
+              </a:ext>
+            </a:extLst>
+          </p:cNvPr>
+          <p:cNvSpPr>
+            <a:spLocks noGrp="1"/>
+          </p:cNvSpPr>
+          <p:nvPr>
+            <p:ph idx="1"/>
+          </p:nvPr>
+        </p:nvSpPr>
+        <p:spPr>
+          <a:xfrm>
+            <a:off x="754118" y="1220623"/>
+            <a:ext cx="11056882" cy="1395577"/>
+          </a:xfrm>
+        </p:spPr>
+        <p:txBody>
+          <a:bodyPr>
+            <a:normAutofit lnSpcReduction="10000"/>
+          </a:bodyPr>
+          <a:lstStyle/>
+          <a:p>
+            <a:r>
+              <a:rPr lang="en-IN" sz="2400" dirty="0"/>
+              <a:t>MVC Design Pattern is one of the oldest architectural pattern for web applications. MVC stands for Model View Controller. MVC Design Pattern is used to separate the logic of different layers in a program in independent units. This is known as the principle of Separation of Concern.</a:t>
+            </a:r>
+          </a:p>
+        </p:txBody>
+      </p:sp>
+      <p:sp>
+        <p:nvSpPr>
+          <p:cNvPr id="4" name="Title 1">
+            <a:extLst>
+              <a:ext uri="{FF2B5EF4-FFF2-40B4-BE49-F238E27FC236}">
+                <a16:creationId xmlns:a16="http://schemas.microsoft.com/office/drawing/2014/main" id="{74361B62-A76B-A54E-90E2-B6A2C57632E8}"/>
+              </a:ext>
+            </a:extLst>
+          </p:cNvPr>
+          <p:cNvSpPr txBox="1">
+            <a:spLocks/>
+          </p:cNvSpPr>
+          <p:nvPr/>
+        </p:nvSpPr>
+        <p:spPr>
+          <a:xfrm>
+            <a:off x="665218" y="2806809"/>
+            <a:ext cx="10292254" cy="917137"/>
+          </a:xfrm>
+          <a:prstGeom prst="rect">
+            <a:avLst/>
+          </a:prstGeom>
+        </p:spPr>
+        <p:txBody>
+          <a:bodyPr vert="horz" lIns="91440" tIns="45720" rIns="91440" bIns="45720" rtlCol="0" anchor="ctr">
+            <a:normAutofit/>
+          </a:bodyPr>
+          <a:lstStyle>
+            <a:lvl1pPr algn="l" defTabSz="914400" rtl="0" eaLnBrk="1" latinLnBrk="0" hangingPunct="1">
+              <a:lnSpc>
+                <a:spcPct val="90000"/>
+              </a:lnSpc>
+              <a:spcBef>
+                <a:spcPct val="0"/>
+              </a:spcBef>
+              <a:buNone/>
+              <a:defRPr sz="4400" kern="1200">
+                <a:solidFill>
+                  <a:schemeClr val="tx1"/>
+                </a:solidFill>
+                <a:latin typeface="+mj-lt"/>
+                <a:ea typeface="+mj-ea"/>
+                <a:cs typeface="+mj-cs"/>
+              </a:defRPr>
+            </a:lvl1pPr>
+          </a:lstStyle>
+          <a:p>
+            <a:pPr marL="457200" indent="-457200">
+              <a:buFont typeface="Wingdings" pitchFamily="2" charset="2"/>
+              <a:buChar char="Ø"/>
+            </a:pPr>
+            <a:r>
+              <a:rPr lang="en-US" sz="2800" dirty="0"/>
+              <a:t>MVC Pattern Implementation:</a:t>
+            </a:r>
+          </a:p>
+        </p:txBody>
+      </p:sp>
+      <p:sp>
+        <p:nvSpPr>
+          <p:cNvPr id="5" name="Content Placeholder 2">
+            <a:extLst>
+              <a:ext uri="{FF2B5EF4-FFF2-40B4-BE49-F238E27FC236}">
+                <a16:creationId xmlns:a16="http://schemas.microsoft.com/office/drawing/2014/main" id="{33C752A8-1997-B142-922E-AC50A96E9775}"/>
+              </a:ext>
+            </a:extLst>
+          </p:cNvPr>
+          <p:cNvSpPr txBox="1">
+            <a:spLocks/>
+          </p:cNvSpPr>
+          <p:nvPr/>
+        </p:nvSpPr>
+        <p:spPr>
+          <a:xfrm>
+            <a:off x="1130958" y="3673147"/>
+            <a:ext cx="10108542" cy="1458096"/>
+          </a:xfrm>
+          <a:prstGeom prst="rect">
+            <a:avLst/>
+          </a:prstGeom>
+        </p:spPr>
+        <p:txBody>
+          <a:bodyPr vert="horz" lIns="91440" tIns="45720" rIns="91440" bIns="45720" rtlCol="0">
+            <a:noAutofit/>
+          </a:bodyPr>
+          <a:lstStyle>
+            <a:lvl1pPr marL="228600" indent="-228600" algn="l" defTabSz="914400" rtl="0" eaLnBrk="1" latinLnBrk="0" hangingPunct="1">
+              <a:lnSpc>
+                <a:spcPct val="90000"/>
+              </a:lnSpc>
+              <a:spcBef>
+                <a:spcPts val="1000"/>
+              </a:spcBef>
+              <a:buFont typeface="Arial" panose="020B0604020202020204" pitchFamily="34" charset="0"/>
+              <a:buChar char="•"/>
+              <a:defRPr sz="2800" kern="1200">
+                <a:solidFill>
+                  <a:schemeClr val="tx1"/>
+                </a:solidFill>
+                <a:latin typeface="+mn-lt"/>
+                <a:ea typeface="+mn-ea"/>
+                <a:cs typeface="+mn-cs"/>
+              </a:defRPr>
+            </a:lvl1pPr>
+            <a:lvl2pPr marL="685800" indent="-228600" algn="l" defTabSz="914400" rtl="0" eaLnBrk="1" latinLnBrk="0" hangingPunct="1">
+              <a:lnSpc>
+                <a:spcPct val="90000"/>
+              </a:lnSpc>
+              <a:spcBef>
+                <a:spcPts val="500"/>
+              </a:spcBef>
+              <a:buFont typeface="Arial" panose="020B0604020202020204" pitchFamily="34" charset="0"/>
+              <a:buChar char="•"/>
+              <a:defRPr sz="2400" kern="1200">
+                <a:solidFill>
+                  <a:schemeClr val="tx1"/>
+                </a:solidFill>
+                <a:latin typeface="+mn-lt"/>
+                <a:ea typeface="+mn-ea"/>
+                <a:cs typeface="+mn-cs"/>
+              </a:defRPr>
+            </a:lvl2pPr>
+            <a:lvl3pPr marL="1143000" indent="-228600" algn="l" defTabSz="914400" rtl="0" eaLnBrk="1" latinLnBrk="0" hangingPunct="1">
+              <a:lnSpc>
+                <a:spcPct val="90000"/>
+              </a:lnSpc>
+              <a:spcBef>
+                <a:spcPts val="500"/>
+              </a:spcBef>
+              <a:buFont typeface="Arial" panose="020B0604020202020204" pitchFamily="34" charset="0"/>
+              <a:buChar char="•"/>
+              <a:defRPr sz="2000" kern="1200">
+                <a:solidFill>
+                  <a:schemeClr val="tx1"/>
+                </a:solidFill>
+                <a:latin typeface="+mn-lt"/>
+                <a:ea typeface="+mn-ea"/>
+                <a:cs typeface="+mn-cs"/>
+              </a:defRPr>
+            </a:lvl3pPr>
+            <a:lvl4pPr marL="1600200" indent="-228600" algn="l" defTabSz="914400" rtl="0" eaLnBrk="1" latinLnBrk="0" hangingPunct="1">
+              <a:lnSpc>
+                <a:spcPct val="90000"/>
+              </a:lnSpc>
+              <a:spcBef>
+                <a:spcPts val="500"/>
+              </a:spcBef>
+              <a:buFont typeface="Arial" panose="020B0604020202020204" pitchFamily="34" charset="0"/>
+              <a:buChar char="•"/>
+              <a:defRPr sz="1800" kern="1200">
+                <a:solidFill>
+                  <a:schemeClr val="tx1"/>
+                </a:solidFill>
+                <a:latin typeface="+mn-lt"/>
+                <a:ea typeface="+mn-ea"/>
+                <a:cs typeface="+mn-cs"/>
+              </a:defRPr>
+            </a:lvl4pPr>
+            <a:lvl5pPr marL="2057400" indent="-228600" algn="l" defTabSz="914400" rtl="0" eaLnBrk="1" latinLnBrk="0" hangingPunct="1">
+              <a:lnSpc>
+                <a:spcPct val="90000"/>
+              </a:lnSpc>
+              <a:spcBef>
+                <a:spcPts val="500"/>
+              </a:spcBef>
+              <a:buFont typeface="Arial" panose="020B0604020202020204" pitchFamily="34" charset="0"/>
+              <a:buChar char="•"/>
+              <a:defRPr sz="1800" kern="1200">
+                <a:solidFill>
+                  <a:schemeClr val="tx1"/>
+                </a:solidFill>
+                <a:latin typeface="+mn-lt"/>
+                <a:ea typeface="+mn-ea"/>
+                <a:cs typeface="+mn-cs"/>
+              </a:defRPr>
+            </a:lvl5pPr>
+            <a:lvl6pPr marL="2514600" indent="-228600" algn="l" defTabSz="914400" rtl="0" eaLnBrk="1" latinLnBrk="0" hangingPunct="1">
+              <a:lnSpc>
+                <a:spcPct val="90000"/>
+              </a:lnSpc>
+              <a:spcBef>
+                <a:spcPts val="500"/>
+              </a:spcBef>
+              <a:buFont typeface="Arial" panose="020B0604020202020204" pitchFamily="34" charset="0"/>
+              <a:buChar char="•"/>
+              <a:defRPr sz="1800" kern="1200">
+                <a:solidFill>
+                  <a:schemeClr val="tx1"/>
+                </a:solidFill>
+                <a:latin typeface="+mn-lt"/>
+                <a:ea typeface="+mn-ea"/>
+                <a:cs typeface="+mn-cs"/>
+              </a:defRPr>
+            </a:lvl6pPr>
+            <a:lvl7pPr marL="2971800" indent="-228600" algn="l" defTabSz="914400" rtl="0" eaLnBrk="1" latinLnBrk="0" hangingPunct="1">
+              <a:lnSpc>
+                <a:spcPct val="90000"/>
+              </a:lnSpc>
+              <a:spcBef>
+                <a:spcPts val="500"/>
+              </a:spcBef>
+              <a:buFont typeface="Arial" panose="020B0604020202020204" pitchFamily="34" charset="0"/>
+              <a:buChar char="•"/>
+              <a:defRPr sz="1800" kern="1200">
+                <a:solidFill>
+                  <a:schemeClr val="tx1"/>
+                </a:solidFill>
+                <a:latin typeface="+mn-lt"/>
+                <a:ea typeface="+mn-ea"/>
+                <a:cs typeface="+mn-cs"/>
+              </a:defRPr>
+            </a:lvl7pPr>
+            <a:lvl8pPr marL="3429000" indent="-228600" algn="l" defTabSz="914400" rtl="0" eaLnBrk="1" latinLnBrk="0" hangingPunct="1">
+              <a:lnSpc>
+                <a:spcPct val="90000"/>
+              </a:lnSpc>
+              <a:spcBef>
+                <a:spcPts val="500"/>
+              </a:spcBef>
+              <a:buFont typeface="Arial" panose="020B0604020202020204" pitchFamily="34" charset="0"/>
+              <a:buChar char="•"/>
+              <a:defRPr sz="1800" kern="1200">
+                <a:solidFill>
+                  <a:schemeClr val="tx1"/>
+                </a:solidFill>
+                <a:latin typeface="+mn-lt"/>
+                <a:ea typeface="+mn-ea"/>
+                <a:cs typeface="+mn-cs"/>
+              </a:defRPr>
+            </a:lvl8pPr>
+            <a:lvl9pPr marL="3886200" indent="-228600" algn="l" defTabSz="914400" rtl="0" eaLnBrk="1" latinLnBrk="0" hangingPunct="1">
+              <a:lnSpc>
+                <a:spcPct val="90000"/>
+              </a:lnSpc>
+              <a:spcBef>
+                <a:spcPts val="500"/>
+              </a:spcBef>
+              <a:buFont typeface="Arial" panose="020B0604020202020204" pitchFamily="34" charset="0"/>
+              <a:buChar char="•"/>
+              <a:defRPr sz="1800" kern="1200">
+                <a:solidFill>
+                  <a:schemeClr val="tx1"/>
+                </a:solidFill>
+                <a:latin typeface="+mn-lt"/>
+                <a:ea typeface="+mn-ea"/>
+                <a:cs typeface="+mn-cs"/>
+              </a:defRPr>
+            </a:lvl9pPr>
+          </a:lstStyle>
+          <a:p>
+            <a:r>
+              <a:rPr lang="en-IN" sz="2200" dirty="0"/>
+              <a:t>https://</a:t>
+            </a:r>
+            <a:r>
+              <a:rPr lang="en-IN" sz="2200" dirty="0" err="1"/>
+              <a:t>github.com</a:t>
+            </a:r>
+            <a:r>
+              <a:rPr lang="en-IN" sz="2200" dirty="0"/>
+              <a:t>/amanjain201/</a:t>
+            </a:r>
+            <a:r>
+              <a:rPr lang="en-IN" sz="2200" dirty="0" err="1"/>
+              <a:t>JavaDesignPattern</a:t>
+            </a:r>
+            <a:r>
+              <a:rPr lang="en-IN" sz="2200" dirty="0"/>
+              <a:t>/tree/master/</a:t>
+            </a:r>
+            <a:r>
+              <a:rPr lang="en-IN" sz="2200" dirty="0" err="1"/>
+              <a:t>SpringBootMVC</a:t>
+            </a:r>
+            <a:r>
+              <a:rPr lang="en-IN" sz="2200" dirty="0"/>
+              <a:t>/</a:t>
+            </a:r>
+          </a:p>
+        </p:txBody>
+      </p:sp>
+    </p:spTree>
+    <p:extLst>
+      <p:ext uri="{BB962C8B-B14F-4D97-AF65-F5344CB8AC3E}">
+        <p14:creationId xmlns:p14="http://schemas.microsoft.com/office/powerpoint/2010/main" val="1728016186"/>
+      </p:ext>
+    </p:extLst>
+  </p:cSld>
+  <p:clrMapOvr>
+    <a:masterClrMapping/>
+  </p:clrMapOvr>
+</p:sld>
+</file>
+
+<file path=ppt/slides/slide15.xml><?xml version="1.0" encoding="utf-8"?>
+<p:sld xmlns:a="http://schemas.openxmlformats.org/drawingml/2006/main" xmlns:r="http://schemas.openxmlformats.org/officeDocument/2006/relationships" xmlns:p="http://schemas.openxmlformats.org/presentationml/2006/main">
+  <p:cSld>
+    <p:spTree>
+      <p:nvGrpSpPr>
+        <p:cNvPr id="1" name=""/>
+        <p:cNvGrpSpPr/>
+        <p:nvPr/>
+      </p:nvGrpSpPr>
+      <p:grpSpPr>
+        <a:xfrm>
+          <a:off x="0" y="0"/>
+          <a:ext cx="0" cy="0"/>
+          <a:chOff x="0" y="0"/>
+          <a:chExt cx="0" cy="0"/>
+        </a:xfrm>
+      </p:grpSpPr>
+      <p:sp>
+        <p:nvSpPr>
+          <p:cNvPr id="2" name="Title 1">
+            <a:extLst>
+              <a:ext uri="{FF2B5EF4-FFF2-40B4-BE49-F238E27FC236}">
+                <a16:creationId xmlns:a16="http://schemas.microsoft.com/office/drawing/2014/main" id="{5D065757-5A0A-5146-9C44-2178C1CEDB18}"/>
+              </a:ext>
+            </a:extLst>
+          </p:cNvPr>
+          <p:cNvSpPr>
+            <a:spLocks noGrp="1"/>
+          </p:cNvSpPr>
+          <p:nvPr>
+            <p:ph type="title"/>
+          </p:nvPr>
+        </p:nvSpPr>
+        <p:spPr>
+          <a:xfrm>
+            <a:off x="838200" y="2638425"/>
+            <a:ext cx="10515600" cy="1325563"/>
+          </a:xfrm>
+        </p:spPr>
+        <p:txBody>
+          <a:bodyPr/>
+          <a:lstStyle/>
+          <a:p>
+            <a:r>
+              <a:rPr lang="en-US" dirty="0"/>
+              <a:t>Thank You</a:t>
+            </a:r>
+          </a:p>
+        </p:txBody>
+      </p:sp>
+    </p:spTree>
+    <p:extLst>
+      <p:ext uri="{BB962C8B-B14F-4D97-AF65-F5344CB8AC3E}">
+        <p14:creationId xmlns:p14="http://schemas.microsoft.com/office/powerpoint/2010/main" val="1709392193"/>
+      </p:ext>
+    </p:extLst>
+  </p:cSld>
+  <p:clrMapOvr>
+    <a:masterClrMapping/>
+  </p:clrMapOvr>
+</p:sld>
+</file>
+
 <file path=ppt/slides/slide2.xml><?xml version="1.0" encoding="utf-8"?>
 <p:sld xmlns:a="http://schemas.openxmlformats.org/drawingml/2006/main" xmlns:r="http://schemas.openxmlformats.org/officeDocument/2006/relationships" xmlns:p="http://schemas.openxmlformats.org/presentationml/2006/main">
   <p:cSld>
@@ -4175,6 +6786,290 @@
           </a:p>
         </p:txBody>
       </p:sp>
+      <p:sp>
+        <p:nvSpPr>
+          <p:cNvPr id="4" name="Title 1">
+            <a:extLst>
+              <a:ext uri="{FF2B5EF4-FFF2-40B4-BE49-F238E27FC236}">
+                <a16:creationId xmlns:a16="http://schemas.microsoft.com/office/drawing/2014/main" id="{06F09630-86DD-4145-99E9-8838E7410084}"/>
+              </a:ext>
+            </a:extLst>
+          </p:cNvPr>
+          <p:cNvSpPr txBox="1">
+            <a:spLocks/>
+          </p:cNvSpPr>
+          <p:nvPr/>
+        </p:nvSpPr>
+        <p:spPr>
+          <a:xfrm>
+            <a:off x="754118" y="2619594"/>
+            <a:ext cx="10292254" cy="917137"/>
+          </a:xfrm>
+          <a:prstGeom prst="rect">
+            <a:avLst/>
+          </a:prstGeom>
+        </p:spPr>
+        <p:txBody>
+          <a:bodyPr vert="horz" lIns="91440" tIns="45720" rIns="91440" bIns="45720" rtlCol="0" anchor="ctr">
+            <a:normAutofit/>
+          </a:bodyPr>
+          <a:lstStyle>
+            <a:lvl1pPr algn="l" defTabSz="914400" rtl="0" eaLnBrk="1" latinLnBrk="0" hangingPunct="1">
+              <a:lnSpc>
+                <a:spcPct val="90000"/>
+              </a:lnSpc>
+              <a:spcBef>
+                <a:spcPct val="0"/>
+              </a:spcBef>
+              <a:buNone/>
+              <a:defRPr sz="4400" kern="1200">
+                <a:solidFill>
+                  <a:schemeClr val="tx1"/>
+                </a:solidFill>
+                <a:latin typeface="+mj-lt"/>
+                <a:ea typeface="+mj-ea"/>
+                <a:cs typeface="+mj-cs"/>
+              </a:defRPr>
+            </a:lvl1pPr>
+          </a:lstStyle>
+          <a:p>
+            <a:pPr marL="457200" indent="-457200">
+              <a:buFont typeface="Wingdings" pitchFamily="2" charset="2"/>
+              <a:buChar char="Ø"/>
+            </a:pPr>
+            <a:r>
+              <a:rPr lang="en-US" sz="2800" dirty="0"/>
+              <a:t>Singleton Pattern Implementation:</a:t>
+            </a:r>
+          </a:p>
+        </p:txBody>
+      </p:sp>
+      <p:sp>
+        <p:nvSpPr>
+          <p:cNvPr id="5" name="Content Placeholder 2">
+            <a:extLst>
+              <a:ext uri="{FF2B5EF4-FFF2-40B4-BE49-F238E27FC236}">
+                <a16:creationId xmlns:a16="http://schemas.microsoft.com/office/drawing/2014/main" id="{4E04D22A-5C45-4F45-B0EE-B6D3D396D52B}"/>
+              </a:ext>
+            </a:extLst>
+          </p:cNvPr>
+          <p:cNvSpPr txBox="1">
+            <a:spLocks/>
+          </p:cNvSpPr>
+          <p:nvPr/>
+        </p:nvSpPr>
+        <p:spPr>
+          <a:xfrm>
+            <a:off x="1294087" y="3536731"/>
+            <a:ext cx="9752284" cy="2100646"/>
+          </a:xfrm>
+          <a:prstGeom prst="rect">
+            <a:avLst/>
+          </a:prstGeom>
+        </p:spPr>
+        <p:txBody>
+          <a:bodyPr vert="horz" lIns="91440" tIns="45720" rIns="91440" bIns="45720" rtlCol="0">
+            <a:noAutofit/>
+          </a:bodyPr>
+          <a:lstStyle>
+            <a:lvl1pPr marL="228600" indent="-228600" algn="l" defTabSz="914400" rtl="0" eaLnBrk="1" latinLnBrk="0" hangingPunct="1">
+              <a:lnSpc>
+                <a:spcPct val="90000"/>
+              </a:lnSpc>
+              <a:spcBef>
+                <a:spcPts val="1000"/>
+              </a:spcBef>
+              <a:buFont typeface="Arial" panose="020B0604020202020204" pitchFamily="34" charset="0"/>
+              <a:buChar char="•"/>
+              <a:defRPr sz="2800" kern="1200">
+                <a:solidFill>
+                  <a:schemeClr val="tx1"/>
+                </a:solidFill>
+                <a:latin typeface="+mn-lt"/>
+                <a:ea typeface="+mn-ea"/>
+                <a:cs typeface="+mn-cs"/>
+              </a:defRPr>
+            </a:lvl1pPr>
+            <a:lvl2pPr marL="685800" indent="-228600" algn="l" defTabSz="914400" rtl="0" eaLnBrk="1" latinLnBrk="0" hangingPunct="1">
+              <a:lnSpc>
+                <a:spcPct val="90000"/>
+              </a:lnSpc>
+              <a:spcBef>
+                <a:spcPts val="500"/>
+              </a:spcBef>
+              <a:buFont typeface="Arial" panose="020B0604020202020204" pitchFamily="34" charset="0"/>
+              <a:buChar char="•"/>
+              <a:defRPr sz="2400" kern="1200">
+                <a:solidFill>
+                  <a:schemeClr val="tx1"/>
+                </a:solidFill>
+                <a:latin typeface="+mn-lt"/>
+                <a:ea typeface="+mn-ea"/>
+                <a:cs typeface="+mn-cs"/>
+              </a:defRPr>
+            </a:lvl2pPr>
+            <a:lvl3pPr marL="1143000" indent="-228600" algn="l" defTabSz="914400" rtl="0" eaLnBrk="1" latinLnBrk="0" hangingPunct="1">
+              <a:lnSpc>
+                <a:spcPct val="90000"/>
+              </a:lnSpc>
+              <a:spcBef>
+                <a:spcPts val="500"/>
+              </a:spcBef>
+              <a:buFont typeface="Arial" panose="020B0604020202020204" pitchFamily="34" charset="0"/>
+              <a:buChar char="•"/>
+              <a:defRPr sz="2000" kern="1200">
+                <a:solidFill>
+                  <a:schemeClr val="tx1"/>
+                </a:solidFill>
+                <a:latin typeface="+mn-lt"/>
+                <a:ea typeface="+mn-ea"/>
+                <a:cs typeface="+mn-cs"/>
+              </a:defRPr>
+            </a:lvl3pPr>
+            <a:lvl4pPr marL="1600200" indent="-228600" algn="l" defTabSz="914400" rtl="0" eaLnBrk="1" latinLnBrk="0" hangingPunct="1">
+              <a:lnSpc>
+                <a:spcPct val="90000"/>
+              </a:lnSpc>
+              <a:spcBef>
+                <a:spcPts val="500"/>
+              </a:spcBef>
+              <a:buFont typeface="Arial" panose="020B0604020202020204" pitchFamily="34" charset="0"/>
+              <a:buChar char="•"/>
+              <a:defRPr sz="1800" kern="1200">
+                <a:solidFill>
+                  <a:schemeClr val="tx1"/>
+                </a:solidFill>
+                <a:latin typeface="+mn-lt"/>
+                <a:ea typeface="+mn-ea"/>
+                <a:cs typeface="+mn-cs"/>
+              </a:defRPr>
+            </a:lvl4pPr>
+            <a:lvl5pPr marL="2057400" indent="-228600" algn="l" defTabSz="914400" rtl="0" eaLnBrk="1" latinLnBrk="0" hangingPunct="1">
+              <a:lnSpc>
+                <a:spcPct val="90000"/>
+              </a:lnSpc>
+              <a:spcBef>
+                <a:spcPts val="500"/>
+              </a:spcBef>
+              <a:buFont typeface="Arial" panose="020B0604020202020204" pitchFamily="34" charset="0"/>
+              <a:buChar char="•"/>
+              <a:defRPr sz="1800" kern="1200">
+                <a:solidFill>
+                  <a:schemeClr val="tx1"/>
+                </a:solidFill>
+                <a:latin typeface="+mn-lt"/>
+                <a:ea typeface="+mn-ea"/>
+                <a:cs typeface="+mn-cs"/>
+              </a:defRPr>
+            </a:lvl5pPr>
+            <a:lvl6pPr marL="2514600" indent="-228600" algn="l" defTabSz="914400" rtl="0" eaLnBrk="1" latinLnBrk="0" hangingPunct="1">
+              <a:lnSpc>
+                <a:spcPct val="90000"/>
+              </a:lnSpc>
+              <a:spcBef>
+                <a:spcPts val="500"/>
+              </a:spcBef>
+              <a:buFont typeface="Arial" panose="020B0604020202020204" pitchFamily="34" charset="0"/>
+              <a:buChar char="•"/>
+              <a:defRPr sz="1800" kern="1200">
+                <a:solidFill>
+                  <a:schemeClr val="tx1"/>
+                </a:solidFill>
+                <a:latin typeface="+mn-lt"/>
+                <a:ea typeface="+mn-ea"/>
+                <a:cs typeface="+mn-cs"/>
+              </a:defRPr>
+            </a:lvl6pPr>
+            <a:lvl7pPr marL="2971800" indent="-228600" algn="l" defTabSz="914400" rtl="0" eaLnBrk="1" latinLnBrk="0" hangingPunct="1">
+              <a:lnSpc>
+                <a:spcPct val="90000"/>
+              </a:lnSpc>
+              <a:spcBef>
+                <a:spcPts val="500"/>
+              </a:spcBef>
+              <a:buFont typeface="Arial" panose="020B0604020202020204" pitchFamily="34" charset="0"/>
+              <a:buChar char="•"/>
+              <a:defRPr sz="1800" kern="1200">
+                <a:solidFill>
+                  <a:schemeClr val="tx1"/>
+                </a:solidFill>
+                <a:latin typeface="+mn-lt"/>
+                <a:ea typeface="+mn-ea"/>
+                <a:cs typeface="+mn-cs"/>
+              </a:defRPr>
+            </a:lvl7pPr>
+            <a:lvl8pPr marL="3429000" indent="-228600" algn="l" defTabSz="914400" rtl="0" eaLnBrk="1" latinLnBrk="0" hangingPunct="1">
+              <a:lnSpc>
+                <a:spcPct val="90000"/>
+              </a:lnSpc>
+              <a:spcBef>
+                <a:spcPts val="500"/>
+              </a:spcBef>
+              <a:buFont typeface="Arial" panose="020B0604020202020204" pitchFamily="34" charset="0"/>
+              <a:buChar char="•"/>
+              <a:defRPr sz="1800" kern="1200">
+                <a:solidFill>
+                  <a:schemeClr val="tx1"/>
+                </a:solidFill>
+                <a:latin typeface="+mn-lt"/>
+                <a:ea typeface="+mn-ea"/>
+                <a:cs typeface="+mn-cs"/>
+              </a:defRPr>
+            </a:lvl8pPr>
+            <a:lvl9pPr marL="3886200" indent="-228600" algn="l" defTabSz="914400" rtl="0" eaLnBrk="1" latinLnBrk="0" hangingPunct="1">
+              <a:lnSpc>
+                <a:spcPct val="90000"/>
+              </a:lnSpc>
+              <a:spcBef>
+                <a:spcPts val="500"/>
+              </a:spcBef>
+              <a:buFont typeface="Arial" panose="020B0604020202020204" pitchFamily="34" charset="0"/>
+              <a:buChar char="•"/>
+              <a:defRPr sz="1800" kern="1200">
+                <a:solidFill>
+                  <a:schemeClr val="tx1"/>
+                </a:solidFill>
+                <a:latin typeface="+mn-lt"/>
+                <a:ea typeface="+mn-ea"/>
+                <a:cs typeface="+mn-cs"/>
+              </a:defRPr>
+            </a:lvl9pPr>
+          </a:lstStyle>
+          <a:p>
+            <a:r>
+              <a:rPr lang="en-IN" sz="2200"/>
+              <a:t>Private constructor to restrict instantiation of the class from other classes</a:t>
+            </a:r>
+          </a:p>
+          <a:p>
+            <a:r>
+              <a:rPr lang="en-IN" sz="2200"/>
+              <a:t>Private static variable of the same class that is the only instance of the class.</a:t>
+            </a:r>
+          </a:p>
+          <a:p>
+            <a:r>
+              <a:rPr lang="en-IN" sz="2200"/>
+              <a:t>Public static method that returns the instance of the class, this is the global access point for outer world to get the instance of the singleton class.</a:t>
+            </a:r>
+          </a:p>
+          <a:p>
+            <a:r>
+              <a:rPr lang="en-IN" sz="2200"/>
+              <a:t>Various initialization techniques like Eager, Lazy, Thread Safe, etc.</a:t>
+            </a:r>
+          </a:p>
+          <a:p>
+            <a:r>
+              <a:rPr lang="en-IN" sz="2200"/>
+              <a:t>https://github.com/amanjain201/JavaDesignPattern/tree/master/src/singleton</a:t>
+            </a:r>
+          </a:p>
+          <a:p>
+            <a:endParaRPr lang="en-IN" sz="2200" dirty="0"/>
+          </a:p>
+        </p:txBody>
+      </p:sp>
     </p:spTree>
     <p:extLst>
       <p:ext uri="{BB962C8B-B14F-4D97-AF65-F5344CB8AC3E}">
@@ -4207,116 +7102,21 @@
       </p:grpSpPr>
       <p:sp>
         <p:nvSpPr>
-          <p:cNvPr id="2" name="Title 1">
-            <a:extLst>
-              <a:ext uri="{FF2B5EF4-FFF2-40B4-BE49-F238E27FC236}">
-                <a16:creationId xmlns:a16="http://schemas.microsoft.com/office/drawing/2014/main" id="{F88582F3-5BC2-114F-AB51-A93318B338BF}"/>
-              </a:ext>
-            </a:extLst>
-          </p:cNvPr>
-          <p:cNvSpPr>
-            <a:spLocks noGrp="1"/>
-          </p:cNvSpPr>
-          <p:nvPr>
-            <p:ph type="title"/>
-          </p:nvPr>
+          <p:cNvPr id="4" name="Title 1">
+            <a:extLst>
+              <a:ext uri="{FF2B5EF4-FFF2-40B4-BE49-F238E27FC236}">
+                <a16:creationId xmlns:a16="http://schemas.microsoft.com/office/drawing/2014/main" id="{3B5D1DF2-99E1-7D4F-8FB2-764EFC237616}"/>
+              </a:ext>
+            </a:extLst>
+          </p:cNvPr>
+          <p:cNvSpPr txBox="1">
+            <a:spLocks/>
+          </p:cNvSpPr>
+          <p:nvPr/>
         </p:nvSpPr>
         <p:spPr>
           <a:xfrm>
-            <a:off x="949873" y="303486"/>
-            <a:ext cx="10292254" cy="917137"/>
-          </a:xfrm>
-        </p:spPr>
-        <p:txBody>
-          <a:bodyPr>
-            <a:normAutofit/>
-          </a:bodyPr>
-          <a:lstStyle/>
-          <a:p>
-            <a:pPr marL="457200" indent="-457200">
-              <a:buFont typeface="Wingdings" pitchFamily="2" charset="2"/>
-              <a:buChar char="Ø"/>
-            </a:pPr>
-            <a:r>
-              <a:rPr lang="en-US" sz="2800" dirty="0"/>
-              <a:t>Singleton Pattern Implementation:</a:t>
-            </a:r>
-          </a:p>
-        </p:txBody>
-      </p:sp>
-      <p:sp>
-        <p:nvSpPr>
-          <p:cNvPr id="3" name="Content Placeholder 2">
-            <a:extLst>
-              <a:ext uri="{FF2B5EF4-FFF2-40B4-BE49-F238E27FC236}">
-                <a16:creationId xmlns:a16="http://schemas.microsoft.com/office/drawing/2014/main" id="{74DE91CD-4A20-AC46-8762-EBB6F07F5235}"/>
-              </a:ext>
-            </a:extLst>
-          </p:cNvPr>
-          <p:cNvSpPr>
-            <a:spLocks noGrp="1"/>
-          </p:cNvSpPr>
-          <p:nvPr>
-            <p:ph idx="1"/>
-          </p:nvPr>
-        </p:nvSpPr>
-        <p:spPr>
-          <a:xfrm>
-            <a:off x="1489842" y="1220623"/>
-            <a:ext cx="8925910" cy="2100646"/>
-          </a:xfrm>
-        </p:spPr>
-        <p:txBody>
-          <a:bodyPr>
-            <a:normAutofit lnSpcReduction="10000"/>
-          </a:bodyPr>
-          <a:lstStyle/>
-          <a:p>
-            <a:r>
-              <a:rPr lang="en-IN" sz="2200" dirty="0"/>
-              <a:t>Private constructor to restrict instantiation of the class from other classes</a:t>
-            </a:r>
-          </a:p>
-          <a:p>
-            <a:r>
-              <a:rPr lang="en-IN" sz="2200" dirty="0"/>
-              <a:t>Private static variable of the same class that is the only instance of the class.</a:t>
-            </a:r>
-          </a:p>
-          <a:p>
-            <a:r>
-              <a:rPr lang="en-IN" sz="2200" dirty="0"/>
-              <a:t>Public static method that returns the instance of the class, this is the global access point for outer world to get the instance of the singleton class.</a:t>
-            </a:r>
-          </a:p>
-          <a:p>
-            <a:r>
-              <a:rPr lang="en-IN" sz="2200" dirty="0"/>
-              <a:t>Various initialization techniques like Eager, Lazy, Thread Safe, etc.</a:t>
-            </a:r>
-          </a:p>
-          <a:p>
-            <a:endParaRPr lang="en-IN" sz="2200" dirty="0"/>
-          </a:p>
-        </p:txBody>
-      </p:sp>
-      <p:sp>
-        <p:nvSpPr>
-          <p:cNvPr id="4" name="Title 1">
-            <a:extLst>
-              <a:ext uri="{FF2B5EF4-FFF2-40B4-BE49-F238E27FC236}">
-                <a16:creationId xmlns:a16="http://schemas.microsoft.com/office/drawing/2014/main" id="{3B5D1DF2-99E1-7D4F-8FB2-764EFC237616}"/>
-              </a:ext>
-            </a:extLst>
-          </p:cNvPr>
-          <p:cNvSpPr txBox="1">
-            <a:spLocks/>
-          </p:cNvSpPr>
-          <p:nvPr/>
-        </p:nvSpPr>
-        <p:spPr>
-          <a:xfrm>
-            <a:off x="949873" y="3972697"/>
+            <a:off x="851019" y="411217"/>
             <a:ext cx="10292254" cy="917137"/>
           </a:xfrm>
           <a:prstGeom prst="rect">
@@ -4353,7 +7153,7 @@
             </a:pPr>
             <a:r>
               <a:rPr lang="en-US" sz="2800" dirty="0"/>
-              <a:t>Singleton Pattern Usages:</a:t>
+              <a:t>Usages:</a:t>
             </a:r>
           </a:p>
         </p:txBody>
@@ -4374,8 +7174,8 @@
         </p:nvSpPr>
         <p:spPr>
           <a:xfrm>
-            <a:off x="1489842" y="4889834"/>
-            <a:ext cx="8925910" cy="2100646"/>
+            <a:off x="1390987" y="1328354"/>
+            <a:ext cx="9752285" cy="2100646"/>
           </a:xfrm>
           <a:prstGeom prst="rect">
             <a:avLst/>
@@ -4639,7 +7439,7 @@
           <a:p>
             <a:r>
               <a:rPr lang="en-US" sz="3600" dirty="0"/>
-              <a:t>Singleton Pattern:</a:t>
+              <a:t>Factory Pattern:</a:t>
             </a:r>
           </a:p>
         </p:txBody>
@@ -4674,13 +7474,595 @@
           <a:p>
             <a:r>
               <a:rPr lang="en-IN" sz="2400" dirty="0"/>
-              <a:t>Restricts the instantiation of a class and ensures that only one instance of the class exists in the java virtual machine</a:t>
-            </a:r>
-          </a:p>
-          <a:p>
-            <a:r>
-              <a:rPr lang="en-IN" sz="2400" dirty="0"/>
-              <a:t>Must provide a global access point to get the instance of the class</a:t>
+              <a:t>Used when we have a superclass with multiple sub-classes and based on input, we need to return one of the sub-class</a:t>
+            </a:r>
+          </a:p>
+        </p:txBody>
+      </p:sp>
+      <p:sp>
+        <p:nvSpPr>
+          <p:cNvPr id="4" name="Title 1">
+            <a:extLst>
+              <a:ext uri="{FF2B5EF4-FFF2-40B4-BE49-F238E27FC236}">
+                <a16:creationId xmlns:a16="http://schemas.microsoft.com/office/drawing/2014/main" id="{9C8CE803-668A-0C49-B852-F79BF81FD1DE}"/>
+              </a:ext>
+            </a:extLst>
+          </p:cNvPr>
+          <p:cNvSpPr txBox="1">
+            <a:spLocks/>
+          </p:cNvSpPr>
+          <p:nvPr/>
+        </p:nvSpPr>
+        <p:spPr>
+          <a:xfrm>
+            <a:off x="601719" y="1961247"/>
+            <a:ext cx="10292254" cy="917137"/>
+          </a:xfrm>
+          <a:prstGeom prst="rect">
+            <a:avLst/>
+          </a:prstGeom>
+        </p:spPr>
+        <p:txBody>
+          <a:bodyPr vert="horz" lIns="91440" tIns="45720" rIns="91440" bIns="45720" rtlCol="0" anchor="ctr">
+            <a:normAutofit/>
+          </a:bodyPr>
+          <a:lstStyle>
+            <a:lvl1pPr algn="l" defTabSz="914400" rtl="0" eaLnBrk="1" latinLnBrk="0" hangingPunct="1">
+              <a:lnSpc>
+                <a:spcPct val="90000"/>
+              </a:lnSpc>
+              <a:spcBef>
+                <a:spcPct val="0"/>
+              </a:spcBef>
+              <a:buNone/>
+              <a:defRPr sz="4400" kern="1200">
+                <a:solidFill>
+                  <a:schemeClr val="tx1"/>
+                </a:solidFill>
+                <a:latin typeface="+mj-lt"/>
+                <a:ea typeface="+mj-ea"/>
+                <a:cs typeface="+mj-cs"/>
+              </a:defRPr>
+            </a:lvl1pPr>
+          </a:lstStyle>
+          <a:p>
+            <a:pPr marL="457200" indent="-457200">
+              <a:buFont typeface="Wingdings" pitchFamily="2" charset="2"/>
+              <a:buChar char="Ø"/>
+            </a:pPr>
+            <a:r>
+              <a:rPr lang="en-US" sz="2800" dirty="0"/>
+              <a:t>Factory Pattern Implementation:</a:t>
+            </a:r>
+          </a:p>
+        </p:txBody>
+      </p:sp>
+      <p:sp>
+        <p:nvSpPr>
+          <p:cNvPr id="5" name="Content Placeholder 2">
+            <a:extLst>
+              <a:ext uri="{FF2B5EF4-FFF2-40B4-BE49-F238E27FC236}">
+                <a16:creationId xmlns:a16="http://schemas.microsoft.com/office/drawing/2014/main" id="{36DAA9EA-0D6C-DE47-AAB6-CDAB76F2D469}"/>
+              </a:ext>
+            </a:extLst>
+          </p:cNvPr>
+          <p:cNvSpPr txBox="1">
+            <a:spLocks/>
+          </p:cNvSpPr>
+          <p:nvPr/>
+        </p:nvSpPr>
+        <p:spPr>
+          <a:xfrm>
+            <a:off x="1446486" y="5137608"/>
+            <a:ext cx="9752284" cy="2100646"/>
+          </a:xfrm>
+          <a:prstGeom prst="rect">
+            <a:avLst/>
+          </a:prstGeom>
+        </p:spPr>
+        <p:txBody>
+          <a:bodyPr vert="horz" lIns="91440" tIns="45720" rIns="91440" bIns="45720" rtlCol="0">
+            <a:noAutofit/>
+          </a:bodyPr>
+          <a:lstStyle>
+            <a:lvl1pPr marL="228600" indent="-228600" algn="l" defTabSz="914400" rtl="0" eaLnBrk="1" latinLnBrk="0" hangingPunct="1">
+              <a:lnSpc>
+                <a:spcPct val="90000"/>
+              </a:lnSpc>
+              <a:spcBef>
+                <a:spcPts val="1000"/>
+              </a:spcBef>
+              <a:buFont typeface="Arial" panose="020B0604020202020204" pitchFamily="34" charset="0"/>
+              <a:buChar char="•"/>
+              <a:defRPr sz="2800" kern="1200">
+                <a:solidFill>
+                  <a:schemeClr val="tx1"/>
+                </a:solidFill>
+                <a:latin typeface="+mn-lt"/>
+                <a:ea typeface="+mn-ea"/>
+                <a:cs typeface="+mn-cs"/>
+              </a:defRPr>
+            </a:lvl1pPr>
+            <a:lvl2pPr marL="685800" indent="-228600" algn="l" defTabSz="914400" rtl="0" eaLnBrk="1" latinLnBrk="0" hangingPunct="1">
+              <a:lnSpc>
+                <a:spcPct val="90000"/>
+              </a:lnSpc>
+              <a:spcBef>
+                <a:spcPts val="500"/>
+              </a:spcBef>
+              <a:buFont typeface="Arial" panose="020B0604020202020204" pitchFamily="34" charset="0"/>
+              <a:buChar char="•"/>
+              <a:defRPr sz="2400" kern="1200">
+                <a:solidFill>
+                  <a:schemeClr val="tx1"/>
+                </a:solidFill>
+                <a:latin typeface="+mn-lt"/>
+                <a:ea typeface="+mn-ea"/>
+                <a:cs typeface="+mn-cs"/>
+              </a:defRPr>
+            </a:lvl2pPr>
+            <a:lvl3pPr marL="1143000" indent="-228600" algn="l" defTabSz="914400" rtl="0" eaLnBrk="1" latinLnBrk="0" hangingPunct="1">
+              <a:lnSpc>
+                <a:spcPct val="90000"/>
+              </a:lnSpc>
+              <a:spcBef>
+                <a:spcPts val="500"/>
+              </a:spcBef>
+              <a:buFont typeface="Arial" panose="020B0604020202020204" pitchFamily="34" charset="0"/>
+              <a:buChar char="•"/>
+              <a:defRPr sz="2000" kern="1200">
+                <a:solidFill>
+                  <a:schemeClr val="tx1"/>
+                </a:solidFill>
+                <a:latin typeface="+mn-lt"/>
+                <a:ea typeface="+mn-ea"/>
+                <a:cs typeface="+mn-cs"/>
+              </a:defRPr>
+            </a:lvl3pPr>
+            <a:lvl4pPr marL="1600200" indent="-228600" algn="l" defTabSz="914400" rtl="0" eaLnBrk="1" latinLnBrk="0" hangingPunct="1">
+              <a:lnSpc>
+                <a:spcPct val="90000"/>
+              </a:lnSpc>
+              <a:spcBef>
+                <a:spcPts val="500"/>
+              </a:spcBef>
+              <a:buFont typeface="Arial" panose="020B0604020202020204" pitchFamily="34" charset="0"/>
+              <a:buChar char="•"/>
+              <a:defRPr sz="1800" kern="1200">
+                <a:solidFill>
+                  <a:schemeClr val="tx1"/>
+                </a:solidFill>
+                <a:latin typeface="+mn-lt"/>
+                <a:ea typeface="+mn-ea"/>
+                <a:cs typeface="+mn-cs"/>
+              </a:defRPr>
+            </a:lvl4pPr>
+            <a:lvl5pPr marL="2057400" indent="-228600" algn="l" defTabSz="914400" rtl="0" eaLnBrk="1" latinLnBrk="0" hangingPunct="1">
+              <a:lnSpc>
+                <a:spcPct val="90000"/>
+              </a:lnSpc>
+              <a:spcBef>
+                <a:spcPts val="500"/>
+              </a:spcBef>
+              <a:buFont typeface="Arial" panose="020B0604020202020204" pitchFamily="34" charset="0"/>
+              <a:buChar char="•"/>
+              <a:defRPr sz="1800" kern="1200">
+                <a:solidFill>
+                  <a:schemeClr val="tx1"/>
+                </a:solidFill>
+                <a:latin typeface="+mn-lt"/>
+                <a:ea typeface="+mn-ea"/>
+                <a:cs typeface="+mn-cs"/>
+              </a:defRPr>
+            </a:lvl5pPr>
+            <a:lvl6pPr marL="2514600" indent="-228600" algn="l" defTabSz="914400" rtl="0" eaLnBrk="1" latinLnBrk="0" hangingPunct="1">
+              <a:lnSpc>
+                <a:spcPct val="90000"/>
+              </a:lnSpc>
+              <a:spcBef>
+                <a:spcPts val="500"/>
+              </a:spcBef>
+              <a:buFont typeface="Arial" panose="020B0604020202020204" pitchFamily="34" charset="0"/>
+              <a:buChar char="•"/>
+              <a:defRPr sz="1800" kern="1200">
+                <a:solidFill>
+                  <a:schemeClr val="tx1"/>
+                </a:solidFill>
+                <a:latin typeface="+mn-lt"/>
+                <a:ea typeface="+mn-ea"/>
+                <a:cs typeface="+mn-cs"/>
+              </a:defRPr>
+            </a:lvl6pPr>
+            <a:lvl7pPr marL="2971800" indent="-228600" algn="l" defTabSz="914400" rtl="0" eaLnBrk="1" latinLnBrk="0" hangingPunct="1">
+              <a:lnSpc>
+                <a:spcPct val="90000"/>
+              </a:lnSpc>
+              <a:spcBef>
+                <a:spcPts val="500"/>
+              </a:spcBef>
+              <a:buFont typeface="Arial" panose="020B0604020202020204" pitchFamily="34" charset="0"/>
+              <a:buChar char="•"/>
+              <a:defRPr sz="1800" kern="1200">
+                <a:solidFill>
+                  <a:schemeClr val="tx1"/>
+                </a:solidFill>
+                <a:latin typeface="+mn-lt"/>
+                <a:ea typeface="+mn-ea"/>
+                <a:cs typeface="+mn-cs"/>
+              </a:defRPr>
+            </a:lvl7pPr>
+            <a:lvl8pPr marL="3429000" indent="-228600" algn="l" defTabSz="914400" rtl="0" eaLnBrk="1" latinLnBrk="0" hangingPunct="1">
+              <a:lnSpc>
+                <a:spcPct val="90000"/>
+              </a:lnSpc>
+              <a:spcBef>
+                <a:spcPts val="500"/>
+              </a:spcBef>
+              <a:buFont typeface="Arial" panose="020B0604020202020204" pitchFamily="34" charset="0"/>
+              <a:buChar char="•"/>
+              <a:defRPr sz="1800" kern="1200">
+                <a:solidFill>
+                  <a:schemeClr val="tx1"/>
+                </a:solidFill>
+                <a:latin typeface="+mn-lt"/>
+                <a:ea typeface="+mn-ea"/>
+                <a:cs typeface="+mn-cs"/>
+              </a:defRPr>
+            </a:lvl8pPr>
+            <a:lvl9pPr marL="3886200" indent="-228600" algn="l" defTabSz="914400" rtl="0" eaLnBrk="1" latinLnBrk="0" hangingPunct="1">
+              <a:lnSpc>
+                <a:spcPct val="90000"/>
+              </a:lnSpc>
+              <a:spcBef>
+                <a:spcPts val="500"/>
+              </a:spcBef>
+              <a:buFont typeface="Arial" panose="020B0604020202020204" pitchFamily="34" charset="0"/>
+              <a:buChar char="•"/>
+              <a:defRPr sz="1800" kern="1200">
+                <a:solidFill>
+                  <a:schemeClr val="tx1"/>
+                </a:solidFill>
+                <a:latin typeface="+mn-lt"/>
+                <a:ea typeface="+mn-ea"/>
+                <a:cs typeface="+mn-cs"/>
+              </a:defRPr>
+            </a:lvl9pPr>
+          </a:lstStyle>
+          <a:p>
+            <a:r>
+              <a:rPr lang="en-IN" sz="2200" dirty="0" err="1"/>
+              <a:t>java.util.Calendar</a:t>
+            </a:r>
+            <a:r>
+              <a:rPr lang="en-IN" sz="2200" dirty="0"/>
+              <a:t>, </a:t>
+            </a:r>
+            <a:r>
+              <a:rPr lang="en-IN" sz="2200" dirty="0" err="1"/>
+              <a:t>ResourceBundle</a:t>
+            </a:r>
+            <a:r>
+              <a:rPr lang="en-IN" sz="2200" dirty="0"/>
+              <a:t> and </a:t>
+            </a:r>
+            <a:r>
+              <a:rPr lang="en-IN" sz="2200" dirty="0" err="1"/>
+              <a:t>NumberFormat</a:t>
+            </a:r>
+            <a:r>
+              <a:rPr lang="en-IN" sz="2200" dirty="0"/>
+              <a:t> </a:t>
+            </a:r>
+            <a:r>
+              <a:rPr lang="en-IN" sz="2200" dirty="0" err="1"/>
+              <a:t>getInstance</a:t>
+            </a:r>
+            <a:r>
+              <a:rPr lang="en-IN" sz="2200" dirty="0"/>
+              <a:t>() methods uses Factory pattern.</a:t>
+            </a:r>
+          </a:p>
+          <a:p>
+            <a:r>
+              <a:rPr lang="en-IN" sz="2200" dirty="0" err="1"/>
+              <a:t>valueOf</a:t>
+            </a:r>
+            <a:r>
+              <a:rPr lang="en-IN" sz="2200" dirty="0"/>
+              <a:t>() method in wrapper classes like Boolean, Integer etc.</a:t>
+            </a:r>
+          </a:p>
+        </p:txBody>
+      </p:sp>
+      <p:sp>
+        <p:nvSpPr>
+          <p:cNvPr id="8" name="Title 1">
+            <a:extLst>
+              <a:ext uri="{FF2B5EF4-FFF2-40B4-BE49-F238E27FC236}">
+                <a16:creationId xmlns:a16="http://schemas.microsoft.com/office/drawing/2014/main" id="{962929B7-EE56-6C42-9E3A-BBDE67A0B2AB}"/>
+              </a:ext>
+            </a:extLst>
+          </p:cNvPr>
+          <p:cNvSpPr txBox="1">
+            <a:spLocks/>
+          </p:cNvSpPr>
+          <p:nvPr/>
+        </p:nvSpPr>
+        <p:spPr>
+          <a:xfrm>
+            <a:off x="754118" y="4353657"/>
+            <a:ext cx="10292254" cy="917137"/>
+          </a:xfrm>
+          <a:prstGeom prst="rect">
+            <a:avLst/>
+          </a:prstGeom>
+        </p:spPr>
+        <p:txBody>
+          <a:bodyPr vert="horz" lIns="91440" tIns="45720" rIns="91440" bIns="45720" rtlCol="0" anchor="ctr">
+            <a:normAutofit/>
+          </a:bodyPr>
+          <a:lstStyle>
+            <a:lvl1pPr algn="l" defTabSz="914400" rtl="0" eaLnBrk="1" latinLnBrk="0" hangingPunct="1">
+              <a:lnSpc>
+                <a:spcPct val="90000"/>
+              </a:lnSpc>
+              <a:spcBef>
+                <a:spcPct val="0"/>
+              </a:spcBef>
+              <a:buNone/>
+              <a:defRPr sz="4400" kern="1200">
+                <a:solidFill>
+                  <a:schemeClr val="tx1"/>
+                </a:solidFill>
+                <a:latin typeface="+mj-lt"/>
+                <a:ea typeface="+mj-ea"/>
+                <a:cs typeface="+mj-cs"/>
+              </a:defRPr>
+            </a:lvl1pPr>
+          </a:lstStyle>
+          <a:p>
+            <a:pPr marL="457200" indent="-457200">
+              <a:buFont typeface="Wingdings" pitchFamily="2" charset="2"/>
+              <a:buChar char="Ø"/>
+            </a:pPr>
+            <a:r>
+              <a:rPr lang="en-US" sz="2800" dirty="0"/>
+              <a:t>Usages:</a:t>
+            </a:r>
+          </a:p>
+        </p:txBody>
+      </p:sp>
+      <p:sp>
+        <p:nvSpPr>
+          <p:cNvPr id="9" name="Content Placeholder 2">
+            <a:extLst>
+              <a:ext uri="{FF2B5EF4-FFF2-40B4-BE49-F238E27FC236}">
+                <a16:creationId xmlns:a16="http://schemas.microsoft.com/office/drawing/2014/main" id="{F98D755B-81A3-434F-AE47-FE258FA8C5BC}"/>
+              </a:ext>
+            </a:extLst>
+          </p:cNvPr>
+          <p:cNvSpPr txBox="1">
+            <a:spLocks/>
+          </p:cNvSpPr>
+          <p:nvPr/>
+        </p:nvSpPr>
+        <p:spPr>
+          <a:xfrm>
+            <a:off x="1294088" y="3030784"/>
+            <a:ext cx="9752284" cy="2100646"/>
+          </a:xfrm>
+          <a:prstGeom prst="rect">
+            <a:avLst/>
+          </a:prstGeom>
+        </p:spPr>
+        <p:txBody>
+          <a:bodyPr vert="horz" lIns="91440" tIns="45720" rIns="91440" bIns="45720" rtlCol="0">
+            <a:noAutofit/>
+          </a:bodyPr>
+          <a:lstStyle>
+            <a:lvl1pPr marL="228600" indent="-228600" algn="l" defTabSz="914400" rtl="0" eaLnBrk="1" latinLnBrk="0" hangingPunct="1">
+              <a:lnSpc>
+                <a:spcPct val="90000"/>
+              </a:lnSpc>
+              <a:spcBef>
+                <a:spcPts val="1000"/>
+              </a:spcBef>
+              <a:buFont typeface="Arial" panose="020B0604020202020204" pitchFamily="34" charset="0"/>
+              <a:buChar char="•"/>
+              <a:defRPr sz="2800" kern="1200">
+                <a:solidFill>
+                  <a:schemeClr val="tx1"/>
+                </a:solidFill>
+                <a:latin typeface="+mn-lt"/>
+                <a:ea typeface="+mn-ea"/>
+                <a:cs typeface="+mn-cs"/>
+              </a:defRPr>
+            </a:lvl1pPr>
+            <a:lvl2pPr marL="685800" indent="-228600" algn="l" defTabSz="914400" rtl="0" eaLnBrk="1" latinLnBrk="0" hangingPunct="1">
+              <a:lnSpc>
+                <a:spcPct val="90000"/>
+              </a:lnSpc>
+              <a:spcBef>
+                <a:spcPts val="500"/>
+              </a:spcBef>
+              <a:buFont typeface="Arial" panose="020B0604020202020204" pitchFamily="34" charset="0"/>
+              <a:buChar char="•"/>
+              <a:defRPr sz="2400" kern="1200">
+                <a:solidFill>
+                  <a:schemeClr val="tx1"/>
+                </a:solidFill>
+                <a:latin typeface="+mn-lt"/>
+                <a:ea typeface="+mn-ea"/>
+                <a:cs typeface="+mn-cs"/>
+              </a:defRPr>
+            </a:lvl2pPr>
+            <a:lvl3pPr marL="1143000" indent="-228600" algn="l" defTabSz="914400" rtl="0" eaLnBrk="1" latinLnBrk="0" hangingPunct="1">
+              <a:lnSpc>
+                <a:spcPct val="90000"/>
+              </a:lnSpc>
+              <a:spcBef>
+                <a:spcPts val="500"/>
+              </a:spcBef>
+              <a:buFont typeface="Arial" panose="020B0604020202020204" pitchFamily="34" charset="0"/>
+              <a:buChar char="•"/>
+              <a:defRPr sz="2000" kern="1200">
+                <a:solidFill>
+                  <a:schemeClr val="tx1"/>
+                </a:solidFill>
+                <a:latin typeface="+mn-lt"/>
+                <a:ea typeface="+mn-ea"/>
+                <a:cs typeface="+mn-cs"/>
+              </a:defRPr>
+            </a:lvl3pPr>
+            <a:lvl4pPr marL="1600200" indent="-228600" algn="l" defTabSz="914400" rtl="0" eaLnBrk="1" latinLnBrk="0" hangingPunct="1">
+              <a:lnSpc>
+                <a:spcPct val="90000"/>
+              </a:lnSpc>
+              <a:spcBef>
+                <a:spcPts val="500"/>
+              </a:spcBef>
+              <a:buFont typeface="Arial" panose="020B0604020202020204" pitchFamily="34" charset="0"/>
+              <a:buChar char="•"/>
+              <a:defRPr sz="1800" kern="1200">
+                <a:solidFill>
+                  <a:schemeClr val="tx1"/>
+                </a:solidFill>
+                <a:latin typeface="+mn-lt"/>
+                <a:ea typeface="+mn-ea"/>
+                <a:cs typeface="+mn-cs"/>
+              </a:defRPr>
+            </a:lvl4pPr>
+            <a:lvl5pPr marL="2057400" indent="-228600" algn="l" defTabSz="914400" rtl="0" eaLnBrk="1" latinLnBrk="0" hangingPunct="1">
+              <a:lnSpc>
+                <a:spcPct val="90000"/>
+              </a:lnSpc>
+              <a:spcBef>
+                <a:spcPts val="500"/>
+              </a:spcBef>
+              <a:buFont typeface="Arial" panose="020B0604020202020204" pitchFamily="34" charset="0"/>
+              <a:buChar char="•"/>
+              <a:defRPr sz="1800" kern="1200">
+                <a:solidFill>
+                  <a:schemeClr val="tx1"/>
+                </a:solidFill>
+                <a:latin typeface="+mn-lt"/>
+                <a:ea typeface="+mn-ea"/>
+                <a:cs typeface="+mn-cs"/>
+              </a:defRPr>
+            </a:lvl5pPr>
+            <a:lvl6pPr marL="2514600" indent="-228600" algn="l" defTabSz="914400" rtl="0" eaLnBrk="1" latinLnBrk="0" hangingPunct="1">
+              <a:lnSpc>
+                <a:spcPct val="90000"/>
+              </a:lnSpc>
+              <a:spcBef>
+                <a:spcPts val="500"/>
+              </a:spcBef>
+              <a:buFont typeface="Arial" panose="020B0604020202020204" pitchFamily="34" charset="0"/>
+              <a:buChar char="•"/>
+              <a:defRPr sz="1800" kern="1200">
+                <a:solidFill>
+                  <a:schemeClr val="tx1"/>
+                </a:solidFill>
+                <a:latin typeface="+mn-lt"/>
+                <a:ea typeface="+mn-ea"/>
+                <a:cs typeface="+mn-cs"/>
+              </a:defRPr>
+            </a:lvl6pPr>
+            <a:lvl7pPr marL="2971800" indent="-228600" algn="l" defTabSz="914400" rtl="0" eaLnBrk="1" latinLnBrk="0" hangingPunct="1">
+              <a:lnSpc>
+                <a:spcPct val="90000"/>
+              </a:lnSpc>
+              <a:spcBef>
+                <a:spcPts val="500"/>
+              </a:spcBef>
+              <a:buFont typeface="Arial" panose="020B0604020202020204" pitchFamily="34" charset="0"/>
+              <a:buChar char="•"/>
+              <a:defRPr sz="1800" kern="1200">
+                <a:solidFill>
+                  <a:schemeClr val="tx1"/>
+                </a:solidFill>
+                <a:latin typeface="+mn-lt"/>
+                <a:ea typeface="+mn-ea"/>
+                <a:cs typeface="+mn-cs"/>
+              </a:defRPr>
+            </a:lvl7pPr>
+            <a:lvl8pPr marL="3429000" indent="-228600" algn="l" defTabSz="914400" rtl="0" eaLnBrk="1" latinLnBrk="0" hangingPunct="1">
+              <a:lnSpc>
+                <a:spcPct val="90000"/>
+              </a:lnSpc>
+              <a:spcBef>
+                <a:spcPts val="500"/>
+              </a:spcBef>
+              <a:buFont typeface="Arial" panose="020B0604020202020204" pitchFamily="34" charset="0"/>
+              <a:buChar char="•"/>
+              <a:defRPr sz="1800" kern="1200">
+                <a:solidFill>
+                  <a:schemeClr val="tx1"/>
+                </a:solidFill>
+                <a:latin typeface="+mn-lt"/>
+                <a:ea typeface="+mn-ea"/>
+                <a:cs typeface="+mn-cs"/>
+              </a:defRPr>
+            </a:lvl8pPr>
+            <a:lvl9pPr marL="3886200" indent="-228600" algn="l" defTabSz="914400" rtl="0" eaLnBrk="1" latinLnBrk="0" hangingPunct="1">
+              <a:lnSpc>
+                <a:spcPct val="90000"/>
+              </a:lnSpc>
+              <a:spcBef>
+                <a:spcPts val="500"/>
+              </a:spcBef>
+              <a:buFont typeface="Arial" panose="020B0604020202020204" pitchFamily="34" charset="0"/>
+              <a:buChar char="•"/>
+              <a:defRPr sz="1800" kern="1200">
+                <a:solidFill>
+                  <a:schemeClr val="tx1"/>
+                </a:solidFill>
+                <a:latin typeface="+mn-lt"/>
+                <a:ea typeface="+mn-ea"/>
+                <a:cs typeface="+mn-cs"/>
+              </a:defRPr>
+            </a:lvl9pPr>
+          </a:lstStyle>
+          <a:p>
+            <a:r>
+              <a:rPr lang="en-IN" sz="2200" dirty="0"/>
+              <a:t>Factory class can be singleton or can use public static method to return subclass</a:t>
+            </a:r>
+          </a:p>
+          <a:p>
+            <a:r>
+              <a:rPr lang="en-IN" sz="2200" dirty="0"/>
+              <a:t>Based on the input parameter, different subclass is created and returned.</a:t>
+            </a:r>
+          </a:p>
+          <a:p>
+            <a:r>
+              <a:rPr lang="en-IN" sz="2200" dirty="0"/>
+              <a:t>https://</a:t>
+            </a:r>
+            <a:r>
+              <a:rPr lang="en-IN" sz="2200" dirty="0" err="1"/>
+              <a:t>github.com</a:t>
+            </a:r>
+            <a:r>
+              <a:rPr lang="en-IN" sz="2200" dirty="0"/>
+              <a:t>/amanjain201/</a:t>
+            </a:r>
+            <a:r>
+              <a:rPr lang="en-IN" sz="2200" dirty="0" err="1"/>
+              <a:t>JavaDesignPattern</a:t>
+            </a:r>
+            <a:r>
+              <a:rPr lang="en-IN" sz="2200" dirty="0"/>
+              <a:t>/tree/master/</a:t>
+            </a:r>
+            <a:r>
+              <a:rPr lang="en-IN" sz="2200" dirty="0" err="1"/>
+              <a:t>src</a:t>
+            </a:r>
+            <a:r>
+              <a:rPr lang="en-IN" sz="2200" dirty="0"/>
+              <a:t>/factory</a:t>
             </a:r>
           </a:p>
         </p:txBody>
@@ -4689,6 +8071,1786 @@
     <p:extLst>
       <p:ext uri="{BB962C8B-B14F-4D97-AF65-F5344CB8AC3E}">
         <p14:creationId xmlns:p14="http://schemas.microsoft.com/office/powerpoint/2010/main" val="2844475937"/>
+      </p:ext>
+    </p:extLst>
+  </p:cSld>
+  <p:clrMapOvr>
+    <a:masterClrMapping/>
+  </p:clrMapOvr>
+</p:sld>
+</file>
+
+<file path=ppt/slides/slide6.xml><?xml version="1.0" encoding="utf-8"?>
+<p:sld xmlns:a="http://schemas.openxmlformats.org/drawingml/2006/main" xmlns:r="http://schemas.openxmlformats.org/officeDocument/2006/relationships" xmlns:p="http://schemas.openxmlformats.org/presentationml/2006/main">
+  <p:cSld>
+    <p:spTree>
+      <p:nvGrpSpPr>
+        <p:cNvPr id="1" name=""/>
+        <p:cNvGrpSpPr/>
+        <p:nvPr/>
+      </p:nvGrpSpPr>
+      <p:grpSpPr>
+        <a:xfrm>
+          <a:off x="0" y="0"/>
+          <a:ext cx="0" cy="0"/>
+          <a:chOff x="0" y="0"/>
+          <a:chExt cx="0" cy="0"/>
+        </a:xfrm>
+      </p:grpSpPr>
+      <p:sp>
+        <p:nvSpPr>
+          <p:cNvPr id="2" name="Title 1">
+            <a:extLst>
+              <a:ext uri="{FF2B5EF4-FFF2-40B4-BE49-F238E27FC236}">
+                <a16:creationId xmlns:a16="http://schemas.microsoft.com/office/drawing/2014/main" id="{F88582F3-5BC2-114F-AB51-A93318B338BF}"/>
+              </a:ext>
+            </a:extLst>
+          </p:cNvPr>
+          <p:cNvSpPr>
+            <a:spLocks noGrp="1"/>
+          </p:cNvSpPr>
+          <p:nvPr>
+            <p:ph type="title"/>
+          </p:nvPr>
+        </p:nvSpPr>
+        <p:spPr>
+          <a:xfrm>
+            <a:off x="754118" y="112877"/>
+            <a:ext cx="10292254" cy="917137"/>
+          </a:xfrm>
+        </p:spPr>
+        <p:txBody>
+          <a:bodyPr>
+            <a:normAutofit/>
+          </a:bodyPr>
+          <a:lstStyle/>
+          <a:p>
+            <a:r>
+              <a:rPr lang="en-US" sz="3600" dirty="0"/>
+              <a:t>Abstract Factory Pattern:</a:t>
+            </a:r>
+          </a:p>
+        </p:txBody>
+      </p:sp>
+      <p:sp>
+        <p:nvSpPr>
+          <p:cNvPr id="3" name="Content Placeholder 2">
+            <a:extLst>
+              <a:ext uri="{FF2B5EF4-FFF2-40B4-BE49-F238E27FC236}">
+                <a16:creationId xmlns:a16="http://schemas.microsoft.com/office/drawing/2014/main" id="{74DE91CD-4A20-AC46-8762-EBB6F07F5235}"/>
+              </a:ext>
+            </a:extLst>
+          </p:cNvPr>
+          <p:cNvSpPr>
+            <a:spLocks noGrp="1"/>
+          </p:cNvSpPr>
+          <p:nvPr>
+            <p:ph idx="1"/>
+          </p:nvPr>
+        </p:nvSpPr>
+        <p:spPr>
+          <a:xfrm>
+            <a:off x="754118" y="1220623"/>
+            <a:ext cx="8925910" cy="5169666"/>
+          </a:xfrm>
+        </p:spPr>
+        <p:txBody>
+          <a:bodyPr>
+            <a:normAutofit/>
+          </a:bodyPr>
+          <a:lstStyle/>
+          <a:p>
+            <a:r>
+              <a:rPr lang="en-IN" sz="2400" dirty="0"/>
+              <a:t>In the Abstract Factory pattern, we get rid of if-else block like in Factory pattern and have a factory class for each sub-class. Then an Abstract Factory class that will return the sub-class based on the input factory class.</a:t>
+            </a:r>
+          </a:p>
+        </p:txBody>
+      </p:sp>
+      <p:sp>
+        <p:nvSpPr>
+          <p:cNvPr id="4" name="Title 1">
+            <a:extLst>
+              <a:ext uri="{FF2B5EF4-FFF2-40B4-BE49-F238E27FC236}">
+                <a16:creationId xmlns:a16="http://schemas.microsoft.com/office/drawing/2014/main" id="{89430F97-29C8-DE42-A917-73536060824B}"/>
+              </a:ext>
+            </a:extLst>
+          </p:cNvPr>
+          <p:cNvSpPr txBox="1">
+            <a:spLocks/>
+          </p:cNvSpPr>
+          <p:nvPr/>
+        </p:nvSpPr>
+        <p:spPr>
+          <a:xfrm>
+            <a:off x="601719" y="2467194"/>
+            <a:ext cx="10292254" cy="917137"/>
+          </a:xfrm>
+          <a:prstGeom prst="rect">
+            <a:avLst/>
+          </a:prstGeom>
+        </p:spPr>
+        <p:txBody>
+          <a:bodyPr vert="horz" lIns="91440" tIns="45720" rIns="91440" bIns="45720" rtlCol="0" anchor="ctr">
+            <a:normAutofit/>
+          </a:bodyPr>
+          <a:lstStyle>
+            <a:lvl1pPr algn="l" defTabSz="914400" rtl="0" eaLnBrk="1" latinLnBrk="0" hangingPunct="1">
+              <a:lnSpc>
+                <a:spcPct val="90000"/>
+              </a:lnSpc>
+              <a:spcBef>
+                <a:spcPct val="0"/>
+              </a:spcBef>
+              <a:buNone/>
+              <a:defRPr sz="4400" kern="1200">
+                <a:solidFill>
+                  <a:schemeClr val="tx1"/>
+                </a:solidFill>
+                <a:latin typeface="+mj-lt"/>
+                <a:ea typeface="+mj-ea"/>
+                <a:cs typeface="+mj-cs"/>
+              </a:defRPr>
+            </a:lvl1pPr>
+          </a:lstStyle>
+          <a:p>
+            <a:pPr marL="457200" indent="-457200">
+              <a:buFont typeface="Wingdings" pitchFamily="2" charset="2"/>
+              <a:buChar char="Ø"/>
+            </a:pPr>
+            <a:r>
+              <a:rPr lang="en-US" sz="2800" dirty="0"/>
+              <a:t>Abstract Factory Pattern Implementation:</a:t>
+            </a:r>
+          </a:p>
+        </p:txBody>
+      </p:sp>
+      <p:sp>
+        <p:nvSpPr>
+          <p:cNvPr id="5" name="Content Placeholder 2">
+            <a:extLst>
+              <a:ext uri="{FF2B5EF4-FFF2-40B4-BE49-F238E27FC236}">
+                <a16:creationId xmlns:a16="http://schemas.microsoft.com/office/drawing/2014/main" id="{22945EB5-22CF-4549-A815-623C72868D8E}"/>
+              </a:ext>
+            </a:extLst>
+          </p:cNvPr>
+          <p:cNvSpPr txBox="1">
+            <a:spLocks/>
+          </p:cNvSpPr>
+          <p:nvPr/>
+        </p:nvSpPr>
+        <p:spPr>
+          <a:xfrm>
+            <a:off x="1024103" y="3373396"/>
+            <a:ext cx="9752284" cy="2100646"/>
+          </a:xfrm>
+          <a:prstGeom prst="rect">
+            <a:avLst/>
+          </a:prstGeom>
+        </p:spPr>
+        <p:txBody>
+          <a:bodyPr vert="horz" lIns="91440" tIns="45720" rIns="91440" bIns="45720" rtlCol="0">
+            <a:noAutofit/>
+          </a:bodyPr>
+          <a:lstStyle>
+            <a:lvl1pPr marL="228600" indent="-228600" algn="l" defTabSz="914400" rtl="0" eaLnBrk="1" latinLnBrk="0" hangingPunct="1">
+              <a:lnSpc>
+                <a:spcPct val="90000"/>
+              </a:lnSpc>
+              <a:spcBef>
+                <a:spcPts val="1000"/>
+              </a:spcBef>
+              <a:buFont typeface="Arial" panose="020B0604020202020204" pitchFamily="34" charset="0"/>
+              <a:buChar char="•"/>
+              <a:defRPr sz="2800" kern="1200">
+                <a:solidFill>
+                  <a:schemeClr val="tx1"/>
+                </a:solidFill>
+                <a:latin typeface="+mn-lt"/>
+                <a:ea typeface="+mn-ea"/>
+                <a:cs typeface="+mn-cs"/>
+              </a:defRPr>
+            </a:lvl1pPr>
+            <a:lvl2pPr marL="685800" indent="-228600" algn="l" defTabSz="914400" rtl="0" eaLnBrk="1" latinLnBrk="0" hangingPunct="1">
+              <a:lnSpc>
+                <a:spcPct val="90000"/>
+              </a:lnSpc>
+              <a:spcBef>
+                <a:spcPts val="500"/>
+              </a:spcBef>
+              <a:buFont typeface="Arial" panose="020B0604020202020204" pitchFamily="34" charset="0"/>
+              <a:buChar char="•"/>
+              <a:defRPr sz="2400" kern="1200">
+                <a:solidFill>
+                  <a:schemeClr val="tx1"/>
+                </a:solidFill>
+                <a:latin typeface="+mn-lt"/>
+                <a:ea typeface="+mn-ea"/>
+                <a:cs typeface="+mn-cs"/>
+              </a:defRPr>
+            </a:lvl2pPr>
+            <a:lvl3pPr marL="1143000" indent="-228600" algn="l" defTabSz="914400" rtl="0" eaLnBrk="1" latinLnBrk="0" hangingPunct="1">
+              <a:lnSpc>
+                <a:spcPct val="90000"/>
+              </a:lnSpc>
+              <a:spcBef>
+                <a:spcPts val="500"/>
+              </a:spcBef>
+              <a:buFont typeface="Arial" panose="020B0604020202020204" pitchFamily="34" charset="0"/>
+              <a:buChar char="•"/>
+              <a:defRPr sz="2000" kern="1200">
+                <a:solidFill>
+                  <a:schemeClr val="tx1"/>
+                </a:solidFill>
+                <a:latin typeface="+mn-lt"/>
+                <a:ea typeface="+mn-ea"/>
+                <a:cs typeface="+mn-cs"/>
+              </a:defRPr>
+            </a:lvl3pPr>
+            <a:lvl4pPr marL="1600200" indent="-228600" algn="l" defTabSz="914400" rtl="0" eaLnBrk="1" latinLnBrk="0" hangingPunct="1">
+              <a:lnSpc>
+                <a:spcPct val="90000"/>
+              </a:lnSpc>
+              <a:spcBef>
+                <a:spcPts val="500"/>
+              </a:spcBef>
+              <a:buFont typeface="Arial" panose="020B0604020202020204" pitchFamily="34" charset="0"/>
+              <a:buChar char="•"/>
+              <a:defRPr sz="1800" kern="1200">
+                <a:solidFill>
+                  <a:schemeClr val="tx1"/>
+                </a:solidFill>
+                <a:latin typeface="+mn-lt"/>
+                <a:ea typeface="+mn-ea"/>
+                <a:cs typeface="+mn-cs"/>
+              </a:defRPr>
+            </a:lvl4pPr>
+            <a:lvl5pPr marL="2057400" indent="-228600" algn="l" defTabSz="914400" rtl="0" eaLnBrk="1" latinLnBrk="0" hangingPunct="1">
+              <a:lnSpc>
+                <a:spcPct val="90000"/>
+              </a:lnSpc>
+              <a:spcBef>
+                <a:spcPts val="500"/>
+              </a:spcBef>
+              <a:buFont typeface="Arial" panose="020B0604020202020204" pitchFamily="34" charset="0"/>
+              <a:buChar char="•"/>
+              <a:defRPr sz="1800" kern="1200">
+                <a:solidFill>
+                  <a:schemeClr val="tx1"/>
+                </a:solidFill>
+                <a:latin typeface="+mn-lt"/>
+                <a:ea typeface="+mn-ea"/>
+                <a:cs typeface="+mn-cs"/>
+              </a:defRPr>
+            </a:lvl5pPr>
+            <a:lvl6pPr marL="2514600" indent="-228600" algn="l" defTabSz="914400" rtl="0" eaLnBrk="1" latinLnBrk="0" hangingPunct="1">
+              <a:lnSpc>
+                <a:spcPct val="90000"/>
+              </a:lnSpc>
+              <a:spcBef>
+                <a:spcPts val="500"/>
+              </a:spcBef>
+              <a:buFont typeface="Arial" panose="020B0604020202020204" pitchFamily="34" charset="0"/>
+              <a:buChar char="•"/>
+              <a:defRPr sz="1800" kern="1200">
+                <a:solidFill>
+                  <a:schemeClr val="tx1"/>
+                </a:solidFill>
+                <a:latin typeface="+mn-lt"/>
+                <a:ea typeface="+mn-ea"/>
+                <a:cs typeface="+mn-cs"/>
+              </a:defRPr>
+            </a:lvl6pPr>
+            <a:lvl7pPr marL="2971800" indent="-228600" algn="l" defTabSz="914400" rtl="0" eaLnBrk="1" latinLnBrk="0" hangingPunct="1">
+              <a:lnSpc>
+                <a:spcPct val="90000"/>
+              </a:lnSpc>
+              <a:spcBef>
+                <a:spcPts val="500"/>
+              </a:spcBef>
+              <a:buFont typeface="Arial" panose="020B0604020202020204" pitchFamily="34" charset="0"/>
+              <a:buChar char="•"/>
+              <a:defRPr sz="1800" kern="1200">
+                <a:solidFill>
+                  <a:schemeClr val="tx1"/>
+                </a:solidFill>
+                <a:latin typeface="+mn-lt"/>
+                <a:ea typeface="+mn-ea"/>
+                <a:cs typeface="+mn-cs"/>
+              </a:defRPr>
+            </a:lvl7pPr>
+            <a:lvl8pPr marL="3429000" indent="-228600" algn="l" defTabSz="914400" rtl="0" eaLnBrk="1" latinLnBrk="0" hangingPunct="1">
+              <a:lnSpc>
+                <a:spcPct val="90000"/>
+              </a:lnSpc>
+              <a:spcBef>
+                <a:spcPts val="500"/>
+              </a:spcBef>
+              <a:buFont typeface="Arial" panose="020B0604020202020204" pitchFamily="34" charset="0"/>
+              <a:buChar char="•"/>
+              <a:defRPr sz="1800" kern="1200">
+                <a:solidFill>
+                  <a:schemeClr val="tx1"/>
+                </a:solidFill>
+                <a:latin typeface="+mn-lt"/>
+                <a:ea typeface="+mn-ea"/>
+                <a:cs typeface="+mn-cs"/>
+              </a:defRPr>
+            </a:lvl8pPr>
+            <a:lvl9pPr marL="3886200" indent="-228600" algn="l" defTabSz="914400" rtl="0" eaLnBrk="1" latinLnBrk="0" hangingPunct="1">
+              <a:lnSpc>
+                <a:spcPct val="90000"/>
+              </a:lnSpc>
+              <a:spcBef>
+                <a:spcPts val="500"/>
+              </a:spcBef>
+              <a:buFont typeface="Arial" panose="020B0604020202020204" pitchFamily="34" charset="0"/>
+              <a:buChar char="•"/>
+              <a:defRPr sz="1800" kern="1200">
+                <a:solidFill>
+                  <a:schemeClr val="tx1"/>
+                </a:solidFill>
+                <a:latin typeface="+mn-lt"/>
+                <a:ea typeface="+mn-ea"/>
+                <a:cs typeface="+mn-cs"/>
+              </a:defRPr>
+            </a:lvl9pPr>
+          </a:lstStyle>
+          <a:p>
+            <a:r>
+              <a:rPr lang="en-IN" sz="2200" dirty="0"/>
+              <a:t>Uses abstraction to get instance of subclass</a:t>
+            </a:r>
+          </a:p>
+          <a:p>
+            <a:r>
+              <a:rPr lang="en-IN" sz="2200" dirty="0"/>
+              <a:t>https://</a:t>
+            </a:r>
+            <a:r>
+              <a:rPr lang="en-IN" sz="2200" dirty="0" err="1"/>
+              <a:t>github.com</a:t>
+            </a:r>
+            <a:r>
+              <a:rPr lang="en-IN" sz="2200" dirty="0"/>
+              <a:t>/amanjain201/</a:t>
+            </a:r>
+            <a:r>
+              <a:rPr lang="en-IN" sz="2200" dirty="0" err="1"/>
+              <a:t>JavaDesignPattern</a:t>
+            </a:r>
+            <a:r>
+              <a:rPr lang="en-IN" sz="2200" dirty="0"/>
+              <a:t>/tree/master/</a:t>
+            </a:r>
+            <a:r>
+              <a:rPr lang="en-IN" sz="2200" dirty="0" err="1"/>
+              <a:t>src</a:t>
+            </a:r>
+            <a:r>
+              <a:rPr lang="en-IN" sz="2200" dirty="0"/>
+              <a:t>/</a:t>
+            </a:r>
+            <a:r>
+              <a:rPr lang="en-IN" sz="2200" dirty="0" err="1"/>
+              <a:t>abstractfactory</a:t>
+            </a:r>
+            <a:endParaRPr lang="en-IN" sz="2200" dirty="0"/>
+          </a:p>
+        </p:txBody>
+      </p:sp>
+      <p:sp>
+        <p:nvSpPr>
+          <p:cNvPr id="6" name="Title 1">
+            <a:extLst>
+              <a:ext uri="{FF2B5EF4-FFF2-40B4-BE49-F238E27FC236}">
+                <a16:creationId xmlns:a16="http://schemas.microsoft.com/office/drawing/2014/main" id="{86FD403F-1FA2-8F47-93AD-7B31B780FA56}"/>
+              </a:ext>
+            </a:extLst>
+          </p:cNvPr>
+          <p:cNvSpPr txBox="1">
+            <a:spLocks/>
+          </p:cNvSpPr>
+          <p:nvPr/>
+        </p:nvSpPr>
+        <p:spPr>
+          <a:xfrm>
+            <a:off x="601719" y="4556460"/>
+            <a:ext cx="10292254" cy="917137"/>
+          </a:xfrm>
+          <a:prstGeom prst="rect">
+            <a:avLst/>
+          </a:prstGeom>
+        </p:spPr>
+        <p:txBody>
+          <a:bodyPr vert="horz" lIns="91440" tIns="45720" rIns="91440" bIns="45720" rtlCol="0" anchor="ctr">
+            <a:normAutofit/>
+          </a:bodyPr>
+          <a:lstStyle>
+            <a:lvl1pPr algn="l" defTabSz="914400" rtl="0" eaLnBrk="1" latinLnBrk="0" hangingPunct="1">
+              <a:lnSpc>
+                <a:spcPct val="90000"/>
+              </a:lnSpc>
+              <a:spcBef>
+                <a:spcPct val="0"/>
+              </a:spcBef>
+              <a:buNone/>
+              <a:defRPr sz="4400" kern="1200">
+                <a:solidFill>
+                  <a:schemeClr val="tx1"/>
+                </a:solidFill>
+                <a:latin typeface="+mj-lt"/>
+                <a:ea typeface="+mj-ea"/>
+                <a:cs typeface="+mj-cs"/>
+              </a:defRPr>
+            </a:lvl1pPr>
+          </a:lstStyle>
+          <a:p>
+            <a:pPr marL="457200" indent="-457200">
+              <a:buFont typeface="Wingdings" pitchFamily="2" charset="2"/>
+              <a:buChar char="Ø"/>
+            </a:pPr>
+            <a:r>
+              <a:rPr lang="en-US" sz="2800" dirty="0"/>
+              <a:t>Usages:</a:t>
+            </a:r>
+          </a:p>
+        </p:txBody>
+      </p:sp>
+      <p:sp>
+        <p:nvSpPr>
+          <p:cNvPr id="7" name="Content Placeholder 2">
+            <a:extLst>
+              <a:ext uri="{FF2B5EF4-FFF2-40B4-BE49-F238E27FC236}">
+                <a16:creationId xmlns:a16="http://schemas.microsoft.com/office/drawing/2014/main" id="{9C2C954C-056A-0E48-B290-93F734ECF25E}"/>
+              </a:ext>
+            </a:extLst>
+          </p:cNvPr>
+          <p:cNvSpPr txBox="1">
+            <a:spLocks/>
+          </p:cNvSpPr>
+          <p:nvPr/>
+        </p:nvSpPr>
+        <p:spPr>
+          <a:xfrm>
+            <a:off x="1082896" y="5452111"/>
+            <a:ext cx="9752284" cy="2100646"/>
+          </a:xfrm>
+          <a:prstGeom prst="rect">
+            <a:avLst/>
+          </a:prstGeom>
+        </p:spPr>
+        <p:txBody>
+          <a:bodyPr vert="horz" lIns="91440" tIns="45720" rIns="91440" bIns="45720" rtlCol="0">
+            <a:noAutofit/>
+          </a:bodyPr>
+          <a:lstStyle>
+            <a:lvl1pPr marL="228600" indent="-228600" algn="l" defTabSz="914400" rtl="0" eaLnBrk="1" latinLnBrk="0" hangingPunct="1">
+              <a:lnSpc>
+                <a:spcPct val="90000"/>
+              </a:lnSpc>
+              <a:spcBef>
+                <a:spcPts val="1000"/>
+              </a:spcBef>
+              <a:buFont typeface="Arial" panose="020B0604020202020204" pitchFamily="34" charset="0"/>
+              <a:buChar char="•"/>
+              <a:defRPr sz="2800" kern="1200">
+                <a:solidFill>
+                  <a:schemeClr val="tx1"/>
+                </a:solidFill>
+                <a:latin typeface="+mn-lt"/>
+                <a:ea typeface="+mn-ea"/>
+                <a:cs typeface="+mn-cs"/>
+              </a:defRPr>
+            </a:lvl1pPr>
+            <a:lvl2pPr marL="685800" indent="-228600" algn="l" defTabSz="914400" rtl="0" eaLnBrk="1" latinLnBrk="0" hangingPunct="1">
+              <a:lnSpc>
+                <a:spcPct val="90000"/>
+              </a:lnSpc>
+              <a:spcBef>
+                <a:spcPts val="500"/>
+              </a:spcBef>
+              <a:buFont typeface="Arial" panose="020B0604020202020204" pitchFamily="34" charset="0"/>
+              <a:buChar char="•"/>
+              <a:defRPr sz="2400" kern="1200">
+                <a:solidFill>
+                  <a:schemeClr val="tx1"/>
+                </a:solidFill>
+                <a:latin typeface="+mn-lt"/>
+                <a:ea typeface="+mn-ea"/>
+                <a:cs typeface="+mn-cs"/>
+              </a:defRPr>
+            </a:lvl2pPr>
+            <a:lvl3pPr marL="1143000" indent="-228600" algn="l" defTabSz="914400" rtl="0" eaLnBrk="1" latinLnBrk="0" hangingPunct="1">
+              <a:lnSpc>
+                <a:spcPct val="90000"/>
+              </a:lnSpc>
+              <a:spcBef>
+                <a:spcPts val="500"/>
+              </a:spcBef>
+              <a:buFont typeface="Arial" panose="020B0604020202020204" pitchFamily="34" charset="0"/>
+              <a:buChar char="•"/>
+              <a:defRPr sz="2000" kern="1200">
+                <a:solidFill>
+                  <a:schemeClr val="tx1"/>
+                </a:solidFill>
+                <a:latin typeface="+mn-lt"/>
+                <a:ea typeface="+mn-ea"/>
+                <a:cs typeface="+mn-cs"/>
+              </a:defRPr>
+            </a:lvl3pPr>
+            <a:lvl4pPr marL="1600200" indent="-228600" algn="l" defTabSz="914400" rtl="0" eaLnBrk="1" latinLnBrk="0" hangingPunct="1">
+              <a:lnSpc>
+                <a:spcPct val="90000"/>
+              </a:lnSpc>
+              <a:spcBef>
+                <a:spcPts val="500"/>
+              </a:spcBef>
+              <a:buFont typeface="Arial" panose="020B0604020202020204" pitchFamily="34" charset="0"/>
+              <a:buChar char="•"/>
+              <a:defRPr sz="1800" kern="1200">
+                <a:solidFill>
+                  <a:schemeClr val="tx1"/>
+                </a:solidFill>
+                <a:latin typeface="+mn-lt"/>
+                <a:ea typeface="+mn-ea"/>
+                <a:cs typeface="+mn-cs"/>
+              </a:defRPr>
+            </a:lvl4pPr>
+            <a:lvl5pPr marL="2057400" indent="-228600" algn="l" defTabSz="914400" rtl="0" eaLnBrk="1" latinLnBrk="0" hangingPunct="1">
+              <a:lnSpc>
+                <a:spcPct val="90000"/>
+              </a:lnSpc>
+              <a:spcBef>
+                <a:spcPts val="500"/>
+              </a:spcBef>
+              <a:buFont typeface="Arial" panose="020B0604020202020204" pitchFamily="34" charset="0"/>
+              <a:buChar char="•"/>
+              <a:defRPr sz="1800" kern="1200">
+                <a:solidFill>
+                  <a:schemeClr val="tx1"/>
+                </a:solidFill>
+                <a:latin typeface="+mn-lt"/>
+                <a:ea typeface="+mn-ea"/>
+                <a:cs typeface="+mn-cs"/>
+              </a:defRPr>
+            </a:lvl5pPr>
+            <a:lvl6pPr marL="2514600" indent="-228600" algn="l" defTabSz="914400" rtl="0" eaLnBrk="1" latinLnBrk="0" hangingPunct="1">
+              <a:lnSpc>
+                <a:spcPct val="90000"/>
+              </a:lnSpc>
+              <a:spcBef>
+                <a:spcPts val="500"/>
+              </a:spcBef>
+              <a:buFont typeface="Arial" panose="020B0604020202020204" pitchFamily="34" charset="0"/>
+              <a:buChar char="•"/>
+              <a:defRPr sz="1800" kern="1200">
+                <a:solidFill>
+                  <a:schemeClr val="tx1"/>
+                </a:solidFill>
+                <a:latin typeface="+mn-lt"/>
+                <a:ea typeface="+mn-ea"/>
+                <a:cs typeface="+mn-cs"/>
+              </a:defRPr>
+            </a:lvl6pPr>
+            <a:lvl7pPr marL="2971800" indent="-228600" algn="l" defTabSz="914400" rtl="0" eaLnBrk="1" latinLnBrk="0" hangingPunct="1">
+              <a:lnSpc>
+                <a:spcPct val="90000"/>
+              </a:lnSpc>
+              <a:spcBef>
+                <a:spcPts val="500"/>
+              </a:spcBef>
+              <a:buFont typeface="Arial" panose="020B0604020202020204" pitchFamily="34" charset="0"/>
+              <a:buChar char="•"/>
+              <a:defRPr sz="1800" kern="1200">
+                <a:solidFill>
+                  <a:schemeClr val="tx1"/>
+                </a:solidFill>
+                <a:latin typeface="+mn-lt"/>
+                <a:ea typeface="+mn-ea"/>
+                <a:cs typeface="+mn-cs"/>
+              </a:defRPr>
+            </a:lvl7pPr>
+            <a:lvl8pPr marL="3429000" indent="-228600" algn="l" defTabSz="914400" rtl="0" eaLnBrk="1" latinLnBrk="0" hangingPunct="1">
+              <a:lnSpc>
+                <a:spcPct val="90000"/>
+              </a:lnSpc>
+              <a:spcBef>
+                <a:spcPts val="500"/>
+              </a:spcBef>
+              <a:buFont typeface="Arial" panose="020B0604020202020204" pitchFamily="34" charset="0"/>
+              <a:buChar char="•"/>
+              <a:defRPr sz="1800" kern="1200">
+                <a:solidFill>
+                  <a:schemeClr val="tx1"/>
+                </a:solidFill>
+                <a:latin typeface="+mn-lt"/>
+                <a:ea typeface="+mn-ea"/>
+                <a:cs typeface="+mn-cs"/>
+              </a:defRPr>
+            </a:lvl8pPr>
+            <a:lvl9pPr marL="3886200" indent="-228600" algn="l" defTabSz="914400" rtl="0" eaLnBrk="1" latinLnBrk="0" hangingPunct="1">
+              <a:lnSpc>
+                <a:spcPct val="90000"/>
+              </a:lnSpc>
+              <a:spcBef>
+                <a:spcPts val="500"/>
+              </a:spcBef>
+              <a:buFont typeface="Arial" panose="020B0604020202020204" pitchFamily="34" charset="0"/>
+              <a:buChar char="•"/>
+              <a:defRPr sz="1800" kern="1200">
+                <a:solidFill>
+                  <a:schemeClr val="tx1"/>
+                </a:solidFill>
+                <a:latin typeface="+mn-lt"/>
+                <a:ea typeface="+mn-ea"/>
+                <a:cs typeface="+mn-cs"/>
+              </a:defRPr>
+            </a:lvl9pPr>
+          </a:lstStyle>
+          <a:p>
+            <a:r>
+              <a:rPr lang="en-IN" sz="2200" dirty="0" err="1"/>
+              <a:t>javax.xml.parsers.DocumentBuilderFactory#newInstance</a:t>
+            </a:r>
+            <a:r>
+              <a:rPr lang="en-IN" sz="2200" dirty="0"/>
+              <a:t>()</a:t>
+            </a:r>
+          </a:p>
+          <a:p>
+            <a:r>
+              <a:rPr lang="en-IN" sz="2200" dirty="0" err="1"/>
+              <a:t>javax.xml.transform.TransformerFactory#newInstance</a:t>
+            </a:r>
+            <a:r>
+              <a:rPr lang="en-IN" sz="2200" dirty="0"/>
+              <a:t>()</a:t>
+            </a:r>
+          </a:p>
+          <a:p>
+            <a:r>
+              <a:rPr lang="en-IN" sz="2200" dirty="0" err="1"/>
+              <a:t>javax.xml.xpath.XPathFactory#newInstance</a:t>
+            </a:r>
+            <a:r>
+              <a:rPr lang="en-IN" sz="2200" dirty="0"/>
+              <a:t>()</a:t>
+            </a:r>
+          </a:p>
+        </p:txBody>
+      </p:sp>
+    </p:spTree>
+    <p:extLst>
+      <p:ext uri="{BB962C8B-B14F-4D97-AF65-F5344CB8AC3E}">
+        <p14:creationId xmlns:p14="http://schemas.microsoft.com/office/powerpoint/2010/main" val="3697154515"/>
+      </p:ext>
+    </p:extLst>
+  </p:cSld>
+  <p:clrMapOvr>
+    <a:masterClrMapping/>
+  </p:clrMapOvr>
+</p:sld>
+</file>
+
+<file path=ppt/slides/slide7.xml><?xml version="1.0" encoding="utf-8"?>
+<p:sld xmlns:a="http://schemas.openxmlformats.org/drawingml/2006/main" xmlns:r="http://schemas.openxmlformats.org/officeDocument/2006/relationships" xmlns:p="http://schemas.openxmlformats.org/presentationml/2006/main">
+  <p:cSld>
+    <p:spTree>
+      <p:nvGrpSpPr>
+        <p:cNvPr id="1" name=""/>
+        <p:cNvGrpSpPr/>
+        <p:nvPr/>
+      </p:nvGrpSpPr>
+      <p:grpSpPr>
+        <a:xfrm>
+          <a:off x="0" y="0"/>
+          <a:ext cx="0" cy="0"/>
+          <a:chOff x="0" y="0"/>
+          <a:chExt cx="0" cy="0"/>
+        </a:xfrm>
+      </p:grpSpPr>
+      <p:sp>
+        <p:nvSpPr>
+          <p:cNvPr id="2" name="Title 1">
+            <a:extLst>
+              <a:ext uri="{FF2B5EF4-FFF2-40B4-BE49-F238E27FC236}">
+                <a16:creationId xmlns:a16="http://schemas.microsoft.com/office/drawing/2014/main" id="{F88582F3-5BC2-114F-AB51-A93318B338BF}"/>
+              </a:ext>
+            </a:extLst>
+          </p:cNvPr>
+          <p:cNvSpPr>
+            <a:spLocks noGrp="1"/>
+          </p:cNvSpPr>
+          <p:nvPr>
+            <p:ph type="title"/>
+          </p:nvPr>
+        </p:nvSpPr>
+        <p:spPr>
+          <a:xfrm>
+            <a:off x="754118" y="112877"/>
+            <a:ext cx="10292254" cy="917137"/>
+          </a:xfrm>
+        </p:spPr>
+        <p:txBody>
+          <a:bodyPr>
+            <a:normAutofit/>
+          </a:bodyPr>
+          <a:lstStyle/>
+          <a:p>
+            <a:r>
+              <a:rPr lang="en-US" sz="3600" dirty="0"/>
+              <a:t>Builder Pattern:</a:t>
+            </a:r>
+          </a:p>
+        </p:txBody>
+      </p:sp>
+      <p:sp>
+        <p:nvSpPr>
+          <p:cNvPr id="3" name="Content Placeholder 2">
+            <a:extLst>
+              <a:ext uri="{FF2B5EF4-FFF2-40B4-BE49-F238E27FC236}">
+                <a16:creationId xmlns:a16="http://schemas.microsoft.com/office/drawing/2014/main" id="{74DE91CD-4A20-AC46-8762-EBB6F07F5235}"/>
+              </a:ext>
+            </a:extLst>
+          </p:cNvPr>
+          <p:cNvSpPr>
+            <a:spLocks noGrp="1"/>
+          </p:cNvSpPr>
+          <p:nvPr>
+            <p:ph idx="1"/>
+          </p:nvPr>
+        </p:nvSpPr>
+        <p:spPr>
+          <a:xfrm>
+            <a:off x="754117" y="1220623"/>
+            <a:ext cx="9316639" cy="1077734"/>
+          </a:xfrm>
+        </p:spPr>
+        <p:txBody>
+          <a:bodyPr>
+            <a:normAutofit lnSpcReduction="10000"/>
+          </a:bodyPr>
+          <a:lstStyle/>
+          <a:p>
+            <a:r>
+              <a:rPr lang="en-IN" sz="2400" dirty="0"/>
+              <a:t>Builder pattern was introduced to solve some of the problems with Factory and Abstract Factory design patterns when the object contains a lot of attributes</a:t>
+            </a:r>
+          </a:p>
+        </p:txBody>
+      </p:sp>
+      <p:sp>
+        <p:nvSpPr>
+          <p:cNvPr id="4" name="Title 1">
+            <a:extLst>
+              <a:ext uri="{FF2B5EF4-FFF2-40B4-BE49-F238E27FC236}">
+                <a16:creationId xmlns:a16="http://schemas.microsoft.com/office/drawing/2014/main" id="{F122559F-1049-3440-875A-323A1742F150}"/>
+              </a:ext>
+            </a:extLst>
+          </p:cNvPr>
+          <p:cNvSpPr txBox="1">
+            <a:spLocks/>
+          </p:cNvSpPr>
+          <p:nvPr/>
+        </p:nvSpPr>
+        <p:spPr>
+          <a:xfrm>
+            <a:off x="754117" y="2298357"/>
+            <a:ext cx="10292254" cy="917137"/>
+          </a:xfrm>
+          <a:prstGeom prst="rect">
+            <a:avLst/>
+          </a:prstGeom>
+        </p:spPr>
+        <p:txBody>
+          <a:bodyPr vert="horz" lIns="91440" tIns="45720" rIns="91440" bIns="45720" rtlCol="0" anchor="ctr">
+            <a:normAutofit/>
+          </a:bodyPr>
+          <a:lstStyle>
+            <a:lvl1pPr algn="l" defTabSz="914400" rtl="0" eaLnBrk="1" latinLnBrk="0" hangingPunct="1">
+              <a:lnSpc>
+                <a:spcPct val="90000"/>
+              </a:lnSpc>
+              <a:spcBef>
+                <a:spcPct val="0"/>
+              </a:spcBef>
+              <a:buNone/>
+              <a:defRPr sz="4400" kern="1200">
+                <a:solidFill>
+                  <a:schemeClr val="tx1"/>
+                </a:solidFill>
+                <a:latin typeface="+mj-lt"/>
+                <a:ea typeface="+mj-ea"/>
+                <a:cs typeface="+mj-cs"/>
+              </a:defRPr>
+            </a:lvl1pPr>
+          </a:lstStyle>
+          <a:p>
+            <a:pPr marL="457200" indent="-457200">
+              <a:buFont typeface="Wingdings" pitchFamily="2" charset="2"/>
+              <a:buChar char="Ø"/>
+            </a:pPr>
+            <a:r>
+              <a:rPr lang="en-US" sz="2800" dirty="0"/>
+              <a:t>Builder Pattern Implementation:</a:t>
+            </a:r>
+          </a:p>
+        </p:txBody>
+      </p:sp>
+      <p:sp>
+        <p:nvSpPr>
+          <p:cNvPr id="6" name="Content Placeholder 2">
+            <a:extLst>
+              <a:ext uri="{FF2B5EF4-FFF2-40B4-BE49-F238E27FC236}">
+                <a16:creationId xmlns:a16="http://schemas.microsoft.com/office/drawing/2014/main" id="{7A5E7EB4-17C6-FC4D-B193-ED5D8EA4C7CA}"/>
+              </a:ext>
+            </a:extLst>
+          </p:cNvPr>
+          <p:cNvSpPr txBox="1">
+            <a:spLocks/>
+          </p:cNvSpPr>
+          <p:nvPr/>
+        </p:nvSpPr>
+        <p:spPr>
+          <a:xfrm>
+            <a:off x="1294088" y="3030784"/>
+            <a:ext cx="9752284" cy="2100646"/>
+          </a:xfrm>
+          <a:prstGeom prst="rect">
+            <a:avLst/>
+          </a:prstGeom>
+        </p:spPr>
+        <p:txBody>
+          <a:bodyPr vert="horz" lIns="91440" tIns="45720" rIns="91440" bIns="45720" rtlCol="0">
+            <a:noAutofit/>
+          </a:bodyPr>
+          <a:lstStyle>
+            <a:lvl1pPr marL="228600" indent="-228600" algn="l" defTabSz="914400" rtl="0" eaLnBrk="1" latinLnBrk="0" hangingPunct="1">
+              <a:lnSpc>
+                <a:spcPct val="90000"/>
+              </a:lnSpc>
+              <a:spcBef>
+                <a:spcPts val="1000"/>
+              </a:spcBef>
+              <a:buFont typeface="Arial" panose="020B0604020202020204" pitchFamily="34" charset="0"/>
+              <a:buChar char="•"/>
+              <a:defRPr sz="2800" kern="1200">
+                <a:solidFill>
+                  <a:schemeClr val="tx1"/>
+                </a:solidFill>
+                <a:latin typeface="+mn-lt"/>
+                <a:ea typeface="+mn-ea"/>
+                <a:cs typeface="+mn-cs"/>
+              </a:defRPr>
+            </a:lvl1pPr>
+            <a:lvl2pPr marL="685800" indent="-228600" algn="l" defTabSz="914400" rtl="0" eaLnBrk="1" latinLnBrk="0" hangingPunct="1">
+              <a:lnSpc>
+                <a:spcPct val="90000"/>
+              </a:lnSpc>
+              <a:spcBef>
+                <a:spcPts val="500"/>
+              </a:spcBef>
+              <a:buFont typeface="Arial" panose="020B0604020202020204" pitchFamily="34" charset="0"/>
+              <a:buChar char="•"/>
+              <a:defRPr sz="2400" kern="1200">
+                <a:solidFill>
+                  <a:schemeClr val="tx1"/>
+                </a:solidFill>
+                <a:latin typeface="+mn-lt"/>
+                <a:ea typeface="+mn-ea"/>
+                <a:cs typeface="+mn-cs"/>
+              </a:defRPr>
+            </a:lvl2pPr>
+            <a:lvl3pPr marL="1143000" indent="-228600" algn="l" defTabSz="914400" rtl="0" eaLnBrk="1" latinLnBrk="0" hangingPunct="1">
+              <a:lnSpc>
+                <a:spcPct val="90000"/>
+              </a:lnSpc>
+              <a:spcBef>
+                <a:spcPts val="500"/>
+              </a:spcBef>
+              <a:buFont typeface="Arial" panose="020B0604020202020204" pitchFamily="34" charset="0"/>
+              <a:buChar char="•"/>
+              <a:defRPr sz="2000" kern="1200">
+                <a:solidFill>
+                  <a:schemeClr val="tx1"/>
+                </a:solidFill>
+                <a:latin typeface="+mn-lt"/>
+                <a:ea typeface="+mn-ea"/>
+                <a:cs typeface="+mn-cs"/>
+              </a:defRPr>
+            </a:lvl3pPr>
+            <a:lvl4pPr marL="1600200" indent="-228600" algn="l" defTabSz="914400" rtl="0" eaLnBrk="1" latinLnBrk="0" hangingPunct="1">
+              <a:lnSpc>
+                <a:spcPct val="90000"/>
+              </a:lnSpc>
+              <a:spcBef>
+                <a:spcPts val="500"/>
+              </a:spcBef>
+              <a:buFont typeface="Arial" panose="020B0604020202020204" pitchFamily="34" charset="0"/>
+              <a:buChar char="•"/>
+              <a:defRPr sz="1800" kern="1200">
+                <a:solidFill>
+                  <a:schemeClr val="tx1"/>
+                </a:solidFill>
+                <a:latin typeface="+mn-lt"/>
+                <a:ea typeface="+mn-ea"/>
+                <a:cs typeface="+mn-cs"/>
+              </a:defRPr>
+            </a:lvl4pPr>
+            <a:lvl5pPr marL="2057400" indent="-228600" algn="l" defTabSz="914400" rtl="0" eaLnBrk="1" latinLnBrk="0" hangingPunct="1">
+              <a:lnSpc>
+                <a:spcPct val="90000"/>
+              </a:lnSpc>
+              <a:spcBef>
+                <a:spcPts val="500"/>
+              </a:spcBef>
+              <a:buFont typeface="Arial" panose="020B0604020202020204" pitchFamily="34" charset="0"/>
+              <a:buChar char="•"/>
+              <a:defRPr sz="1800" kern="1200">
+                <a:solidFill>
+                  <a:schemeClr val="tx1"/>
+                </a:solidFill>
+                <a:latin typeface="+mn-lt"/>
+                <a:ea typeface="+mn-ea"/>
+                <a:cs typeface="+mn-cs"/>
+              </a:defRPr>
+            </a:lvl5pPr>
+            <a:lvl6pPr marL="2514600" indent="-228600" algn="l" defTabSz="914400" rtl="0" eaLnBrk="1" latinLnBrk="0" hangingPunct="1">
+              <a:lnSpc>
+                <a:spcPct val="90000"/>
+              </a:lnSpc>
+              <a:spcBef>
+                <a:spcPts val="500"/>
+              </a:spcBef>
+              <a:buFont typeface="Arial" panose="020B0604020202020204" pitchFamily="34" charset="0"/>
+              <a:buChar char="•"/>
+              <a:defRPr sz="1800" kern="1200">
+                <a:solidFill>
+                  <a:schemeClr val="tx1"/>
+                </a:solidFill>
+                <a:latin typeface="+mn-lt"/>
+                <a:ea typeface="+mn-ea"/>
+                <a:cs typeface="+mn-cs"/>
+              </a:defRPr>
+            </a:lvl6pPr>
+            <a:lvl7pPr marL="2971800" indent="-228600" algn="l" defTabSz="914400" rtl="0" eaLnBrk="1" latinLnBrk="0" hangingPunct="1">
+              <a:lnSpc>
+                <a:spcPct val="90000"/>
+              </a:lnSpc>
+              <a:spcBef>
+                <a:spcPts val="500"/>
+              </a:spcBef>
+              <a:buFont typeface="Arial" panose="020B0604020202020204" pitchFamily="34" charset="0"/>
+              <a:buChar char="•"/>
+              <a:defRPr sz="1800" kern="1200">
+                <a:solidFill>
+                  <a:schemeClr val="tx1"/>
+                </a:solidFill>
+                <a:latin typeface="+mn-lt"/>
+                <a:ea typeface="+mn-ea"/>
+                <a:cs typeface="+mn-cs"/>
+              </a:defRPr>
+            </a:lvl7pPr>
+            <a:lvl8pPr marL="3429000" indent="-228600" algn="l" defTabSz="914400" rtl="0" eaLnBrk="1" latinLnBrk="0" hangingPunct="1">
+              <a:lnSpc>
+                <a:spcPct val="90000"/>
+              </a:lnSpc>
+              <a:spcBef>
+                <a:spcPts val="500"/>
+              </a:spcBef>
+              <a:buFont typeface="Arial" panose="020B0604020202020204" pitchFamily="34" charset="0"/>
+              <a:buChar char="•"/>
+              <a:defRPr sz="1800" kern="1200">
+                <a:solidFill>
+                  <a:schemeClr val="tx1"/>
+                </a:solidFill>
+                <a:latin typeface="+mn-lt"/>
+                <a:ea typeface="+mn-ea"/>
+                <a:cs typeface="+mn-cs"/>
+              </a:defRPr>
+            </a:lvl8pPr>
+            <a:lvl9pPr marL="3886200" indent="-228600" algn="l" defTabSz="914400" rtl="0" eaLnBrk="1" latinLnBrk="0" hangingPunct="1">
+              <a:lnSpc>
+                <a:spcPct val="90000"/>
+              </a:lnSpc>
+              <a:spcBef>
+                <a:spcPts val="500"/>
+              </a:spcBef>
+              <a:buFont typeface="Arial" panose="020B0604020202020204" pitchFamily="34" charset="0"/>
+              <a:buChar char="•"/>
+              <a:defRPr sz="1800" kern="1200">
+                <a:solidFill>
+                  <a:schemeClr val="tx1"/>
+                </a:solidFill>
+                <a:latin typeface="+mn-lt"/>
+                <a:ea typeface="+mn-ea"/>
+                <a:cs typeface="+mn-cs"/>
+              </a:defRPr>
+            </a:lvl9pPr>
+          </a:lstStyle>
+          <a:p>
+            <a:r>
+              <a:rPr lang="en-IN" sz="2200" dirty="0"/>
+              <a:t>Static nested class called Builder class with same </a:t>
+            </a:r>
+            <a:r>
+              <a:rPr lang="en-IN" sz="2200" dirty="0" err="1"/>
+              <a:t>args</a:t>
+            </a:r>
+            <a:r>
+              <a:rPr lang="en-IN" sz="2200" dirty="0"/>
+              <a:t> as outer class</a:t>
+            </a:r>
+          </a:p>
+          <a:p>
+            <a:r>
+              <a:rPr lang="en-IN" sz="2200" dirty="0"/>
+              <a:t>Builder class with public class with all required parameters</a:t>
+            </a:r>
+          </a:p>
+          <a:p>
+            <a:r>
+              <a:rPr lang="en-IN" sz="2200" dirty="0"/>
+              <a:t>Builder class should have methods to set optional parameters and should return the same builder object after setting the optional parameters</a:t>
+            </a:r>
+          </a:p>
+          <a:p>
+            <a:r>
+              <a:rPr lang="en-IN" sz="2200" dirty="0"/>
+              <a:t>build() method in builder class that will return the object</a:t>
+            </a:r>
+          </a:p>
+          <a:p>
+            <a:r>
+              <a:rPr lang="en-IN" sz="2200" dirty="0"/>
+              <a:t>Outer class should have private constructor so that builder class build() method is the only was to get the object</a:t>
+            </a:r>
+          </a:p>
+          <a:p>
+            <a:r>
+              <a:rPr lang="en-IN" sz="2200" dirty="0"/>
+              <a:t>https://</a:t>
+            </a:r>
+            <a:r>
+              <a:rPr lang="en-IN" sz="2200" dirty="0" err="1"/>
+              <a:t>github.com</a:t>
+            </a:r>
+            <a:r>
+              <a:rPr lang="en-IN" sz="2200" dirty="0"/>
+              <a:t>/amanjain201/</a:t>
+            </a:r>
+            <a:r>
+              <a:rPr lang="en-IN" sz="2200" dirty="0" err="1"/>
+              <a:t>JavaDesignPattern</a:t>
+            </a:r>
+            <a:r>
+              <a:rPr lang="en-IN" sz="2200" dirty="0"/>
+              <a:t>/tree/master/</a:t>
+            </a:r>
+            <a:r>
+              <a:rPr lang="en-IN" sz="2200" dirty="0" err="1"/>
+              <a:t>src</a:t>
+            </a:r>
+            <a:r>
+              <a:rPr lang="en-IN" sz="2200" dirty="0"/>
+              <a:t>/builder</a:t>
+            </a:r>
+          </a:p>
+        </p:txBody>
+      </p:sp>
+    </p:spTree>
+    <p:extLst>
+      <p:ext uri="{BB962C8B-B14F-4D97-AF65-F5344CB8AC3E}">
+        <p14:creationId xmlns:p14="http://schemas.microsoft.com/office/powerpoint/2010/main" val="3997295661"/>
+      </p:ext>
+    </p:extLst>
+  </p:cSld>
+  <p:clrMapOvr>
+    <a:masterClrMapping/>
+  </p:clrMapOvr>
+</p:sld>
+</file>
+
+<file path=ppt/slides/slide8.xml><?xml version="1.0" encoding="utf-8"?>
+<p:sld xmlns:a="http://schemas.openxmlformats.org/drawingml/2006/main" xmlns:r="http://schemas.openxmlformats.org/officeDocument/2006/relationships" xmlns:p="http://schemas.openxmlformats.org/presentationml/2006/main">
+  <p:cSld>
+    <p:spTree>
+      <p:nvGrpSpPr>
+        <p:cNvPr id="1" name=""/>
+        <p:cNvGrpSpPr/>
+        <p:nvPr/>
+      </p:nvGrpSpPr>
+      <p:grpSpPr>
+        <a:xfrm>
+          <a:off x="0" y="0"/>
+          <a:ext cx="0" cy="0"/>
+          <a:chOff x="0" y="0"/>
+          <a:chExt cx="0" cy="0"/>
+        </a:xfrm>
+      </p:grpSpPr>
+      <p:sp>
+        <p:nvSpPr>
+          <p:cNvPr id="4" name="Title 1">
+            <a:extLst>
+              <a:ext uri="{FF2B5EF4-FFF2-40B4-BE49-F238E27FC236}">
+                <a16:creationId xmlns:a16="http://schemas.microsoft.com/office/drawing/2014/main" id="{3B5D1DF2-99E1-7D4F-8FB2-764EFC237616}"/>
+              </a:ext>
+            </a:extLst>
+          </p:cNvPr>
+          <p:cNvSpPr txBox="1">
+            <a:spLocks/>
+          </p:cNvSpPr>
+          <p:nvPr/>
+        </p:nvSpPr>
+        <p:spPr>
+          <a:xfrm>
+            <a:off x="851019" y="411217"/>
+            <a:ext cx="10292254" cy="917137"/>
+          </a:xfrm>
+          <a:prstGeom prst="rect">
+            <a:avLst/>
+          </a:prstGeom>
+        </p:spPr>
+        <p:txBody>
+          <a:bodyPr vert="horz" lIns="91440" tIns="45720" rIns="91440" bIns="45720" rtlCol="0" anchor="ctr">
+            <a:normAutofit/>
+          </a:bodyPr>
+          <a:lstStyle>
+            <a:lvl1pPr algn="l" defTabSz="914400" rtl="0" eaLnBrk="1" latinLnBrk="0" hangingPunct="1">
+              <a:lnSpc>
+                <a:spcPct val="90000"/>
+              </a:lnSpc>
+              <a:spcBef>
+                <a:spcPct val="0"/>
+              </a:spcBef>
+              <a:buNone/>
+              <a:defRPr sz="4400" kern="1200">
+                <a:solidFill>
+                  <a:schemeClr val="tx1"/>
+                </a:solidFill>
+                <a:latin typeface="+mj-lt"/>
+                <a:ea typeface="+mj-ea"/>
+                <a:cs typeface="+mj-cs"/>
+              </a:defRPr>
+            </a:lvl1pPr>
+          </a:lstStyle>
+          <a:p>
+            <a:pPr marL="457200" indent="-457200">
+              <a:buFont typeface="Wingdings" pitchFamily="2" charset="2"/>
+              <a:buChar char="Ø"/>
+            </a:pPr>
+            <a:r>
+              <a:rPr lang="en-US" sz="2800" dirty="0"/>
+              <a:t>Usages:</a:t>
+            </a:r>
+          </a:p>
+        </p:txBody>
+      </p:sp>
+      <p:sp>
+        <p:nvSpPr>
+          <p:cNvPr id="5" name="Content Placeholder 2">
+            <a:extLst>
+              <a:ext uri="{FF2B5EF4-FFF2-40B4-BE49-F238E27FC236}">
+                <a16:creationId xmlns:a16="http://schemas.microsoft.com/office/drawing/2014/main" id="{B7D2A421-28D3-C94C-887D-40C0EC2A841C}"/>
+              </a:ext>
+            </a:extLst>
+          </p:cNvPr>
+          <p:cNvSpPr txBox="1">
+            <a:spLocks/>
+          </p:cNvSpPr>
+          <p:nvPr/>
+        </p:nvSpPr>
+        <p:spPr>
+          <a:xfrm>
+            <a:off x="1390987" y="1328354"/>
+            <a:ext cx="9752285" cy="2100646"/>
+          </a:xfrm>
+          <a:prstGeom prst="rect">
+            <a:avLst/>
+          </a:prstGeom>
+        </p:spPr>
+        <p:txBody>
+          <a:bodyPr vert="horz" lIns="91440" tIns="45720" rIns="91440" bIns="45720" rtlCol="0">
+            <a:normAutofit/>
+          </a:bodyPr>
+          <a:lstStyle>
+            <a:lvl1pPr marL="228600" indent="-228600" algn="l" defTabSz="914400" rtl="0" eaLnBrk="1" latinLnBrk="0" hangingPunct="1">
+              <a:lnSpc>
+                <a:spcPct val="90000"/>
+              </a:lnSpc>
+              <a:spcBef>
+                <a:spcPts val="1000"/>
+              </a:spcBef>
+              <a:buFont typeface="Arial" panose="020B0604020202020204" pitchFamily="34" charset="0"/>
+              <a:buChar char="•"/>
+              <a:defRPr sz="2800" kern="1200">
+                <a:solidFill>
+                  <a:schemeClr val="tx1"/>
+                </a:solidFill>
+                <a:latin typeface="+mn-lt"/>
+                <a:ea typeface="+mn-ea"/>
+                <a:cs typeface="+mn-cs"/>
+              </a:defRPr>
+            </a:lvl1pPr>
+            <a:lvl2pPr marL="685800" indent="-228600" algn="l" defTabSz="914400" rtl="0" eaLnBrk="1" latinLnBrk="0" hangingPunct="1">
+              <a:lnSpc>
+                <a:spcPct val="90000"/>
+              </a:lnSpc>
+              <a:spcBef>
+                <a:spcPts val="500"/>
+              </a:spcBef>
+              <a:buFont typeface="Arial" panose="020B0604020202020204" pitchFamily="34" charset="0"/>
+              <a:buChar char="•"/>
+              <a:defRPr sz="2400" kern="1200">
+                <a:solidFill>
+                  <a:schemeClr val="tx1"/>
+                </a:solidFill>
+                <a:latin typeface="+mn-lt"/>
+                <a:ea typeface="+mn-ea"/>
+                <a:cs typeface="+mn-cs"/>
+              </a:defRPr>
+            </a:lvl2pPr>
+            <a:lvl3pPr marL="1143000" indent="-228600" algn="l" defTabSz="914400" rtl="0" eaLnBrk="1" latinLnBrk="0" hangingPunct="1">
+              <a:lnSpc>
+                <a:spcPct val="90000"/>
+              </a:lnSpc>
+              <a:spcBef>
+                <a:spcPts val="500"/>
+              </a:spcBef>
+              <a:buFont typeface="Arial" panose="020B0604020202020204" pitchFamily="34" charset="0"/>
+              <a:buChar char="•"/>
+              <a:defRPr sz="2000" kern="1200">
+                <a:solidFill>
+                  <a:schemeClr val="tx1"/>
+                </a:solidFill>
+                <a:latin typeface="+mn-lt"/>
+                <a:ea typeface="+mn-ea"/>
+                <a:cs typeface="+mn-cs"/>
+              </a:defRPr>
+            </a:lvl3pPr>
+            <a:lvl4pPr marL="1600200" indent="-228600" algn="l" defTabSz="914400" rtl="0" eaLnBrk="1" latinLnBrk="0" hangingPunct="1">
+              <a:lnSpc>
+                <a:spcPct val="90000"/>
+              </a:lnSpc>
+              <a:spcBef>
+                <a:spcPts val="500"/>
+              </a:spcBef>
+              <a:buFont typeface="Arial" panose="020B0604020202020204" pitchFamily="34" charset="0"/>
+              <a:buChar char="•"/>
+              <a:defRPr sz="1800" kern="1200">
+                <a:solidFill>
+                  <a:schemeClr val="tx1"/>
+                </a:solidFill>
+                <a:latin typeface="+mn-lt"/>
+                <a:ea typeface="+mn-ea"/>
+                <a:cs typeface="+mn-cs"/>
+              </a:defRPr>
+            </a:lvl4pPr>
+            <a:lvl5pPr marL="2057400" indent="-228600" algn="l" defTabSz="914400" rtl="0" eaLnBrk="1" latinLnBrk="0" hangingPunct="1">
+              <a:lnSpc>
+                <a:spcPct val="90000"/>
+              </a:lnSpc>
+              <a:spcBef>
+                <a:spcPts val="500"/>
+              </a:spcBef>
+              <a:buFont typeface="Arial" panose="020B0604020202020204" pitchFamily="34" charset="0"/>
+              <a:buChar char="•"/>
+              <a:defRPr sz="1800" kern="1200">
+                <a:solidFill>
+                  <a:schemeClr val="tx1"/>
+                </a:solidFill>
+                <a:latin typeface="+mn-lt"/>
+                <a:ea typeface="+mn-ea"/>
+                <a:cs typeface="+mn-cs"/>
+              </a:defRPr>
+            </a:lvl5pPr>
+            <a:lvl6pPr marL="2514600" indent="-228600" algn="l" defTabSz="914400" rtl="0" eaLnBrk="1" latinLnBrk="0" hangingPunct="1">
+              <a:lnSpc>
+                <a:spcPct val="90000"/>
+              </a:lnSpc>
+              <a:spcBef>
+                <a:spcPts val="500"/>
+              </a:spcBef>
+              <a:buFont typeface="Arial" panose="020B0604020202020204" pitchFamily="34" charset="0"/>
+              <a:buChar char="•"/>
+              <a:defRPr sz="1800" kern="1200">
+                <a:solidFill>
+                  <a:schemeClr val="tx1"/>
+                </a:solidFill>
+                <a:latin typeface="+mn-lt"/>
+                <a:ea typeface="+mn-ea"/>
+                <a:cs typeface="+mn-cs"/>
+              </a:defRPr>
+            </a:lvl6pPr>
+            <a:lvl7pPr marL="2971800" indent="-228600" algn="l" defTabSz="914400" rtl="0" eaLnBrk="1" latinLnBrk="0" hangingPunct="1">
+              <a:lnSpc>
+                <a:spcPct val="90000"/>
+              </a:lnSpc>
+              <a:spcBef>
+                <a:spcPts val="500"/>
+              </a:spcBef>
+              <a:buFont typeface="Arial" panose="020B0604020202020204" pitchFamily="34" charset="0"/>
+              <a:buChar char="•"/>
+              <a:defRPr sz="1800" kern="1200">
+                <a:solidFill>
+                  <a:schemeClr val="tx1"/>
+                </a:solidFill>
+                <a:latin typeface="+mn-lt"/>
+                <a:ea typeface="+mn-ea"/>
+                <a:cs typeface="+mn-cs"/>
+              </a:defRPr>
+            </a:lvl7pPr>
+            <a:lvl8pPr marL="3429000" indent="-228600" algn="l" defTabSz="914400" rtl="0" eaLnBrk="1" latinLnBrk="0" hangingPunct="1">
+              <a:lnSpc>
+                <a:spcPct val="90000"/>
+              </a:lnSpc>
+              <a:spcBef>
+                <a:spcPts val="500"/>
+              </a:spcBef>
+              <a:buFont typeface="Arial" panose="020B0604020202020204" pitchFamily="34" charset="0"/>
+              <a:buChar char="•"/>
+              <a:defRPr sz="1800" kern="1200">
+                <a:solidFill>
+                  <a:schemeClr val="tx1"/>
+                </a:solidFill>
+                <a:latin typeface="+mn-lt"/>
+                <a:ea typeface="+mn-ea"/>
+                <a:cs typeface="+mn-cs"/>
+              </a:defRPr>
+            </a:lvl8pPr>
+            <a:lvl9pPr marL="3886200" indent="-228600" algn="l" defTabSz="914400" rtl="0" eaLnBrk="1" latinLnBrk="0" hangingPunct="1">
+              <a:lnSpc>
+                <a:spcPct val="90000"/>
+              </a:lnSpc>
+              <a:spcBef>
+                <a:spcPts val="500"/>
+              </a:spcBef>
+              <a:buFont typeface="Arial" panose="020B0604020202020204" pitchFamily="34" charset="0"/>
+              <a:buChar char="•"/>
+              <a:defRPr sz="1800" kern="1200">
+                <a:solidFill>
+                  <a:schemeClr val="tx1"/>
+                </a:solidFill>
+                <a:latin typeface="+mn-lt"/>
+                <a:ea typeface="+mn-ea"/>
+                <a:cs typeface="+mn-cs"/>
+              </a:defRPr>
+            </a:lvl9pPr>
+          </a:lstStyle>
+          <a:p>
+            <a:r>
+              <a:rPr lang="en-IN" sz="2200" dirty="0" err="1"/>
+              <a:t>java.lang.StringBuilder#append</a:t>
+            </a:r>
+            <a:r>
+              <a:rPr lang="en-IN" sz="2200" dirty="0"/>
+              <a:t>() (unsynchronized)</a:t>
+            </a:r>
+          </a:p>
+          <a:p>
+            <a:r>
+              <a:rPr lang="en-IN" sz="2200" dirty="0" err="1"/>
+              <a:t>java.lang.StringBuffer#append</a:t>
+            </a:r>
+            <a:r>
+              <a:rPr lang="en-IN" sz="2200" dirty="0"/>
+              <a:t>() (synchronized)</a:t>
+            </a:r>
+          </a:p>
+        </p:txBody>
+      </p:sp>
+    </p:spTree>
+    <p:extLst>
+      <p:ext uri="{BB962C8B-B14F-4D97-AF65-F5344CB8AC3E}">
+        <p14:creationId xmlns:p14="http://schemas.microsoft.com/office/powerpoint/2010/main" val="1964213281"/>
+      </p:ext>
+    </p:extLst>
+  </p:cSld>
+  <p:clrMapOvr>
+    <a:masterClrMapping/>
+  </p:clrMapOvr>
+</p:sld>
+</file>
+
+<file path=ppt/slides/slide9.xml><?xml version="1.0" encoding="utf-8"?>
+<p:sld xmlns:a="http://schemas.openxmlformats.org/drawingml/2006/main" xmlns:r="http://schemas.openxmlformats.org/officeDocument/2006/relationships" xmlns:p="http://schemas.openxmlformats.org/presentationml/2006/main">
+  <p:cSld>
+    <p:spTree>
+      <p:nvGrpSpPr>
+        <p:cNvPr id="1" name=""/>
+        <p:cNvGrpSpPr/>
+        <p:nvPr/>
+      </p:nvGrpSpPr>
+      <p:grpSpPr>
+        <a:xfrm>
+          <a:off x="0" y="0"/>
+          <a:ext cx="0" cy="0"/>
+          <a:chOff x="0" y="0"/>
+          <a:chExt cx="0" cy="0"/>
+        </a:xfrm>
+      </p:grpSpPr>
+      <p:sp>
+        <p:nvSpPr>
+          <p:cNvPr id="2" name="Title 1">
+            <a:extLst>
+              <a:ext uri="{FF2B5EF4-FFF2-40B4-BE49-F238E27FC236}">
+                <a16:creationId xmlns:a16="http://schemas.microsoft.com/office/drawing/2014/main" id="{F88582F3-5BC2-114F-AB51-A93318B338BF}"/>
+              </a:ext>
+            </a:extLst>
+          </p:cNvPr>
+          <p:cNvSpPr>
+            <a:spLocks noGrp="1"/>
+          </p:cNvSpPr>
+          <p:nvPr>
+            <p:ph type="title"/>
+          </p:nvPr>
+        </p:nvSpPr>
+        <p:spPr>
+          <a:xfrm>
+            <a:off x="754118" y="112877"/>
+            <a:ext cx="10292254" cy="917137"/>
+          </a:xfrm>
+        </p:spPr>
+        <p:txBody>
+          <a:bodyPr>
+            <a:normAutofit/>
+          </a:bodyPr>
+          <a:lstStyle/>
+          <a:p>
+            <a:r>
+              <a:rPr lang="en-US" sz="3600" dirty="0"/>
+              <a:t>Prototype Pattern:</a:t>
+            </a:r>
+          </a:p>
+        </p:txBody>
+      </p:sp>
+      <p:sp>
+        <p:nvSpPr>
+          <p:cNvPr id="3" name="Content Placeholder 2">
+            <a:extLst>
+              <a:ext uri="{FF2B5EF4-FFF2-40B4-BE49-F238E27FC236}">
+                <a16:creationId xmlns:a16="http://schemas.microsoft.com/office/drawing/2014/main" id="{74DE91CD-4A20-AC46-8762-EBB6F07F5235}"/>
+              </a:ext>
+            </a:extLst>
+          </p:cNvPr>
+          <p:cNvSpPr>
+            <a:spLocks noGrp="1"/>
+          </p:cNvSpPr>
+          <p:nvPr>
+            <p:ph idx="1"/>
+          </p:nvPr>
+        </p:nvSpPr>
+        <p:spPr>
+          <a:xfrm>
+            <a:off x="754117" y="844167"/>
+            <a:ext cx="9477277" cy="1108201"/>
+          </a:xfrm>
+        </p:spPr>
+        <p:txBody>
+          <a:bodyPr>
+            <a:normAutofit/>
+          </a:bodyPr>
+          <a:lstStyle/>
+          <a:p>
+            <a:r>
+              <a:rPr lang="en-IN" sz="2400" dirty="0"/>
+              <a:t>Prototype design pattern is used when the Object creation is a costly affair and requires a lot of time and resources and you have a similar object already existing.</a:t>
+            </a:r>
+          </a:p>
+        </p:txBody>
+      </p:sp>
+      <p:sp>
+        <p:nvSpPr>
+          <p:cNvPr id="4" name="Title 1">
+            <a:extLst>
+              <a:ext uri="{FF2B5EF4-FFF2-40B4-BE49-F238E27FC236}">
+                <a16:creationId xmlns:a16="http://schemas.microsoft.com/office/drawing/2014/main" id="{7635999B-7CA5-144F-9A04-894F19B0A036}"/>
+              </a:ext>
+            </a:extLst>
+          </p:cNvPr>
+          <p:cNvSpPr txBox="1">
+            <a:spLocks/>
+          </p:cNvSpPr>
+          <p:nvPr/>
+        </p:nvSpPr>
+        <p:spPr>
+          <a:xfrm>
+            <a:off x="754117" y="2511863"/>
+            <a:ext cx="10292254" cy="917137"/>
+          </a:xfrm>
+          <a:prstGeom prst="rect">
+            <a:avLst/>
+          </a:prstGeom>
+        </p:spPr>
+        <p:txBody>
+          <a:bodyPr vert="horz" lIns="91440" tIns="45720" rIns="91440" bIns="45720" rtlCol="0" anchor="ctr">
+            <a:normAutofit/>
+          </a:bodyPr>
+          <a:lstStyle>
+            <a:lvl1pPr algn="l" defTabSz="914400" rtl="0" eaLnBrk="1" latinLnBrk="0" hangingPunct="1">
+              <a:lnSpc>
+                <a:spcPct val="90000"/>
+              </a:lnSpc>
+              <a:spcBef>
+                <a:spcPct val="0"/>
+              </a:spcBef>
+              <a:buNone/>
+              <a:defRPr sz="4400" kern="1200">
+                <a:solidFill>
+                  <a:schemeClr val="tx1"/>
+                </a:solidFill>
+                <a:latin typeface="+mj-lt"/>
+                <a:ea typeface="+mj-ea"/>
+                <a:cs typeface="+mj-cs"/>
+              </a:defRPr>
+            </a:lvl1pPr>
+          </a:lstStyle>
+          <a:p>
+            <a:pPr marL="457200" indent="-457200">
+              <a:buFont typeface="Wingdings" pitchFamily="2" charset="2"/>
+              <a:buChar char="Ø"/>
+            </a:pPr>
+            <a:r>
+              <a:rPr lang="en-US" sz="2800" dirty="0"/>
+              <a:t>Prototype Pattern Implementation:</a:t>
+            </a:r>
+          </a:p>
+        </p:txBody>
+      </p:sp>
+      <p:sp>
+        <p:nvSpPr>
+          <p:cNvPr id="5" name="Content Placeholder 2">
+            <a:extLst>
+              <a:ext uri="{FF2B5EF4-FFF2-40B4-BE49-F238E27FC236}">
+                <a16:creationId xmlns:a16="http://schemas.microsoft.com/office/drawing/2014/main" id="{D3A66763-8B59-2842-8374-2BF6C5CF6233}"/>
+              </a:ext>
+            </a:extLst>
+          </p:cNvPr>
+          <p:cNvSpPr txBox="1">
+            <a:spLocks/>
+          </p:cNvSpPr>
+          <p:nvPr/>
+        </p:nvSpPr>
+        <p:spPr>
+          <a:xfrm>
+            <a:off x="1176501" y="3418065"/>
+            <a:ext cx="9752284" cy="1458096"/>
+          </a:xfrm>
+          <a:prstGeom prst="rect">
+            <a:avLst/>
+          </a:prstGeom>
+        </p:spPr>
+        <p:txBody>
+          <a:bodyPr vert="horz" lIns="91440" tIns="45720" rIns="91440" bIns="45720" rtlCol="0">
+            <a:noAutofit/>
+          </a:bodyPr>
+          <a:lstStyle>
+            <a:lvl1pPr marL="228600" indent="-228600" algn="l" defTabSz="914400" rtl="0" eaLnBrk="1" latinLnBrk="0" hangingPunct="1">
+              <a:lnSpc>
+                <a:spcPct val="90000"/>
+              </a:lnSpc>
+              <a:spcBef>
+                <a:spcPts val="1000"/>
+              </a:spcBef>
+              <a:buFont typeface="Arial" panose="020B0604020202020204" pitchFamily="34" charset="0"/>
+              <a:buChar char="•"/>
+              <a:defRPr sz="2800" kern="1200">
+                <a:solidFill>
+                  <a:schemeClr val="tx1"/>
+                </a:solidFill>
+                <a:latin typeface="+mn-lt"/>
+                <a:ea typeface="+mn-ea"/>
+                <a:cs typeface="+mn-cs"/>
+              </a:defRPr>
+            </a:lvl1pPr>
+            <a:lvl2pPr marL="685800" indent="-228600" algn="l" defTabSz="914400" rtl="0" eaLnBrk="1" latinLnBrk="0" hangingPunct="1">
+              <a:lnSpc>
+                <a:spcPct val="90000"/>
+              </a:lnSpc>
+              <a:spcBef>
+                <a:spcPts val="500"/>
+              </a:spcBef>
+              <a:buFont typeface="Arial" panose="020B0604020202020204" pitchFamily="34" charset="0"/>
+              <a:buChar char="•"/>
+              <a:defRPr sz="2400" kern="1200">
+                <a:solidFill>
+                  <a:schemeClr val="tx1"/>
+                </a:solidFill>
+                <a:latin typeface="+mn-lt"/>
+                <a:ea typeface="+mn-ea"/>
+                <a:cs typeface="+mn-cs"/>
+              </a:defRPr>
+            </a:lvl2pPr>
+            <a:lvl3pPr marL="1143000" indent="-228600" algn="l" defTabSz="914400" rtl="0" eaLnBrk="1" latinLnBrk="0" hangingPunct="1">
+              <a:lnSpc>
+                <a:spcPct val="90000"/>
+              </a:lnSpc>
+              <a:spcBef>
+                <a:spcPts val="500"/>
+              </a:spcBef>
+              <a:buFont typeface="Arial" panose="020B0604020202020204" pitchFamily="34" charset="0"/>
+              <a:buChar char="•"/>
+              <a:defRPr sz="2000" kern="1200">
+                <a:solidFill>
+                  <a:schemeClr val="tx1"/>
+                </a:solidFill>
+                <a:latin typeface="+mn-lt"/>
+                <a:ea typeface="+mn-ea"/>
+                <a:cs typeface="+mn-cs"/>
+              </a:defRPr>
+            </a:lvl3pPr>
+            <a:lvl4pPr marL="1600200" indent="-228600" algn="l" defTabSz="914400" rtl="0" eaLnBrk="1" latinLnBrk="0" hangingPunct="1">
+              <a:lnSpc>
+                <a:spcPct val="90000"/>
+              </a:lnSpc>
+              <a:spcBef>
+                <a:spcPts val="500"/>
+              </a:spcBef>
+              <a:buFont typeface="Arial" panose="020B0604020202020204" pitchFamily="34" charset="0"/>
+              <a:buChar char="•"/>
+              <a:defRPr sz="1800" kern="1200">
+                <a:solidFill>
+                  <a:schemeClr val="tx1"/>
+                </a:solidFill>
+                <a:latin typeface="+mn-lt"/>
+                <a:ea typeface="+mn-ea"/>
+                <a:cs typeface="+mn-cs"/>
+              </a:defRPr>
+            </a:lvl4pPr>
+            <a:lvl5pPr marL="2057400" indent="-228600" algn="l" defTabSz="914400" rtl="0" eaLnBrk="1" latinLnBrk="0" hangingPunct="1">
+              <a:lnSpc>
+                <a:spcPct val="90000"/>
+              </a:lnSpc>
+              <a:spcBef>
+                <a:spcPts val="500"/>
+              </a:spcBef>
+              <a:buFont typeface="Arial" panose="020B0604020202020204" pitchFamily="34" charset="0"/>
+              <a:buChar char="•"/>
+              <a:defRPr sz="1800" kern="1200">
+                <a:solidFill>
+                  <a:schemeClr val="tx1"/>
+                </a:solidFill>
+                <a:latin typeface="+mn-lt"/>
+                <a:ea typeface="+mn-ea"/>
+                <a:cs typeface="+mn-cs"/>
+              </a:defRPr>
+            </a:lvl5pPr>
+            <a:lvl6pPr marL="2514600" indent="-228600" algn="l" defTabSz="914400" rtl="0" eaLnBrk="1" latinLnBrk="0" hangingPunct="1">
+              <a:lnSpc>
+                <a:spcPct val="90000"/>
+              </a:lnSpc>
+              <a:spcBef>
+                <a:spcPts val="500"/>
+              </a:spcBef>
+              <a:buFont typeface="Arial" panose="020B0604020202020204" pitchFamily="34" charset="0"/>
+              <a:buChar char="•"/>
+              <a:defRPr sz="1800" kern="1200">
+                <a:solidFill>
+                  <a:schemeClr val="tx1"/>
+                </a:solidFill>
+                <a:latin typeface="+mn-lt"/>
+                <a:ea typeface="+mn-ea"/>
+                <a:cs typeface="+mn-cs"/>
+              </a:defRPr>
+            </a:lvl6pPr>
+            <a:lvl7pPr marL="2971800" indent="-228600" algn="l" defTabSz="914400" rtl="0" eaLnBrk="1" latinLnBrk="0" hangingPunct="1">
+              <a:lnSpc>
+                <a:spcPct val="90000"/>
+              </a:lnSpc>
+              <a:spcBef>
+                <a:spcPts val="500"/>
+              </a:spcBef>
+              <a:buFont typeface="Arial" panose="020B0604020202020204" pitchFamily="34" charset="0"/>
+              <a:buChar char="•"/>
+              <a:defRPr sz="1800" kern="1200">
+                <a:solidFill>
+                  <a:schemeClr val="tx1"/>
+                </a:solidFill>
+                <a:latin typeface="+mn-lt"/>
+                <a:ea typeface="+mn-ea"/>
+                <a:cs typeface="+mn-cs"/>
+              </a:defRPr>
+            </a:lvl7pPr>
+            <a:lvl8pPr marL="3429000" indent="-228600" algn="l" defTabSz="914400" rtl="0" eaLnBrk="1" latinLnBrk="0" hangingPunct="1">
+              <a:lnSpc>
+                <a:spcPct val="90000"/>
+              </a:lnSpc>
+              <a:spcBef>
+                <a:spcPts val="500"/>
+              </a:spcBef>
+              <a:buFont typeface="Arial" panose="020B0604020202020204" pitchFamily="34" charset="0"/>
+              <a:buChar char="•"/>
+              <a:defRPr sz="1800" kern="1200">
+                <a:solidFill>
+                  <a:schemeClr val="tx1"/>
+                </a:solidFill>
+                <a:latin typeface="+mn-lt"/>
+                <a:ea typeface="+mn-ea"/>
+                <a:cs typeface="+mn-cs"/>
+              </a:defRPr>
+            </a:lvl8pPr>
+            <a:lvl9pPr marL="3886200" indent="-228600" algn="l" defTabSz="914400" rtl="0" eaLnBrk="1" latinLnBrk="0" hangingPunct="1">
+              <a:lnSpc>
+                <a:spcPct val="90000"/>
+              </a:lnSpc>
+              <a:spcBef>
+                <a:spcPts val="500"/>
+              </a:spcBef>
+              <a:buFont typeface="Arial" panose="020B0604020202020204" pitchFamily="34" charset="0"/>
+              <a:buChar char="•"/>
+              <a:defRPr sz="1800" kern="1200">
+                <a:solidFill>
+                  <a:schemeClr val="tx1"/>
+                </a:solidFill>
+                <a:latin typeface="+mn-lt"/>
+                <a:ea typeface="+mn-ea"/>
+                <a:cs typeface="+mn-cs"/>
+              </a:defRPr>
+            </a:lvl9pPr>
+          </a:lstStyle>
+          <a:p>
+            <a:r>
+              <a:rPr lang="en-IN" sz="2200" dirty="0"/>
+              <a:t>Prototype design pattern uses java cloning to copy the object via Cloneable interface</a:t>
+            </a:r>
+          </a:p>
+          <a:p>
+            <a:r>
+              <a:rPr lang="en-IN" sz="2200" dirty="0"/>
+              <a:t>https://</a:t>
+            </a:r>
+            <a:r>
+              <a:rPr lang="en-IN" sz="2200" dirty="0" err="1"/>
+              <a:t>github.com</a:t>
+            </a:r>
+            <a:r>
+              <a:rPr lang="en-IN" sz="2200" dirty="0"/>
+              <a:t>/amanjain201/</a:t>
+            </a:r>
+            <a:r>
+              <a:rPr lang="en-IN" sz="2200" dirty="0" err="1"/>
+              <a:t>JavaDesignPattern</a:t>
+            </a:r>
+            <a:r>
+              <a:rPr lang="en-IN" sz="2200" dirty="0"/>
+              <a:t>/tree/master/</a:t>
+            </a:r>
+            <a:r>
+              <a:rPr lang="en-IN" sz="2200" dirty="0" err="1"/>
+              <a:t>src</a:t>
+            </a:r>
+            <a:r>
+              <a:rPr lang="en-IN" sz="2200" dirty="0"/>
+              <a:t>/prototype</a:t>
+            </a:r>
+          </a:p>
+        </p:txBody>
+      </p:sp>
+    </p:spTree>
+    <p:extLst>
+      <p:ext uri="{BB962C8B-B14F-4D97-AF65-F5344CB8AC3E}">
+        <p14:creationId xmlns:p14="http://schemas.microsoft.com/office/powerpoint/2010/main" val="2269340599"/>
       </p:ext>
     </p:extLst>
   </p:cSld>
@@ -4991,4 +10153,299 @@
     </a:ext>
   </a:extLst>
 </a:theme>
+</file>
+
+<file path=ppt/theme/theme2.xml><?xml version="1.0" encoding="utf-8"?>
+<a:theme xmlns:a="http://schemas.openxmlformats.org/drawingml/2006/main" name="Office Theme">
+  <a:themeElements>
+    <a:clrScheme name="Office">
+      <a:dk1>
+        <a:sysClr val="windowText" lastClr="000000"/>
+      </a:dk1>
+      <a:lt1>
+        <a:sysClr val="window" lastClr="FFFFFF"/>
+      </a:lt1>
+      <a:dk2>
+        <a:srgbClr val="44546A"/>
+      </a:dk2>
+      <a:lt2>
+        <a:srgbClr val="E7E6E6"/>
+      </a:lt2>
+      <a:accent1>
+        <a:srgbClr val="4472C4"/>
+      </a:accent1>
+      <a:accent2>
+        <a:srgbClr val="ED7D31"/>
+      </a:accent2>
+      <a:accent3>
+        <a:srgbClr val="A5A5A5"/>
+      </a:accent3>
+      <a:accent4>
+        <a:srgbClr val="FFC000"/>
+      </a:accent4>
+      <a:accent5>
+        <a:srgbClr val="5B9BD5"/>
+      </a:accent5>
+      <a:accent6>
+        <a:srgbClr val="70AD47"/>
+      </a:accent6>
+      <a:hlink>
+        <a:srgbClr val="0563C1"/>
+      </a:hlink>
+      <a:folHlink>
+        <a:srgbClr val="954F72"/>
+      </a:folHlink>
+    </a:clrScheme>
+    <a:fontScheme name="Office">
+      <a:majorFont>
+        <a:latin typeface="Calibri Light" panose="020F0302020204030204"/>
+        <a:ea typeface=""/>
+        <a:cs typeface=""/>
+        <a:font script="Jpan" typeface="游ゴシック Light"/>
+        <a:font script="Hang" typeface="맑은 고딕"/>
+        <a:font script="Hans" typeface="等线 Light"/>
+        <a:font script="Hant" typeface="新細明體"/>
+        <a:font script="Arab" typeface="Times New Roman"/>
+        <a:font script="Hebr" typeface="Times New Roman"/>
+        <a:font script="Thai" typeface="Angsana New"/>
+        <a:font script="Ethi" typeface="Nyala"/>
+        <a:font script="Beng" typeface="Vrinda"/>
+        <a:font script="Gujr" typeface="Shruti"/>
+        <a:font script="Khmr" typeface="MoolBoran"/>
+        <a:font script="Knda" typeface="Tunga"/>
+        <a:font script="Guru" typeface="Raavi"/>
+        <a:font script="Cans" typeface="Euphemia"/>
+        <a:font script="Cher" typeface="Plantagenet Cherokee"/>
+        <a:font script="Yiii" typeface="Microsoft Yi Baiti"/>
+        <a:font script="Tibt" typeface="Microsoft Himalaya"/>
+        <a:font script="Thaa" typeface="MV Boli"/>
+        <a:font script="Deva" typeface="Mangal"/>
+        <a:font script="Telu" typeface="Gautami"/>
+        <a:font script="Taml" typeface="Latha"/>
+        <a:font script="Syrc" typeface="Estrangelo Edessa"/>
+        <a:font script="Orya" typeface="Kalinga"/>
+        <a:font script="Mlym" typeface="Kartika"/>
+        <a:font script="Laoo" typeface="DokChampa"/>
+        <a:font script="Sinh" typeface="Iskoola Pota"/>
+        <a:font script="Mong" typeface="Mongolian Baiti"/>
+        <a:font script="Viet" typeface="Times New Roman"/>
+        <a:font script="Uigh" typeface="Microsoft Uighur"/>
+        <a:font script="Geor" typeface="Sylfaen"/>
+        <a:font script="Armn" typeface="Arial"/>
+        <a:font script="Bugi" typeface="Leelawadee UI"/>
+        <a:font script="Bopo" typeface="Microsoft JhengHei"/>
+        <a:font script="Java" typeface="Javanese Text"/>
+        <a:font script="Lisu" typeface="Segoe UI"/>
+        <a:font script="Mymr" typeface="Myanmar Text"/>
+        <a:font script="Nkoo" typeface="Ebrima"/>
+        <a:font script="Olck" typeface="Nirmala UI"/>
+        <a:font script="Osma" typeface="Ebrima"/>
+        <a:font script="Phag" typeface="Phagspa"/>
+        <a:font script="Syrn" typeface="Estrangelo Edessa"/>
+        <a:font script="Syrj" typeface="Estrangelo Edessa"/>
+        <a:font script="Syre" typeface="Estrangelo Edessa"/>
+        <a:font script="Sora" typeface="Nirmala UI"/>
+        <a:font script="Tale" typeface="Microsoft Tai Le"/>
+        <a:font script="Talu" typeface="Microsoft New Tai Lue"/>
+        <a:font script="Tfng" typeface="Ebrima"/>
+      </a:majorFont>
+      <a:minorFont>
+        <a:latin typeface="Calibri" panose="020F0502020204030204"/>
+        <a:ea typeface=""/>
+        <a:cs typeface=""/>
+        <a:font script="Jpan" typeface="游ゴシック"/>
+        <a:font script="Hang" typeface="맑은 고딕"/>
+        <a:font script="Hans" typeface="等线"/>
+        <a:font script="Hant" typeface="新細明體"/>
+        <a:font script="Arab" typeface="Arial"/>
+        <a:font script="Hebr" typeface="Arial"/>
+        <a:font script="Thai" typeface="Cordia New"/>
+        <a:font script="Ethi" typeface="Nyala"/>
+        <a:font script="Beng" typeface="Vrinda"/>
+        <a:font script="Gujr" typeface="Shruti"/>
+        <a:font script="Khmr" typeface="DaunPenh"/>
+        <a:font script="Knda" typeface="Tunga"/>
+        <a:font script="Guru" typeface="Raavi"/>
+        <a:font script="Cans" typeface="Euphemia"/>
+        <a:font script="Cher" typeface="Plantagenet Cherokee"/>
+        <a:font script="Yiii" typeface="Microsoft Yi Baiti"/>
+        <a:font script="Tibt" typeface="Microsoft Himalaya"/>
+        <a:font script="Thaa" typeface="MV Boli"/>
+        <a:font script="Deva" typeface="Mangal"/>
+        <a:font script="Telu" typeface="Gautami"/>
+        <a:font script="Taml" typeface="Latha"/>
+        <a:font script="Syrc" typeface="Estrangelo Edessa"/>
+        <a:font script="Orya" typeface="Kalinga"/>
+        <a:font script="Mlym" typeface="Kartika"/>
+        <a:font script="Laoo" typeface="DokChampa"/>
+        <a:font script="Sinh" typeface="Iskoola Pota"/>
+        <a:font script="Mong" typeface="Mongolian Baiti"/>
+        <a:font script="Viet" typeface="Arial"/>
+        <a:font script="Uigh" typeface="Microsoft Uighur"/>
+        <a:font script="Geor" typeface="Sylfaen"/>
+        <a:font script="Armn" typeface="Arial"/>
+        <a:font script="Bugi" typeface="Leelawadee UI"/>
+        <a:font script="Bopo" typeface="Microsoft JhengHei"/>
+        <a:font script="Java" typeface="Javanese Text"/>
+        <a:font script="Lisu" typeface="Segoe UI"/>
+        <a:font script="Mymr" typeface="Myanmar Text"/>
+        <a:font script="Nkoo" typeface="Ebrima"/>
+        <a:font script="Olck" typeface="Nirmala UI"/>
+        <a:font script="Osma" typeface="Ebrima"/>
+        <a:font script="Phag" typeface="Phagspa"/>
+        <a:font script="Syrn" typeface="Estrangelo Edessa"/>
+        <a:font script="Syrj" typeface="Estrangelo Edessa"/>
+        <a:font script="Syre" typeface="Estrangelo Edessa"/>
+        <a:font script="Sora" typeface="Nirmala UI"/>
+        <a:font script="Tale" typeface="Microsoft Tai Le"/>
+        <a:font script="Talu" typeface="Microsoft New Tai Lue"/>
+        <a:font script="Tfng" typeface="Ebrima"/>
+      </a:minorFont>
+    </a:fontScheme>
+    <a:fmtScheme name="Office">
+      <a:fillStyleLst>
+        <a:solidFill>
+          <a:schemeClr val="phClr"/>
+        </a:solidFill>
+        <a:gradFill rotWithShape="1">
+          <a:gsLst>
+            <a:gs pos="0">
+              <a:schemeClr val="phClr">
+                <a:lumMod val="110000"/>
+                <a:satMod val="105000"/>
+                <a:tint val="67000"/>
+              </a:schemeClr>
+            </a:gs>
+            <a:gs pos="50000">
+              <a:schemeClr val="phClr">
+                <a:lumMod val="105000"/>
+                <a:satMod val="103000"/>
+                <a:tint val="73000"/>
+              </a:schemeClr>
+            </a:gs>
+            <a:gs pos="100000">
+              <a:schemeClr val="phClr">
+                <a:lumMod val="105000"/>
+                <a:satMod val="109000"/>
+                <a:tint val="81000"/>
+              </a:schemeClr>
+            </a:gs>
+          </a:gsLst>
+          <a:lin ang="5400000" scaled="0"/>
+        </a:gradFill>
+        <a:gradFill rotWithShape="1">
+          <a:gsLst>
+            <a:gs pos="0">
+              <a:schemeClr val="phClr">
+                <a:satMod val="103000"/>
+                <a:lumMod val="102000"/>
+                <a:tint val="94000"/>
+              </a:schemeClr>
+            </a:gs>
+            <a:gs pos="50000">
+              <a:schemeClr val="phClr">
+                <a:satMod val="110000"/>
+                <a:lumMod val="100000"/>
+                <a:shade val="100000"/>
+              </a:schemeClr>
+            </a:gs>
+            <a:gs pos="100000">
+              <a:schemeClr val="phClr">
+                <a:lumMod val="99000"/>
+                <a:satMod val="120000"/>
+                <a:shade val="78000"/>
+              </a:schemeClr>
+            </a:gs>
+          </a:gsLst>
+          <a:lin ang="5400000" scaled="0"/>
+        </a:gradFill>
+      </a:fillStyleLst>
+      <a:lnStyleLst>
+        <a:ln w="6350" cap="flat" cmpd="sng" algn="ctr">
+          <a:solidFill>
+            <a:schemeClr val="phClr"/>
+          </a:solidFill>
+          <a:prstDash val="solid"/>
+          <a:miter lim="800000"/>
+        </a:ln>
+        <a:ln w="12700" cap="flat" cmpd="sng" algn="ctr">
+          <a:solidFill>
+            <a:schemeClr val="phClr"/>
+          </a:solidFill>
+          <a:prstDash val="solid"/>
+          <a:miter lim="800000"/>
+        </a:ln>
+        <a:ln w="19050" cap="flat" cmpd="sng" algn="ctr">
+          <a:solidFill>
+            <a:schemeClr val="phClr"/>
+          </a:solidFill>
+          <a:prstDash val="solid"/>
+          <a:miter lim="800000"/>
+        </a:ln>
+      </a:lnStyleLst>
+      <a:effectStyleLst>
+        <a:effectStyle>
+          <a:effectLst/>
+        </a:effectStyle>
+        <a:effectStyle>
+          <a:effectLst/>
+        </a:effectStyle>
+        <a:effectStyle>
+          <a:effectLst>
+            <a:outerShdw blurRad="57150" dist="19050" dir="5400000" algn="ctr" rotWithShape="0">
+              <a:srgbClr val="000000">
+                <a:alpha val="63000"/>
+              </a:srgbClr>
+            </a:outerShdw>
+          </a:effectLst>
+        </a:effectStyle>
+      </a:effectStyleLst>
+      <a:bgFillStyleLst>
+        <a:solidFill>
+          <a:schemeClr val="phClr"/>
+        </a:solidFill>
+        <a:solidFill>
+          <a:schemeClr val="phClr">
+            <a:tint val="95000"/>
+            <a:satMod val="170000"/>
+          </a:schemeClr>
+        </a:solidFill>
+        <a:gradFill rotWithShape="1">
+          <a:gsLst>
+            <a:gs pos="0">
+              <a:schemeClr val="phClr">
+                <a:tint val="93000"/>
+                <a:satMod val="150000"/>
+                <a:shade val="98000"/>
+                <a:lumMod val="102000"/>
+              </a:schemeClr>
+            </a:gs>
+            <a:gs pos="50000">
+              <a:schemeClr val="phClr">
+                <a:tint val="98000"/>
+                <a:satMod val="130000"/>
+                <a:shade val="90000"/>
+                <a:lumMod val="103000"/>
+              </a:schemeClr>
+            </a:gs>
+            <a:gs pos="100000">
+              <a:schemeClr val="phClr">
+                <a:shade val="63000"/>
+                <a:satMod val="120000"/>
+              </a:schemeClr>
+            </a:gs>
+          </a:gsLst>
+          <a:lin ang="5400000" scaled="0"/>
+        </a:gradFill>
+      </a:bgFillStyleLst>
+    </a:fmtScheme>
+  </a:themeElements>
+  <a:objectDefaults/>
+  <a:extraClrSchemeLst/>
+  <a:extLst>
+    <a:ext uri="{05A4C25C-085E-4340-85A3-A5531E510DB2}">
+      <thm15:themeFamily xmlns:thm15="http://schemas.microsoft.com/office/thememl/2012/main" name="Office Theme" id="{62F939B6-93AF-4DB8-9C6B-D6C7DFDC589F}" vid="{4A3C46E8-61CC-4603-A589-7422A47A8E4A}"/>
+    </a:ext>
+  </a:extLst>
+</a:theme>
 </file>
--- a/DesignPatterns.pptx
+++ b/DesignPatterns.pptx
@@ -5,7 +5,7 @@
     <p:sldMasterId id="2147483648" r:id="rId1"/>
   </p:sldMasterIdLst>
   <p:notesMasterIdLst>
-    <p:notesMasterId r:id="rId17"/>
+    <p:notesMasterId r:id="rId18"/>
   </p:notesMasterIdLst>
   <p:sldIdLst>
     <p:sldId id="256" r:id="rId2"/>
@@ -22,7 +22,8 @@
     <p:sldId id="266" r:id="rId13"/>
     <p:sldId id="267" r:id="rId14"/>
     <p:sldId id="268" r:id="rId15"/>
-    <p:sldId id="270" r:id="rId16"/>
+    <p:sldId id="271" r:id="rId16"/>
+    <p:sldId id="270" r:id="rId17"/>
   </p:sldIdLst>
   <p:sldSz cx="12192000" cy="6858000"/>
   <p:notesSz cx="6858000" cy="9144000"/>
@@ -121,6 +122,11 @@
       </a:defRPr>
     </a:lvl9pPr>
   </p:defaultTextStyle>
+  <p:extLst>
+    <p:ext uri="{EFAFB233-063F-42B5-8137-9DF3F51BA10A}">
+      <p15:sldGuideLst xmlns:p15="http://schemas.microsoft.com/office/powerpoint/2012/main"/>
+    </p:ext>
+  </p:extLst>
 </p:presentation>
 </file>
 
@@ -206,7 +212,7 @@
           <a:p>
             <a:fld id="{78110C27-D234-244B-8291-2DBA364E4551}" type="datetimeFigureOut">
               <a:rPr lang="en-US" smtClean="0"/>
-              <a:t>2/24/21</a:t>
+              <a:t>3/7/21</a:t>
             </a:fld>
             <a:endParaRPr lang="en-US"/>
           </a:p>
@@ -875,7 +881,7 @@
           <a:p>
             <a:fld id="{47B4C08F-5BAD-784C-92BC-E89691C6962D}" type="datetimeFigureOut">
               <a:rPr lang="en-US" smtClean="0"/>
-              <a:t>2/18/21</a:t>
+              <a:t>3/7/21</a:t>
             </a:fld>
             <a:endParaRPr lang="en-US"/>
           </a:p>
@@ -1075,7 +1081,7 @@
           <a:p>
             <a:fld id="{47B4C08F-5BAD-784C-92BC-E89691C6962D}" type="datetimeFigureOut">
               <a:rPr lang="en-US" smtClean="0"/>
-              <a:t>2/18/21</a:t>
+              <a:t>3/7/21</a:t>
             </a:fld>
             <a:endParaRPr lang="en-US"/>
           </a:p>
@@ -1285,7 +1291,7 @@
           <a:p>
             <a:fld id="{47B4C08F-5BAD-784C-92BC-E89691C6962D}" type="datetimeFigureOut">
               <a:rPr lang="en-US" smtClean="0"/>
-              <a:t>2/18/21</a:t>
+              <a:t>3/7/21</a:t>
             </a:fld>
             <a:endParaRPr lang="en-US"/>
           </a:p>
@@ -1485,7 +1491,7 @@
           <a:p>
             <a:fld id="{47B4C08F-5BAD-784C-92BC-E89691C6962D}" type="datetimeFigureOut">
               <a:rPr lang="en-US" smtClean="0"/>
-              <a:t>2/18/21</a:t>
+              <a:t>3/7/21</a:t>
             </a:fld>
             <a:endParaRPr lang="en-US"/>
           </a:p>
@@ -1761,7 +1767,7 @@
           <a:p>
             <a:fld id="{47B4C08F-5BAD-784C-92BC-E89691C6962D}" type="datetimeFigureOut">
               <a:rPr lang="en-US" smtClean="0"/>
-              <a:t>2/18/21</a:t>
+              <a:t>3/7/21</a:t>
             </a:fld>
             <a:endParaRPr lang="en-US"/>
           </a:p>
@@ -2029,7 +2035,7 @@
           <a:p>
             <a:fld id="{47B4C08F-5BAD-784C-92BC-E89691C6962D}" type="datetimeFigureOut">
               <a:rPr lang="en-US" smtClean="0"/>
-              <a:t>2/18/21</a:t>
+              <a:t>3/7/21</a:t>
             </a:fld>
             <a:endParaRPr lang="en-US"/>
           </a:p>
@@ -2444,7 +2450,7 @@
           <a:p>
             <a:fld id="{47B4C08F-5BAD-784C-92BC-E89691C6962D}" type="datetimeFigureOut">
               <a:rPr lang="en-US" smtClean="0"/>
-              <a:t>2/18/21</a:t>
+              <a:t>3/7/21</a:t>
             </a:fld>
             <a:endParaRPr lang="en-US"/>
           </a:p>
@@ -2586,7 +2592,7 @@
           <a:p>
             <a:fld id="{47B4C08F-5BAD-784C-92BC-E89691C6962D}" type="datetimeFigureOut">
               <a:rPr lang="en-US" smtClean="0"/>
-              <a:t>2/18/21</a:t>
+              <a:t>3/7/21</a:t>
             </a:fld>
             <a:endParaRPr lang="en-US"/>
           </a:p>
@@ -2699,7 +2705,7 @@
           <a:p>
             <a:fld id="{47B4C08F-5BAD-784C-92BC-E89691C6962D}" type="datetimeFigureOut">
               <a:rPr lang="en-US" smtClean="0"/>
-              <a:t>2/18/21</a:t>
+              <a:t>3/7/21</a:t>
             </a:fld>
             <a:endParaRPr lang="en-US"/>
           </a:p>
@@ -3012,7 +3018,7 @@
           <a:p>
             <a:fld id="{47B4C08F-5BAD-784C-92BC-E89691C6962D}" type="datetimeFigureOut">
               <a:rPr lang="en-US" smtClean="0"/>
-              <a:t>2/18/21</a:t>
+              <a:t>3/7/21</a:t>
             </a:fld>
             <a:endParaRPr lang="en-US"/>
           </a:p>
@@ -3301,7 +3307,7 @@
           <a:p>
             <a:fld id="{47B4C08F-5BAD-784C-92BC-E89691C6962D}" type="datetimeFigureOut">
               <a:rPr lang="en-US" smtClean="0"/>
-              <a:t>2/18/21</a:t>
+              <a:t>3/7/21</a:t>
             </a:fld>
             <a:endParaRPr lang="en-US"/>
           </a:p>
@@ -3544,7 +3550,7 @@
           <a:p>
             <a:fld id="{47B4C08F-5BAD-784C-92BC-E89691C6962D}" type="datetimeFigureOut">
               <a:rPr lang="en-US" smtClean="0"/>
-              <a:t>2/18/21</a:t>
+              <a:t>3/7/21</a:t>
             </a:fld>
             <a:endParaRPr lang="en-US"/>
           </a:p>
@@ -6494,6 +6500,296 @@
 </file>
 
 <file path=ppt/slides/slide15.xml><?xml version="1.0" encoding="utf-8"?>
+<p:sld xmlns:a="http://schemas.openxmlformats.org/drawingml/2006/main" xmlns:r="http://schemas.openxmlformats.org/officeDocument/2006/relationships" xmlns:p="http://schemas.openxmlformats.org/presentationml/2006/main">
+  <p:cSld>
+    <p:spTree>
+      <p:nvGrpSpPr>
+        <p:cNvPr id="1" name=""/>
+        <p:cNvGrpSpPr/>
+        <p:nvPr/>
+      </p:nvGrpSpPr>
+      <p:grpSpPr>
+        <a:xfrm>
+          <a:off x="0" y="0"/>
+          <a:ext cx="0" cy="0"/>
+          <a:chOff x="0" y="0"/>
+          <a:chExt cx="0" cy="0"/>
+        </a:xfrm>
+      </p:grpSpPr>
+      <p:sp>
+        <p:nvSpPr>
+          <p:cNvPr id="2" name="Title 1">
+            <a:extLst>
+              <a:ext uri="{FF2B5EF4-FFF2-40B4-BE49-F238E27FC236}">
+                <a16:creationId xmlns:a16="http://schemas.microsoft.com/office/drawing/2014/main" id="{F88582F3-5BC2-114F-AB51-A93318B338BF}"/>
+              </a:ext>
+            </a:extLst>
+          </p:cNvPr>
+          <p:cNvSpPr>
+            <a:spLocks noGrp="1"/>
+          </p:cNvSpPr>
+          <p:nvPr>
+            <p:ph type="title"/>
+          </p:nvPr>
+        </p:nvSpPr>
+        <p:spPr>
+          <a:xfrm>
+            <a:off x="754118" y="112877"/>
+            <a:ext cx="10292254" cy="917137"/>
+          </a:xfrm>
+        </p:spPr>
+        <p:txBody>
+          <a:bodyPr>
+            <a:normAutofit/>
+          </a:bodyPr>
+          <a:lstStyle/>
+          <a:p>
+            <a:r>
+              <a:rPr lang="en-US" sz="3600" dirty="0"/>
+              <a:t>Useful References:</a:t>
+            </a:r>
+          </a:p>
+        </p:txBody>
+      </p:sp>
+      <p:sp>
+        <p:nvSpPr>
+          <p:cNvPr id="8" name="Content Placeholder 2">
+            <a:extLst>
+              <a:ext uri="{FF2B5EF4-FFF2-40B4-BE49-F238E27FC236}">
+                <a16:creationId xmlns:a16="http://schemas.microsoft.com/office/drawing/2014/main" id="{4E85ACF6-256B-3E45-80E7-6DF1BC8C3D3B}"/>
+              </a:ext>
+            </a:extLst>
+          </p:cNvPr>
+          <p:cNvSpPr txBox="1">
+            <a:spLocks/>
+          </p:cNvSpPr>
+          <p:nvPr/>
+        </p:nvSpPr>
+        <p:spPr>
+          <a:xfrm>
+            <a:off x="636008" y="1173228"/>
+            <a:ext cx="10108542" cy="1458096"/>
+          </a:xfrm>
+          <a:prstGeom prst="rect">
+            <a:avLst/>
+          </a:prstGeom>
+        </p:spPr>
+        <p:txBody>
+          <a:bodyPr vert="horz" lIns="91440" tIns="45720" rIns="91440" bIns="45720" rtlCol="0">
+            <a:noAutofit/>
+          </a:bodyPr>
+          <a:lstStyle>
+            <a:lvl1pPr marL="228600" indent="-228600" algn="l" defTabSz="914400" rtl="0" eaLnBrk="1" latinLnBrk="0" hangingPunct="1">
+              <a:lnSpc>
+                <a:spcPct val="90000"/>
+              </a:lnSpc>
+              <a:spcBef>
+                <a:spcPts val="1000"/>
+              </a:spcBef>
+              <a:buFont typeface="Arial" panose="020B0604020202020204" pitchFamily="34" charset="0"/>
+              <a:buChar char="•"/>
+              <a:defRPr sz="2800" kern="1200">
+                <a:solidFill>
+                  <a:schemeClr val="tx1"/>
+                </a:solidFill>
+                <a:latin typeface="+mn-lt"/>
+                <a:ea typeface="+mn-ea"/>
+                <a:cs typeface="+mn-cs"/>
+              </a:defRPr>
+            </a:lvl1pPr>
+            <a:lvl2pPr marL="685800" indent="-228600" algn="l" defTabSz="914400" rtl="0" eaLnBrk="1" latinLnBrk="0" hangingPunct="1">
+              <a:lnSpc>
+                <a:spcPct val="90000"/>
+              </a:lnSpc>
+              <a:spcBef>
+                <a:spcPts val="500"/>
+              </a:spcBef>
+              <a:buFont typeface="Arial" panose="020B0604020202020204" pitchFamily="34" charset="0"/>
+              <a:buChar char="•"/>
+              <a:defRPr sz="2400" kern="1200">
+                <a:solidFill>
+                  <a:schemeClr val="tx1"/>
+                </a:solidFill>
+                <a:latin typeface="+mn-lt"/>
+                <a:ea typeface="+mn-ea"/>
+                <a:cs typeface="+mn-cs"/>
+              </a:defRPr>
+            </a:lvl2pPr>
+            <a:lvl3pPr marL="1143000" indent="-228600" algn="l" defTabSz="914400" rtl="0" eaLnBrk="1" latinLnBrk="0" hangingPunct="1">
+              <a:lnSpc>
+                <a:spcPct val="90000"/>
+              </a:lnSpc>
+              <a:spcBef>
+                <a:spcPts val="500"/>
+              </a:spcBef>
+              <a:buFont typeface="Arial" panose="020B0604020202020204" pitchFamily="34" charset="0"/>
+              <a:buChar char="•"/>
+              <a:defRPr sz="2000" kern="1200">
+                <a:solidFill>
+                  <a:schemeClr val="tx1"/>
+                </a:solidFill>
+                <a:latin typeface="+mn-lt"/>
+                <a:ea typeface="+mn-ea"/>
+                <a:cs typeface="+mn-cs"/>
+              </a:defRPr>
+            </a:lvl3pPr>
+            <a:lvl4pPr marL="1600200" indent="-228600" algn="l" defTabSz="914400" rtl="0" eaLnBrk="1" latinLnBrk="0" hangingPunct="1">
+              <a:lnSpc>
+                <a:spcPct val="90000"/>
+              </a:lnSpc>
+              <a:spcBef>
+                <a:spcPts val="500"/>
+              </a:spcBef>
+              <a:buFont typeface="Arial" panose="020B0604020202020204" pitchFamily="34" charset="0"/>
+              <a:buChar char="•"/>
+              <a:defRPr sz="1800" kern="1200">
+                <a:solidFill>
+                  <a:schemeClr val="tx1"/>
+                </a:solidFill>
+                <a:latin typeface="+mn-lt"/>
+                <a:ea typeface="+mn-ea"/>
+                <a:cs typeface="+mn-cs"/>
+              </a:defRPr>
+            </a:lvl4pPr>
+            <a:lvl5pPr marL="2057400" indent="-228600" algn="l" defTabSz="914400" rtl="0" eaLnBrk="1" latinLnBrk="0" hangingPunct="1">
+              <a:lnSpc>
+                <a:spcPct val="90000"/>
+              </a:lnSpc>
+              <a:spcBef>
+                <a:spcPts val="500"/>
+              </a:spcBef>
+              <a:buFont typeface="Arial" panose="020B0604020202020204" pitchFamily="34" charset="0"/>
+              <a:buChar char="•"/>
+              <a:defRPr sz="1800" kern="1200">
+                <a:solidFill>
+                  <a:schemeClr val="tx1"/>
+                </a:solidFill>
+                <a:latin typeface="+mn-lt"/>
+                <a:ea typeface="+mn-ea"/>
+                <a:cs typeface="+mn-cs"/>
+              </a:defRPr>
+            </a:lvl5pPr>
+            <a:lvl6pPr marL="2514600" indent="-228600" algn="l" defTabSz="914400" rtl="0" eaLnBrk="1" latinLnBrk="0" hangingPunct="1">
+              <a:lnSpc>
+                <a:spcPct val="90000"/>
+              </a:lnSpc>
+              <a:spcBef>
+                <a:spcPts val="500"/>
+              </a:spcBef>
+              <a:buFont typeface="Arial" panose="020B0604020202020204" pitchFamily="34" charset="0"/>
+              <a:buChar char="•"/>
+              <a:defRPr sz="1800" kern="1200">
+                <a:solidFill>
+                  <a:schemeClr val="tx1"/>
+                </a:solidFill>
+                <a:latin typeface="+mn-lt"/>
+                <a:ea typeface="+mn-ea"/>
+                <a:cs typeface="+mn-cs"/>
+              </a:defRPr>
+            </a:lvl6pPr>
+            <a:lvl7pPr marL="2971800" indent="-228600" algn="l" defTabSz="914400" rtl="0" eaLnBrk="1" latinLnBrk="0" hangingPunct="1">
+              <a:lnSpc>
+                <a:spcPct val="90000"/>
+              </a:lnSpc>
+              <a:spcBef>
+                <a:spcPts val="500"/>
+              </a:spcBef>
+              <a:buFont typeface="Arial" panose="020B0604020202020204" pitchFamily="34" charset="0"/>
+              <a:buChar char="•"/>
+              <a:defRPr sz="1800" kern="1200">
+                <a:solidFill>
+                  <a:schemeClr val="tx1"/>
+                </a:solidFill>
+                <a:latin typeface="+mn-lt"/>
+                <a:ea typeface="+mn-ea"/>
+                <a:cs typeface="+mn-cs"/>
+              </a:defRPr>
+            </a:lvl7pPr>
+            <a:lvl8pPr marL="3429000" indent="-228600" algn="l" defTabSz="914400" rtl="0" eaLnBrk="1" latinLnBrk="0" hangingPunct="1">
+              <a:lnSpc>
+                <a:spcPct val="90000"/>
+              </a:lnSpc>
+              <a:spcBef>
+                <a:spcPts val="500"/>
+              </a:spcBef>
+              <a:buFont typeface="Arial" panose="020B0604020202020204" pitchFamily="34" charset="0"/>
+              <a:buChar char="•"/>
+              <a:defRPr sz="1800" kern="1200">
+                <a:solidFill>
+                  <a:schemeClr val="tx1"/>
+                </a:solidFill>
+                <a:latin typeface="+mn-lt"/>
+                <a:ea typeface="+mn-ea"/>
+                <a:cs typeface="+mn-cs"/>
+              </a:defRPr>
+            </a:lvl8pPr>
+            <a:lvl9pPr marL="3886200" indent="-228600" algn="l" defTabSz="914400" rtl="0" eaLnBrk="1" latinLnBrk="0" hangingPunct="1">
+              <a:lnSpc>
+                <a:spcPct val="90000"/>
+              </a:lnSpc>
+              <a:spcBef>
+                <a:spcPts val="500"/>
+              </a:spcBef>
+              <a:buFont typeface="Arial" panose="020B0604020202020204" pitchFamily="34" charset="0"/>
+              <a:buChar char="•"/>
+              <a:defRPr sz="1800" kern="1200">
+                <a:solidFill>
+                  <a:schemeClr val="tx1"/>
+                </a:solidFill>
+                <a:latin typeface="+mn-lt"/>
+                <a:ea typeface="+mn-ea"/>
+                <a:cs typeface="+mn-cs"/>
+              </a:defRPr>
+            </a:lvl9pPr>
+          </a:lstStyle>
+          <a:p>
+            <a:r>
+              <a:rPr lang="en-IN" sz="2200" dirty="0"/>
+              <a:t>Design Pattern Tutorial: </a:t>
+            </a:r>
+            <a:r>
+              <a:rPr lang="en-IN" sz="2200" dirty="0">
+                <a:hlinkClick r:id="rId2"/>
+              </a:rPr>
+              <a:t>https://app.pluralsight.com/paths/skill/design-patterns-in-java</a:t>
+            </a:r>
+            <a:endParaRPr lang="en-IN" sz="2200" dirty="0"/>
+          </a:p>
+          <a:p>
+            <a:r>
+              <a:rPr lang="en-IN" sz="2200" dirty="0"/>
+              <a:t>Java Best Practices: </a:t>
+            </a:r>
+            <a:r>
+              <a:rPr lang="en-IN" sz="2200" dirty="0">
+                <a:hlinkClick r:id="rId3"/>
+              </a:rPr>
+              <a:t>https://rhamedy.medium.com/a-short-summary-of-java-coding-best-practices-31283d0167d3</a:t>
+            </a:r>
+            <a:endParaRPr lang="en-IN" sz="2200" dirty="0"/>
+          </a:p>
+          <a:p>
+            <a:r>
+              <a:rPr lang="en-IN" sz="2200" dirty="0"/>
+              <a:t>For practice: </a:t>
+            </a:r>
+          </a:p>
+        </p:txBody>
+      </p:sp>
+    </p:spTree>
+    <p:extLst>
+      <p:ext uri="{BB962C8B-B14F-4D97-AF65-F5344CB8AC3E}">
+        <p14:creationId xmlns:p14="http://schemas.microsoft.com/office/powerpoint/2010/main" val="1831419089"/>
+      </p:ext>
+    </p:extLst>
+  </p:cSld>
+  <p:clrMapOvr>
+    <a:masterClrMapping/>
+  </p:clrMapOvr>
+</p:sld>
+</file>
+
+<file path=ppt/slides/slide16.xml><?xml version="1.0" encoding="utf-8"?>
 <p:sld xmlns:a="http://schemas.openxmlformats.org/drawingml/2006/main" xmlns:r="http://schemas.openxmlformats.org/officeDocument/2006/relationships" xmlns:p="http://schemas.openxmlformats.org/presentationml/2006/main">
   <p:cSld>
     <p:spTree>

--- a/DesignPatterns.pptx
+++ b/DesignPatterns.pptx
@@ -6771,7 +6771,42 @@
           <a:p>
             <a:r>
               <a:rPr lang="en-IN" sz="2200" dirty="0"/>
-              <a:t>For practice: </a:t>
+              <a:t>For practice: https://</a:t>
+            </a:r>
+            <a:r>
+              <a:rPr lang="en-IN" sz="2200" dirty="0" err="1"/>
+              <a:t>github.com</a:t>
+            </a:r>
+            <a:r>
+              <a:rPr lang="en-IN" sz="2200" dirty="0"/>
+              <a:t>/amanjain201/</a:t>
+            </a:r>
+            <a:r>
+              <a:rPr lang="en-IN" sz="2200" dirty="0" err="1"/>
+              <a:t>designpatternapp</a:t>
+            </a:r>
+            <a:endParaRPr lang="en-IN" sz="2200" dirty="0"/>
+          </a:p>
+          <a:p>
+            <a:r>
+              <a:rPr lang="en-IN" sz="2200" dirty="0"/>
+              <a:t>Effective Java(3</a:t>
+            </a:r>
+            <a:r>
+              <a:rPr lang="en-IN" sz="2200" baseline="30000" dirty="0"/>
+              <a:t>rd</a:t>
+            </a:r>
+            <a:r>
+              <a:rPr lang="en-IN" sz="2200" dirty="0"/>
+              <a:t> edition) : https://</a:t>
+            </a:r>
+            <a:r>
+              <a:rPr lang="en-IN" sz="2200" dirty="0" err="1"/>
+              <a:t>learning.oreilly.com</a:t>
+            </a:r>
+            <a:r>
+              <a:rPr lang="en-IN" sz="2200" dirty="0"/>
+              <a:t>/library/view/effective-java/9780134686097/ch1.xhtml</a:t>
             </a:r>
           </a:p>
         </p:txBody>
